--- a/亮晶燈.pptx
+++ b/亮晶燈.pptx
@@ -2,13 +2,13 @@
 <file path=ppt/presentation.xml><?xml version="1.0" encoding="utf-8"?>
 <p:presentation xmlns:a="http://schemas.openxmlformats.org/drawingml/2006/main" xmlns:r="http://schemas.openxmlformats.org/officeDocument/2006/relationships" xmlns:p="http://schemas.openxmlformats.org/presentationml/2006/main" saveSubsetFonts="1">
   <p:sldMasterIdLst>
-    <p:sldMasterId id="2147483672" r:id="rId1"/>
+    <p:sldMasterId id="2147483684" r:id="rId1"/>
   </p:sldMasterIdLst>
   <p:sldIdLst>
     <p:sldId id="256" r:id="rId2"/>
     <p:sldId id="257" r:id="rId3"/>
   </p:sldIdLst>
-  <p:sldSz cx="9144000" cy="6858000" type="screen4x3"/>
+  <p:sldSz cx="9144000" cy="5143500" type="screen16x9"/>
   <p:notesSz cx="6858000" cy="9144000"/>
   <p:defaultTextStyle>
     <a:defPPr>
@@ -127,7 +127,7 @@
       </p:grpSpPr>
       <p:sp>
         <p:nvSpPr>
-          <p:cNvPr id="2" name="図形 1"/>
+          <p:cNvPr id="2" name="標題 1"/>
           <p:cNvSpPr>
             <a:spLocks noGrp="1"/>
           </p:cNvSpPr>
@@ -137,8 +137,8 @@
         </p:nvSpPr>
         <p:spPr>
           <a:xfrm>
-            <a:off x="928662" y="1928803"/>
-            <a:ext cx="7172348" cy="1470025"/>
+            <a:off x="685800" y="1597819"/>
+            <a:ext cx="7772400" cy="1102519"/>
           </a:xfrm>
         </p:spPr>
         <p:txBody>
@@ -146,16 +146,16 @@
           <a:lstStyle/>
           <a:p>
             <a:r>
-              <a:rPr kumimoji="1" lang="zh-TW" altLang="en-US" smtClean="0"/>
-              <a:t>按一下以編輯母片標題樣式</a:t>
-            </a:r>
-            <a:endParaRPr kumimoji="1" lang="ja-JP" altLang="en-US" dirty="0"/>
-          </a:p>
-        </p:txBody>
-      </p:sp>
-      <p:sp>
-        <p:nvSpPr>
-          <p:cNvPr id="8" name="図形 7"/>
+              <a:rPr lang="en-US" altLang="zh-TW" smtClean="0"/>
+              <a:t>Click to edit Master title style</a:t>
+            </a:r>
+            <a:endParaRPr lang="zh-TW" altLang="en-US"/>
+          </a:p>
+        </p:txBody>
+      </p:sp>
+      <p:sp>
+        <p:nvSpPr>
+          <p:cNvPr id="3" name="副標題 2"/>
           <p:cNvSpPr>
             <a:spLocks noGrp="1"/>
           </p:cNvSpPr>
@@ -165,8 +165,8 @@
         </p:nvSpPr>
         <p:spPr>
           <a:xfrm>
-            <a:off x="1371600" y="3643314"/>
-            <a:ext cx="6400800" cy="1285884"/>
+            <a:off x="1371600" y="2914650"/>
+            <a:ext cx="6400800" cy="1314450"/>
           </a:xfrm>
         </p:spPr>
         <p:txBody>
@@ -176,7 +176,9 @@
               <a:buNone/>
               <a:defRPr>
                 <a:solidFill>
-                  <a:schemeClr val="tx2"/>
+                  <a:schemeClr val="tx1">
+                    <a:tint val="75000"/>
+                  </a:schemeClr>
                 </a:solidFill>
               </a:defRPr>
             </a:lvl1pPr>
@@ -263,16 +265,16 @@
           </a:lstStyle>
           <a:p>
             <a:r>
-              <a:rPr kumimoji="1" lang="zh-TW" altLang="en-US" smtClean="0"/>
-              <a:t>按一下以編輯母片副標題樣式</a:t>
-            </a:r>
-            <a:endParaRPr kumimoji="1" lang="ja-JP" altLang="en-US" dirty="0"/>
-          </a:p>
-        </p:txBody>
-      </p:sp>
-      <p:sp>
-        <p:nvSpPr>
-          <p:cNvPr id="12" name="図形 11"/>
+              <a:rPr lang="en-US" altLang="zh-TW" smtClean="0"/>
+              <a:t>Click to edit Master subtitle style</a:t>
+            </a:r>
+            <a:endParaRPr lang="zh-TW" altLang="en-US"/>
+          </a:p>
+        </p:txBody>
+      </p:sp>
+      <p:sp>
+        <p:nvSpPr>
+          <p:cNvPr id="4" name="日期版面配置區 3"/>
           <p:cNvSpPr>
             <a:spLocks noGrp="1"/>
           </p:cNvSpPr>
@@ -287,7 +289,7 @@
           <a:p>
             <a:fld id="{982F74A0-5549-4DEA-895A-B6477C30BB93}" type="datetimeFigureOut">
               <a:rPr lang="zh-TW" altLang="en-US" smtClean="0"/>
-              <a:t>2015/3/26</a:t>
+              <a:t>2019/9/7</a:t>
             </a:fld>
             <a:endParaRPr lang="zh-TW" altLang="en-US"/>
           </a:p>
@@ -295,7 +297,7 @@
       </p:sp>
       <p:sp>
         <p:nvSpPr>
-          <p:cNvPr id="11" name="図形 10"/>
+          <p:cNvPr id="5" name="頁尾版面配置區 4"/>
           <p:cNvSpPr>
             <a:spLocks noGrp="1"/>
           </p:cNvSpPr>
@@ -314,7 +316,7 @@
       </p:sp>
       <p:sp>
         <p:nvSpPr>
-          <p:cNvPr id="18" name="図形 17"/>
+          <p:cNvPr id="6" name="投影片編號版面配置區 5"/>
           <p:cNvSpPr>
             <a:spLocks noGrp="1"/>
           </p:cNvSpPr>
@@ -344,7 +346,7 @@
 </file>
 
 <file path=ppt/slideLayouts/slideLayout10.xml><?xml version="1.0" encoding="utf-8"?>
-<p:sldLayout xmlns:a="http://schemas.openxmlformats.org/drawingml/2006/main" xmlns:r="http://schemas.openxmlformats.org/officeDocument/2006/relationships" xmlns:p="http://schemas.openxmlformats.org/presentationml/2006/main" showMasterSp="0" type="vertTx" preserve="1">
+<p:sldLayout xmlns:a="http://schemas.openxmlformats.org/drawingml/2006/main" xmlns:r="http://schemas.openxmlformats.org/officeDocument/2006/relationships" xmlns:p="http://schemas.openxmlformats.org/presentationml/2006/main" type="vertTx" preserve="1">
   <p:cSld name="標題及直排文字">
     <p:spTree>
       <p:nvGrpSpPr>
@@ -362,7 +364,7 @@
       </p:grpSpPr>
       <p:sp>
         <p:nvSpPr>
-          <p:cNvPr id="2" name="図形 1"/>
+          <p:cNvPr id="2" name="標題 1"/>
           <p:cNvSpPr>
             <a:spLocks noGrp="1"/>
           </p:cNvSpPr>
@@ -370,27 +372,22 @@
             <p:ph type="title"/>
           </p:nvPr>
         </p:nvSpPr>
-        <p:spPr>
-          <a:xfrm>
-            <a:off x="671514" y="274638"/>
-            <a:ext cx="7829576" cy="1011222"/>
-          </a:xfrm>
-        </p:spPr>
-        <p:txBody>
-          <a:bodyPr/>
-          <a:lstStyle/>
-          <a:p>
-            <a:r>
-              <a:rPr kumimoji="1" lang="zh-TW" altLang="en-US" smtClean="0"/>
-              <a:t>按一下以編輯母片標題樣式</a:t>
-            </a:r>
-            <a:endParaRPr kumimoji="1" lang="ja-JP" altLang="en-US" dirty="0"/>
-          </a:p>
-        </p:txBody>
-      </p:sp>
-      <p:sp>
-        <p:nvSpPr>
-          <p:cNvPr id="3" name="図形 2"/>
+        <p:spPr/>
+        <p:txBody>
+          <a:bodyPr/>
+          <a:lstStyle/>
+          <a:p>
+            <a:r>
+              <a:rPr lang="en-US" altLang="zh-TW" smtClean="0"/>
+              <a:t>Click to edit Master title style</a:t>
+            </a:r>
+            <a:endParaRPr lang="zh-TW" altLang="en-US"/>
+          </a:p>
+        </p:txBody>
+      </p:sp>
+      <p:sp>
+        <p:nvSpPr>
+          <p:cNvPr id="3" name="直排文字版面配置區 2"/>
           <p:cNvSpPr>
             <a:spLocks noGrp="1"/>
           </p:cNvSpPr>
@@ -398,56 +395,51 @@
             <p:ph type="body" orient="vert" idx="1"/>
           </p:nvPr>
         </p:nvSpPr>
-        <p:spPr>
-          <a:xfrm>
-            <a:off x="671514" y="1285860"/>
-            <a:ext cx="7829576" cy="4357718"/>
-          </a:xfrm>
-        </p:spPr>
+        <p:spPr/>
         <p:txBody>
           <a:bodyPr vert="eaVert"/>
           <a:lstStyle/>
           <a:p>
             <a:pPr lvl="0"/>
             <a:r>
-              <a:rPr kumimoji="1" lang="zh-TW" altLang="en-US" smtClean="0"/>
-              <a:t>按一下以編輯母片文字樣式</a:t>
+              <a:rPr lang="en-US" altLang="zh-TW" smtClean="0"/>
+              <a:t>Click to edit Master text styles</a:t>
             </a:r>
           </a:p>
           <a:p>
             <a:pPr lvl="1"/>
             <a:r>
-              <a:rPr kumimoji="1" lang="zh-TW" altLang="en-US" smtClean="0"/>
-              <a:t>第二層</a:t>
+              <a:rPr lang="en-US" altLang="zh-TW" smtClean="0"/>
+              <a:t>Second level</a:t>
             </a:r>
           </a:p>
           <a:p>
             <a:pPr lvl="2"/>
             <a:r>
-              <a:rPr kumimoji="1" lang="zh-TW" altLang="en-US" smtClean="0"/>
-              <a:t>第三層</a:t>
+              <a:rPr lang="en-US" altLang="zh-TW" smtClean="0"/>
+              <a:t>Third level</a:t>
             </a:r>
           </a:p>
           <a:p>
             <a:pPr lvl="3"/>
             <a:r>
-              <a:rPr kumimoji="1" lang="zh-TW" altLang="en-US" smtClean="0"/>
-              <a:t>第四層</a:t>
+              <a:rPr lang="en-US" altLang="zh-TW" smtClean="0"/>
+              <a:t>Fourth level</a:t>
             </a:r>
           </a:p>
           <a:p>
             <a:pPr lvl="4"/>
             <a:r>
-              <a:rPr kumimoji="1" lang="zh-TW" altLang="en-US" smtClean="0"/>
-              <a:t>第五層</a:t>
-            </a:r>
-            <a:endParaRPr kumimoji="1" lang="ja-JP" altLang="en-US" dirty="0"/>
-          </a:p>
-        </p:txBody>
-      </p:sp>
-      <p:sp>
-        <p:nvSpPr>
-          <p:cNvPr id="4" name="図形 3"/>
+              <a:rPr lang="en-US" altLang="zh-TW" smtClean="0"/>
+              <a:t>Fifth level</a:t>
+            </a:r>
+            <a:endParaRPr lang="zh-TW" altLang="en-US"/>
+          </a:p>
+        </p:txBody>
+      </p:sp>
+      <p:sp>
+        <p:nvSpPr>
+          <p:cNvPr id="4" name="日期版面配置區 3"/>
           <p:cNvSpPr>
             <a:spLocks noGrp="1"/>
           </p:cNvSpPr>
@@ -462,7 +454,7 @@
           <a:p>
             <a:fld id="{982F74A0-5549-4DEA-895A-B6477C30BB93}" type="datetimeFigureOut">
               <a:rPr lang="zh-TW" altLang="en-US" smtClean="0"/>
-              <a:t>2015/3/26</a:t>
+              <a:t>2019/9/7</a:t>
             </a:fld>
             <a:endParaRPr lang="zh-TW" altLang="en-US"/>
           </a:p>
@@ -470,7 +462,7 @@
       </p:sp>
       <p:sp>
         <p:nvSpPr>
-          <p:cNvPr id="5" name="図形 4"/>
+          <p:cNvPr id="5" name="頁尾版面配置區 4"/>
           <p:cNvSpPr>
             <a:spLocks noGrp="1"/>
           </p:cNvSpPr>
@@ -489,7 +481,7 @@
       </p:sp>
       <p:sp>
         <p:nvSpPr>
-          <p:cNvPr id="6" name="図形 5"/>
+          <p:cNvPr id="6" name="投影片編號版面配置區 5"/>
           <p:cNvSpPr>
             <a:spLocks noGrp="1"/>
           </p:cNvSpPr>
@@ -519,7 +511,7 @@
 </file>
 
 <file path=ppt/slideLayouts/slideLayout11.xml><?xml version="1.0" encoding="utf-8"?>
-<p:sldLayout xmlns:a="http://schemas.openxmlformats.org/drawingml/2006/main" xmlns:r="http://schemas.openxmlformats.org/officeDocument/2006/relationships" xmlns:p="http://schemas.openxmlformats.org/presentationml/2006/main" showMasterSp="0" type="vertTitleAndTx" preserve="1">
+<p:sldLayout xmlns:a="http://schemas.openxmlformats.org/drawingml/2006/main" xmlns:r="http://schemas.openxmlformats.org/officeDocument/2006/relationships" xmlns:p="http://schemas.openxmlformats.org/presentationml/2006/main" type="vertTitleAndTx" preserve="1">
   <p:cSld name="直排標題及文字">
     <p:spTree>
       <p:nvGrpSpPr>
@@ -537,7 +529,7 @@
       </p:grpSpPr>
       <p:sp>
         <p:nvSpPr>
-          <p:cNvPr id="2" name="図形 1"/>
+          <p:cNvPr id="2" name="直排標題 1"/>
           <p:cNvSpPr>
             <a:spLocks noGrp="1"/>
           </p:cNvSpPr>
@@ -547,54 +539,25 @@
         </p:nvSpPr>
         <p:spPr>
           <a:xfrm>
-            <a:off x="6643702" y="285730"/>
-            <a:ext cx="1785950" cy="5565797"/>
+            <a:off x="6629400" y="205979"/>
+            <a:ext cx="2057400" cy="4388644"/>
           </a:xfrm>
         </p:spPr>
         <p:txBody>
           <a:bodyPr vert="eaVert"/>
-          <a:lstStyle>
-            <a:lvl1pPr>
-              <a:defRPr>
-                <a:gradFill flip="none" rotWithShape="1">
-                  <a:gsLst>
-                    <a:gs pos="0">
-                      <a:schemeClr val="tx1">
-                        <a:tint val="65000"/>
-                      </a:schemeClr>
-                    </a:gs>
-                    <a:gs pos="49900">
-                      <a:schemeClr val="tx1">
-                        <a:tint val="95000"/>
-                      </a:schemeClr>
-                    </a:gs>
-                    <a:gs pos="50000">
-                      <a:schemeClr val="tx1"/>
-                    </a:gs>
-                    <a:gs pos="100000">
-                      <a:schemeClr val="tx1">
-                        <a:tint val="95000"/>
-                      </a:schemeClr>
-                    </a:gs>
-                  </a:gsLst>
-                  <a:lin ang="5400000" scaled="1"/>
-                  <a:tileRect/>
-                </a:gradFill>
-              </a:defRPr>
-            </a:lvl1pPr>
-          </a:lstStyle>
-          <a:p>
-            <a:r>
-              <a:rPr kumimoji="1" lang="zh-TW" altLang="en-US" smtClean="0"/>
-              <a:t>按一下以編輯母片標題樣式</a:t>
-            </a:r>
-            <a:endParaRPr kumimoji="1" lang="ja-JP" altLang="en-US" dirty="0"/>
-          </a:p>
-        </p:txBody>
-      </p:sp>
-      <p:sp>
-        <p:nvSpPr>
-          <p:cNvPr id="3" name="図形 2"/>
+          <a:lstStyle/>
+          <a:p>
+            <a:r>
+              <a:rPr lang="en-US" altLang="zh-TW" smtClean="0"/>
+              <a:t>Click to edit Master title style</a:t>
+            </a:r>
+            <a:endParaRPr lang="zh-TW" altLang="en-US"/>
+          </a:p>
+        </p:txBody>
+      </p:sp>
+      <p:sp>
+        <p:nvSpPr>
+          <p:cNvPr id="3" name="直排文字版面配置區 2"/>
           <p:cNvSpPr>
             <a:spLocks noGrp="1"/>
           </p:cNvSpPr>
@@ -604,8 +567,8 @@
         </p:nvSpPr>
         <p:spPr>
           <a:xfrm>
-            <a:off x="642910" y="274640"/>
-            <a:ext cx="5834090" cy="5583253"/>
+            <a:off x="457200" y="205979"/>
+            <a:ext cx="6019800" cy="4388644"/>
           </a:xfrm>
         </p:spPr>
         <p:txBody>
@@ -614,44 +577,44 @@
           <a:p>
             <a:pPr lvl="0"/>
             <a:r>
-              <a:rPr kumimoji="1" lang="zh-TW" altLang="en-US" smtClean="0"/>
-              <a:t>按一下以編輯母片文字樣式</a:t>
+              <a:rPr lang="en-US" altLang="zh-TW" smtClean="0"/>
+              <a:t>Click to edit Master text styles</a:t>
             </a:r>
           </a:p>
           <a:p>
             <a:pPr lvl="1"/>
             <a:r>
-              <a:rPr kumimoji="1" lang="zh-TW" altLang="en-US" smtClean="0"/>
-              <a:t>第二層</a:t>
+              <a:rPr lang="en-US" altLang="zh-TW" smtClean="0"/>
+              <a:t>Second level</a:t>
             </a:r>
           </a:p>
           <a:p>
             <a:pPr lvl="2"/>
             <a:r>
-              <a:rPr kumimoji="1" lang="zh-TW" altLang="en-US" smtClean="0"/>
-              <a:t>第三層</a:t>
+              <a:rPr lang="en-US" altLang="zh-TW" smtClean="0"/>
+              <a:t>Third level</a:t>
             </a:r>
           </a:p>
           <a:p>
             <a:pPr lvl="3"/>
             <a:r>
-              <a:rPr kumimoji="1" lang="zh-TW" altLang="en-US" smtClean="0"/>
-              <a:t>第四層</a:t>
+              <a:rPr lang="en-US" altLang="zh-TW" smtClean="0"/>
+              <a:t>Fourth level</a:t>
             </a:r>
           </a:p>
           <a:p>
             <a:pPr lvl="4"/>
             <a:r>
-              <a:rPr kumimoji="1" lang="zh-TW" altLang="en-US" smtClean="0"/>
-              <a:t>第五層</a:t>
-            </a:r>
-            <a:endParaRPr kumimoji="1" lang="ja-JP" altLang="en-US" dirty="0"/>
-          </a:p>
-        </p:txBody>
-      </p:sp>
-      <p:sp>
-        <p:nvSpPr>
-          <p:cNvPr id="4" name="図形 3"/>
+              <a:rPr lang="en-US" altLang="zh-TW" smtClean="0"/>
+              <a:t>Fifth level</a:t>
+            </a:r>
+            <a:endParaRPr lang="zh-TW" altLang="en-US"/>
+          </a:p>
+        </p:txBody>
+      </p:sp>
+      <p:sp>
+        <p:nvSpPr>
+          <p:cNvPr id="4" name="日期版面配置區 3"/>
           <p:cNvSpPr>
             <a:spLocks noGrp="1"/>
           </p:cNvSpPr>
@@ -659,19 +622,14 @@
             <p:ph type="dt" sz="half" idx="10"/>
           </p:nvPr>
         </p:nvSpPr>
-        <p:spPr>
-          <a:xfrm>
-            <a:off x="652450" y="6356350"/>
-            <a:ext cx="2133600" cy="365125"/>
-          </a:xfrm>
-        </p:spPr>
+        <p:spPr/>
         <p:txBody>
           <a:bodyPr/>
           <a:lstStyle/>
           <a:p>
             <a:fld id="{982F74A0-5549-4DEA-895A-B6477C30BB93}" type="datetimeFigureOut">
               <a:rPr lang="zh-TW" altLang="en-US" smtClean="0"/>
-              <a:t>2015/3/26</a:t>
+              <a:t>2019/9/7</a:t>
             </a:fld>
             <a:endParaRPr lang="zh-TW" altLang="en-US"/>
           </a:p>
@@ -679,7 +637,7 @@
       </p:sp>
       <p:sp>
         <p:nvSpPr>
-          <p:cNvPr id="5" name="図形 4"/>
+          <p:cNvPr id="5" name="頁尾版面配置區 4"/>
           <p:cNvSpPr>
             <a:spLocks noGrp="1"/>
           </p:cNvSpPr>
@@ -698,7 +656,7 @@
       </p:sp>
       <p:sp>
         <p:nvSpPr>
-          <p:cNvPr id="6" name="図形 5"/>
+          <p:cNvPr id="6" name="投影片編號版面配置區 5"/>
           <p:cNvSpPr>
             <a:spLocks noGrp="1"/>
           </p:cNvSpPr>
@@ -706,12 +664,7 @@
             <p:ph type="sldNum" sz="quarter" idx="12"/>
           </p:nvPr>
         </p:nvSpPr>
-        <p:spPr>
-          <a:xfrm>
-            <a:off x="6286512" y="6356350"/>
-            <a:ext cx="2133600" cy="365125"/>
-          </a:xfrm>
-        </p:spPr>
+        <p:spPr/>
         <p:txBody>
           <a:bodyPr/>
           <a:lstStyle/>
@@ -751,7 +704,7 @@
       </p:grpSpPr>
       <p:sp>
         <p:nvSpPr>
-          <p:cNvPr id="2" name="図形 1"/>
+          <p:cNvPr id="2" name="標題 1"/>
           <p:cNvSpPr>
             <a:spLocks noGrp="1"/>
           </p:cNvSpPr>
@@ -765,16 +718,16 @@
           <a:lstStyle/>
           <a:p>
             <a:r>
-              <a:rPr kumimoji="1" lang="zh-TW" altLang="en-US" smtClean="0"/>
-              <a:t>按一下以編輯母片標題樣式</a:t>
-            </a:r>
-            <a:endParaRPr kumimoji="1" lang="ja-JP" altLang="en-US"/>
-          </a:p>
-        </p:txBody>
-      </p:sp>
-      <p:sp>
-        <p:nvSpPr>
-          <p:cNvPr id="3" name="図形 2"/>
+              <a:rPr lang="en-US" altLang="zh-TW" smtClean="0"/>
+              <a:t>Click to edit Master title style</a:t>
+            </a:r>
+            <a:endParaRPr lang="zh-TW" altLang="en-US"/>
+          </a:p>
+        </p:txBody>
+      </p:sp>
+      <p:sp>
+        <p:nvSpPr>
+          <p:cNvPr id="3" name="內容版面配置區 2"/>
           <p:cNvSpPr>
             <a:spLocks noGrp="1"/>
           </p:cNvSpPr>
@@ -789,44 +742,44 @@
           <a:p>
             <a:pPr lvl="0"/>
             <a:r>
-              <a:rPr kumimoji="1" lang="zh-TW" altLang="en-US" smtClean="0"/>
-              <a:t>按一下以編輯母片文字樣式</a:t>
+              <a:rPr lang="en-US" altLang="zh-TW" smtClean="0"/>
+              <a:t>Click to edit Master text styles</a:t>
             </a:r>
           </a:p>
           <a:p>
             <a:pPr lvl="1"/>
             <a:r>
-              <a:rPr kumimoji="1" lang="zh-TW" altLang="en-US" smtClean="0"/>
-              <a:t>第二層</a:t>
+              <a:rPr lang="en-US" altLang="zh-TW" smtClean="0"/>
+              <a:t>Second level</a:t>
             </a:r>
           </a:p>
           <a:p>
             <a:pPr lvl="2"/>
             <a:r>
-              <a:rPr kumimoji="1" lang="zh-TW" altLang="en-US" smtClean="0"/>
-              <a:t>第三層</a:t>
+              <a:rPr lang="en-US" altLang="zh-TW" smtClean="0"/>
+              <a:t>Third level</a:t>
             </a:r>
           </a:p>
           <a:p>
             <a:pPr lvl="3"/>
             <a:r>
-              <a:rPr kumimoji="1" lang="zh-TW" altLang="en-US" smtClean="0"/>
-              <a:t>第四層</a:t>
+              <a:rPr lang="en-US" altLang="zh-TW" smtClean="0"/>
+              <a:t>Fourth level</a:t>
             </a:r>
           </a:p>
           <a:p>
             <a:pPr lvl="4"/>
             <a:r>
-              <a:rPr kumimoji="1" lang="zh-TW" altLang="en-US" smtClean="0"/>
-              <a:t>第五層</a:t>
-            </a:r>
-            <a:endParaRPr kumimoji="1" lang="ja-JP" altLang="en-US"/>
-          </a:p>
-        </p:txBody>
-      </p:sp>
-      <p:sp>
-        <p:nvSpPr>
-          <p:cNvPr id="4" name="図形 3"/>
+              <a:rPr lang="en-US" altLang="zh-TW" smtClean="0"/>
+              <a:t>Fifth level</a:t>
+            </a:r>
+            <a:endParaRPr lang="zh-TW" altLang="en-US"/>
+          </a:p>
+        </p:txBody>
+      </p:sp>
+      <p:sp>
+        <p:nvSpPr>
+          <p:cNvPr id="4" name="日期版面配置區 3"/>
           <p:cNvSpPr>
             <a:spLocks noGrp="1"/>
           </p:cNvSpPr>
@@ -841,7 +794,7 @@
           <a:p>
             <a:fld id="{982F74A0-5549-4DEA-895A-B6477C30BB93}" type="datetimeFigureOut">
               <a:rPr lang="zh-TW" altLang="en-US" smtClean="0"/>
-              <a:t>2015/3/26</a:t>
+              <a:t>2019/9/7</a:t>
             </a:fld>
             <a:endParaRPr lang="zh-TW" altLang="en-US"/>
           </a:p>
@@ -849,7 +802,7 @@
       </p:sp>
       <p:sp>
         <p:nvSpPr>
-          <p:cNvPr id="5" name="図形 4"/>
+          <p:cNvPr id="5" name="頁尾版面配置區 4"/>
           <p:cNvSpPr>
             <a:spLocks noGrp="1"/>
           </p:cNvSpPr>
@@ -868,7 +821,7 @@
       </p:sp>
       <p:sp>
         <p:nvSpPr>
-          <p:cNvPr id="6" name="図形 5"/>
+          <p:cNvPr id="6" name="投影片編號版面配置區 5"/>
           <p:cNvSpPr>
             <a:spLocks noGrp="1"/>
           </p:cNvSpPr>
@@ -898,7 +851,7 @@
 </file>
 
 <file path=ppt/slideLayouts/slideLayout3.xml><?xml version="1.0" encoding="utf-8"?>
-<p:sldLayout xmlns:a="http://schemas.openxmlformats.org/drawingml/2006/main" xmlns:r="http://schemas.openxmlformats.org/officeDocument/2006/relationships" xmlns:p="http://schemas.openxmlformats.org/presentationml/2006/main" showMasterSp="0" type="secHead" preserve="1">
+<p:sldLayout xmlns:a="http://schemas.openxmlformats.org/drawingml/2006/main" xmlns:r="http://schemas.openxmlformats.org/officeDocument/2006/relationships" xmlns:p="http://schemas.openxmlformats.org/presentationml/2006/main" type="secHead" preserve="1">
   <p:cSld name="區段標題">
     <p:spTree>
       <p:nvGrpSpPr>
@@ -916,7 +869,7 @@
       </p:grpSpPr>
       <p:sp>
         <p:nvSpPr>
-          <p:cNvPr id="2" name="図形 1"/>
+          <p:cNvPr id="2" name="標題 1"/>
           <p:cNvSpPr>
             <a:spLocks noGrp="1"/>
           </p:cNvSpPr>
@@ -926,8 +879,8 @@
         </p:nvSpPr>
         <p:spPr>
           <a:xfrm>
-            <a:off x="1000100" y="4714884"/>
-            <a:ext cx="7215239" cy="862009"/>
+            <a:off x="722313" y="3305176"/>
+            <a:ext cx="7772400" cy="1021556"/>
           </a:xfrm>
         </p:spPr>
         <p:txBody>
@@ -939,16 +892,16 @@
           </a:lstStyle>
           <a:p>
             <a:r>
-              <a:rPr kumimoji="1" lang="zh-TW" altLang="en-US" smtClean="0"/>
-              <a:t>按一下以編輯母片標題樣式</a:t>
-            </a:r>
-            <a:endParaRPr kumimoji="1" lang="ja-JP" altLang="en-US" dirty="0"/>
-          </a:p>
-        </p:txBody>
-      </p:sp>
-      <p:sp>
-        <p:nvSpPr>
-          <p:cNvPr id="3" name="図形 2"/>
+              <a:rPr lang="en-US" altLang="zh-TW" smtClean="0"/>
+              <a:t>Click to edit Master title style</a:t>
+            </a:r>
+            <a:endParaRPr lang="zh-TW" altLang="en-US"/>
+          </a:p>
+        </p:txBody>
+      </p:sp>
+      <p:sp>
+        <p:nvSpPr>
+          <p:cNvPr id="3" name="文字版面配置區 2"/>
           <p:cNvSpPr>
             <a:spLocks noGrp="1"/>
           </p:cNvSpPr>
@@ -958,8 +911,8 @@
         </p:nvSpPr>
         <p:spPr>
           <a:xfrm>
-            <a:off x="1000101" y="2857496"/>
-            <a:ext cx="7215238" cy="1785950"/>
+            <a:off x="722313" y="2180035"/>
+            <a:ext cx="7772400" cy="1125140"/>
           </a:xfrm>
         </p:spPr>
         <p:txBody>
@@ -969,7 +922,9 @@
               <a:buNone/>
               <a:defRPr sz="2000">
                 <a:solidFill>
-                  <a:schemeClr val="tx2"/>
+                  <a:schemeClr val="tx1">
+                    <a:tint val="75000"/>
+                  </a:schemeClr>
                 </a:solidFill>
               </a:defRPr>
             </a:lvl1pPr>
@@ -977,7 +932,9 @@
               <a:buNone/>
               <a:defRPr sz="1800">
                 <a:solidFill>
-                  <a:schemeClr val="tx2"/>
+                  <a:schemeClr val="tx1">
+                    <a:tint val="75000"/>
+                  </a:schemeClr>
                 </a:solidFill>
               </a:defRPr>
             </a:lvl2pPr>
@@ -985,7 +942,9 @@
               <a:buNone/>
               <a:defRPr sz="1600">
                 <a:solidFill>
-                  <a:schemeClr val="tx2"/>
+                  <a:schemeClr val="tx1">
+                    <a:tint val="75000"/>
+                  </a:schemeClr>
                 </a:solidFill>
               </a:defRPr>
             </a:lvl3pPr>
@@ -993,7 +952,9 @@
               <a:buNone/>
               <a:defRPr sz="1400">
                 <a:solidFill>
-                  <a:schemeClr val="tx2"/>
+                  <a:schemeClr val="tx1">
+                    <a:tint val="75000"/>
+                  </a:schemeClr>
                 </a:solidFill>
               </a:defRPr>
             </a:lvl4pPr>
@@ -1001,7 +962,9 @@
               <a:buNone/>
               <a:defRPr sz="1400">
                 <a:solidFill>
-                  <a:schemeClr val="tx2"/>
+                  <a:schemeClr val="tx1">
+                    <a:tint val="75000"/>
+                  </a:schemeClr>
                 </a:solidFill>
               </a:defRPr>
             </a:lvl5pPr>
@@ -1049,44 +1012,15 @@
           <a:p>
             <a:pPr lvl="0"/>
             <a:r>
-              <a:rPr kumimoji="1" lang="zh-TW" altLang="en-US" smtClean="0"/>
-              <a:t>按一下以編輯母片文字樣式</a:t>
-            </a:r>
-          </a:p>
-          <a:p>
-            <a:pPr lvl="1"/>
-            <a:r>
-              <a:rPr kumimoji="1" lang="zh-TW" altLang="en-US" smtClean="0"/>
-              <a:t>第二層</a:t>
-            </a:r>
-          </a:p>
-          <a:p>
-            <a:pPr lvl="2"/>
-            <a:r>
-              <a:rPr kumimoji="1" lang="zh-TW" altLang="en-US" smtClean="0"/>
-              <a:t>第三層</a:t>
-            </a:r>
-          </a:p>
-          <a:p>
-            <a:pPr lvl="3"/>
-            <a:r>
-              <a:rPr kumimoji="1" lang="zh-TW" altLang="en-US" smtClean="0"/>
-              <a:t>第四層</a:t>
-            </a:r>
-          </a:p>
-          <a:p>
-            <a:pPr lvl="4"/>
-            <a:r>
-              <a:rPr kumimoji="1" lang="zh-TW" altLang="en-US" smtClean="0"/>
-              <a:t>第五層</a:t>
-            </a:r>
-            <a:endParaRPr lang="ja-JP" dirty="0"/>
-          </a:p>
-        </p:txBody>
-      </p:sp>
-      <p:sp>
-        <p:nvSpPr>
-          <p:cNvPr id="4" name="図形 3"/>
+              <a:rPr lang="en-US" altLang="zh-TW" smtClean="0"/>
+              <a:t>Click to edit Master text styles</a:t>
+            </a:r>
+          </a:p>
+        </p:txBody>
+      </p:sp>
+      <p:sp>
+        <p:nvSpPr>
+          <p:cNvPr id="4" name="日期版面配置區 3"/>
           <p:cNvSpPr>
             <a:spLocks noGrp="1"/>
           </p:cNvSpPr>
@@ -1097,21 +1031,11 @@
         <p:spPr/>
         <p:txBody>
           <a:bodyPr/>
-          <a:lstStyle>
-            <a:lvl1pPr>
-              <a:defRPr>
-                <a:solidFill>
-                  <a:schemeClr val="tx1">
-                    <a:tint val="75000"/>
-                  </a:schemeClr>
-                </a:solidFill>
-              </a:defRPr>
-            </a:lvl1pPr>
-          </a:lstStyle>
+          <a:lstStyle/>
           <a:p>
             <a:fld id="{982F74A0-5549-4DEA-895A-B6477C30BB93}" type="datetimeFigureOut">
               <a:rPr lang="zh-TW" altLang="en-US" smtClean="0"/>
-              <a:t>2015/3/26</a:t>
+              <a:t>2019/9/7</a:t>
             </a:fld>
             <a:endParaRPr lang="zh-TW" altLang="en-US"/>
           </a:p>
@@ -1119,7 +1043,7 @@
       </p:sp>
       <p:sp>
         <p:nvSpPr>
-          <p:cNvPr id="5" name="図形 4"/>
+          <p:cNvPr id="5" name="頁尾版面配置區 4"/>
           <p:cNvSpPr>
             <a:spLocks noGrp="1"/>
           </p:cNvSpPr>
@@ -1138,7 +1062,7 @@
       </p:sp>
       <p:sp>
         <p:nvSpPr>
-          <p:cNvPr id="6" name="図形 5"/>
+          <p:cNvPr id="6" name="投影片編號版面配置區 5"/>
           <p:cNvSpPr>
             <a:spLocks noGrp="1"/>
           </p:cNvSpPr>
@@ -1149,17 +1073,7 @@
         <p:spPr/>
         <p:txBody>
           <a:bodyPr/>
-          <a:lstStyle>
-            <a:lvl1pPr>
-              <a:defRPr>
-                <a:solidFill>
-                  <a:schemeClr val="tx1">
-                    <a:tint val="75000"/>
-                  </a:schemeClr>
-                </a:solidFill>
-              </a:defRPr>
-            </a:lvl1pPr>
-          </a:lstStyle>
+          <a:lstStyle/>
           <a:p>
             <a:fld id="{C7BB6635-9932-4C8F-9027-DE9B2A851CE5}" type="slidenum">
               <a:rPr lang="zh-TW" altLang="en-US" smtClean="0"/>
@@ -1196,7 +1110,7 @@
       </p:grpSpPr>
       <p:sp>
         <p:nvSpPr>
-          <p:cNvPr id="2" name="図形 1"/>
+          <p:cNvPr id="2" name="標題 1"/>
           <p:cNvSpPr>
             <a:spLocks noGrp="1"/>
           </p:cNvSpPr>
@@ -1210,16 +1124,16 @@
           <a:lstStyle/>
           <a:p>
             <a:r>
-              <a:rPr kumimoji="1" lang="zh-TW" altLang="en-US" smtClean="0"/>
-              <a:t>按一下以編輯母片標題樣式</a:t>
-            </a:r>
-            <a:endParaRPr kumimoji="1" lang="ja-JP" altLang="en-US"/>
-          </a:p>
-        </p:txBody>
-      </p:sp>
-      <p:sp>
-        <p:nvSpPr>
-          <p:cNvPr id="3" name="図形 2"/>
+              <a:rPr lang="en-US" altLang="zh-TW" smtClean="0"/>
+              <a:t>Click to edit Master title style</a:t>
+            </a:r>
+            <a:endParaRPr lang="zh-TW" altLang="en-US"/>
+          </a:p>
+        </p:txBody>
+      </p:sp>
+      <p:sp>
+        <p:nvSpPr>
+          <p:cNvPr id="3" name="內容版面配置區 2"/>
           <p:cNvSpPr>
             <a:spLocks noGrp="1"/>
           </p:cNvSpPr>
@@ -1229,8 +1143,8 @@
         </p:nvSpPr>
         <p:spPr>
           <a:xfrm>
-            <a:off x="457200" y="1600200"/>
-            <a:ext cx="4038600" cy="4525963"/>
+            <a:off x="457200" y="1200151"/>
+            <a:ext cx="4038600" cy="3394472"/>
           </a:xfrm>
         </p:spPr>
         <p:txBody>
@@ -1267,44 +1181,44 @@
           <a:p>
             <a:pPr lvl="0"/>
             <a:r>
-              <a:rPr kumimoji="1" lang="zh-TW" altLang="en-US" smtClean="0"/>
-              <a:t>按一下以編輯母片文字樣式</a:t>
+              <a:rPr lang="en-US" altLang="zh-TW" smtClean="0"/>
+              <a:t>Click to edit Master text styles</a:t>
             </a:r>
           </a:p>
           <a:p>
             <a:pPr lvl="1"/>
             <a:r>
-              <a:rPr kumimoji="1" lang="zh-TW" altLang="en-US" smtClean="0"/>
-              <a:t>第二層</a:t>
+              <a:rPr lang="en-US" altLang="zh-TW" smtClean="0"/>
+              <a:t>Second level</a:t>
             </a:r>
           </a:p>
           <a:p>
             <a:pPr lvl="2"/>
             <a:r>
-              <a:rPr kumimoji="1" lang="zh-TW" altLang="en-US" smtClean="0"/>
-              <a:t>第三層</a:t>
+              <a:rPr lang="en-US" altLang="zh-TW" smtClean="0"/>
+              <a:t>Third level</a:t>
             </a:r>
           </a:p>
           <a:p>
             <a:pPr lvl="3"/>
             <a:r>
-              <a:rPr kumimoji="1" lang="zh-TW" altLang="en-US" smtClean="0"/>
-              <a:t>第四層</a:t>
+              <a:rPr lang="en-US" altLang="zh-TW" smtClean="0"/>
+              <a:t>Fourth level</a:t>
             </a:r>
           </a:p>
           <a:p>
             <a:pPr lvl="4"/>
             <a:r>
-              <a:rPr kumimoji="1" lang="zh-TW" altLang="en-US" smtClean="0"/>
-              <a:t>第五層</a:t>
-            </a:r>
-            <a:endParaRPr kumimoji="1" lang="ja-JP" altLang="en-US"/>
-          </a:p>
-        </p:txBody>
-      </p:sp>
-      <p:sp>
-        <p:nvSpPr>
-          <p:cNvPr id="4" name="図形 3"/>
+              <a:rPr lang="en-US" altLang="zh-TW" smtClean="0"/>
+              <a:t>Fifth level</a:t>
+            </a:r>
+            <a:endParaRPr lang="zh-TW" altLang="en-US"/>
+          </a:p>
+        </p:txBody>
+      </p:sp>
+      <p:sp>
+        <p:nvSpPr>
+          <p:cNvPr id="4" name="內容版面配置區 3"/>
           <p:cNvSpPr>
             <a:spLocks noGrp="1"/>
           </p:cNvSpPr>
@@ -1314,8 +1228,8 @@
         </p:nvSpPr>
         <p:spPr>
           <a:xfrm>
-            <a:off x="4648200" y="1600200"/>
-            <a:ext cx="4038600" cy="4525963"/>
+            <a:off x="4648200" y="1200151"/>
+            <a:ext cx="4038600" cy="3394472"/>
           </a:xfrm>
         </p:spPr>
         <p:txBody>
@@ -1352,44 +1266,44 @@
           <a:p>
             <a:pPr lvl="0"/>
             <a:r>
-              <a:rPr kumimoji="1" lang="zh-TW" altLang="en-US" smtClean="0"/>
-              <a:t>按一下以編輯母片文字樣式</a:t>
+              <a:rPr lang="en-US" altLang="zh-TW" smtClean="0"/>
+              <a:t>Click to edit Master text styles</a:t>
             </a:r>
           </a:p>
           <a:p>
             <a:pPr lvl="1"/>
             <a:r>
-              <a:rPr kumimoji="1" lang="zh-TW" altLang="en-US" smtClean="0"/>
-              <a:t>第二層</a:t>
+              <a:rPr lang="en-US" altLang="zh-TW" smtClean="0"/>
+              <a:t>Second level</a:t>
             </a:r>
           </a:p>
           <a:p>
             <a:pPr lvl="2"/>
             <a:r>
-              <a:rPr kumimoji="1" lang="zh-TW" altLang="en-US" smtClean="0"/>
-              <a:t>第三層</a:t>
+              <a:rPr lang="en-US" altLang="zh-TW" smtClean="0"/>
+              <a:t>Third level</a:t>
             </a:r>
           </a:p>
           <a:p>
             <a:pPr lvl="3"/>
             <a:r>
-              <a:rPr kumimoji="1" lang="zh-TW" altLang="en-US" smtClean="0"/>
-              <a:t>第四層</a:t>
+              <a:rPr lang="en-US" altLang="zh-TW" smtClean="0"/>
+              <a:t>Fourth level</a:t>
             </a:r>
           </a:p>
           <a:p>
             <a:pPr lvl="4"/>
             <a:r>
-              <a:rPr kumimoji="1" lang="zh-TW" altLang="en-US" smtClean="0"/>
-              <a:t>第五層</a:t>
-            </a:r>
-            <a:endParaRPr kumimoji="1" lang="ja-JP" altLang="en-US"/>
-          </a:p>
-        </p:txBody>
-      </p:sp>
-      <p:sp>
-        <p:nvSpPr>
-          <p:cNvPr id="5" name="図形 4"/>
+              <a:rPr lang="en-US" altLang="zh-TW" smtClean="0"/>
+              <a:t>Fifth level</a:t>
+            </a:r>
+            <a:endParaRPr lang="zh-TW" altLang="en-US"/>
+          </a:p>
+        </p:txBody>
+      </p:sp>
+      <p:sp>
+        <p:nvSpPr>
+          <p:cNvPr id="5" name="日期版面配置區 4"/>
           <p:cNvSpPr>
             <a:spLocks noGrp="1"/>
           </p:cNvSpPr>
@@ -1404,7 +1318,7 @@
           <a:p>
             <a:fld id="{982F74A0-5549-4DEA-895A-B6477C30BB93}" type="datetimeFigureOut">
               <a:rPr lang="zh-TW" altLang="en-US" smtClean="0"/>
-              <a:t>2015/3/26</a:t>
+              <a:t>2019/9/7</a:t>
             </a:fld>
             <a:endParaRPr lang="zh-TW" altLang="en-US"/>
           </a:p>
@@ -1412,7 +1326,7 @@
       </p:sp>
       <p:sp>
         <p:nvSpPr>
-          <p:cNvPr id="6" name="図形 5"/>
+          <p:cNvPr id="6" name="頁尾版面配置區 5"/>
           <p:cNvSpPr>
             <a:spLocks noGrp="1"/>
           </p:cNvSpPr>
@@ -1431,7 +1345,7 @@
       </p:sp>
       <p:sp>
         <p:nvSpPr>
-          <p:cNvPr id="7" name="図形 6"/>
+          <p:cNvPr id="7" name="投影片編號版面配置區 6"/>
           <p:cNvSpPr>
             <a:spLocks noGrp="1"/>
           </p:cNvSpPr>
@@ -1479,7 +1393,7 @@
       </p:grpSpPr>
       <p:sp>
         <p:nvSpPr>
-          <p:cNvPr id="2" name="図形 1"/>
+          <p:cNvPr id="2" name="標題 1"/>
           <p:cNvSpPr>
             <a:spLocks noGrp="1"/>
           </p:cNvSpPr>
@@ -1497,16 +1411,16 @@
           </a:lstStyle>
           <a:p>
             <a:r>
-              <a:rPr kumimoji="1" lang="zh-TW" altLang="en-US" smtClean="0"/>
-              <a:t>按一下以編輯母片標題樣式</a:t>
-            </a:r>
-            <a:endParaRPr kumimoji="1" lang="ja-JP" altLang="en-US"/>
-          </a:p>
-        </p:txBody>
-      </p:sp>
-      <p:sp>
-        <p:nvSpPr>
-          <p:cNvPr id="3" name="図形 2"/>
+              <a:rPr lang="en-US" altLang="zh-TW" smtClean="0"/>
+              <a:t>Click to edit Master title style</a:t>
+            </a:r>
+            <a:endParaRPr lang="zh-TW" altLang="en-US"/>
+          </a:p>
+        </p:txBody>
+      </p:sp>
+      <p:sp>
+        <p:nvSpPr>
+          <p:cNvPr id="3" name="文字版面配置區 2"/>
           <p:cNvSpPr>
             <a:spLocks noGrp="1"/>
           </p:cNvSpPr>
@@ -1516,8 +1430,8 @@
         </p:nvSpPr>
         <p:spPr>
           <a:xfrm>
-            <a:off x="457200" y="1535113"/>
-            <a:ext cx="4040188" cy="639762"/>
+            <a:off x="457200" y="1151335"/>
+            <a:ext cx="4040188" cy="479822"/>
           </a:xfrm>
         </p:spPr>
         <p:txBody>
@@ -1563,44 +1477,15 @@
           <a:p>
             <a:pPr lvl="0"/>
             <a:r>
-              <a:rPr kumimoji="1" lang="zh-TW" altLang="en-US" smtClean="0"/>
-              <a:t>按一下以編輯母片文字樣式</a:t>
-            </a:r>
-          </a:p>
-          <a:p>
-            <a:pPr lvl="1"/>
-            <a:r>
-              <a:rPr kumimoji="1" lang="zh-TW" altLang="en-US" smtClean="0"/>
-              <a:t>第二層</a:t>
-            </a:r>
-          </a:p>
-          <a:p>
-            <a:pPr lvl="2"/>
-            <a:r>
-              <a:rPr kumimoji="1" lang="zh-TW" altLang="en-US" smtClean="0"/>
-              <a:t>第三層</a:t>
-            </a:r>
-          </a:p>
-          <a:p>
-            <a:pPr lvl="3"/>
-            <a:r>
-              <a:rPr kumimoji="1" lang="zh-TW" altLang="en-US" smtClean="0"/>
-              <a:t>第四層</a:t>
-            </a:r>
-          </a:p>
-          <a:p>
-            <a:pPr lvl="4"/>
-            <a:r>
-              <a:rPr kumimoji="1" lang="zh-TW" altLang="en-US" smtClean="0"/>
-              <a:t>第五層</a:t>
-            </a:r>
-            <a:endParaRPr lang="ja-JP"/>
-          </a:p>
-        </p:txBody>
-      </p:sp>
-      <p:sp>
-        <p:nvSpPr>
-          <p:cNvPr id="4" name="図形 3"/>
+              <a:rPr lang="en-US" altLang="zh-TW" smtClean="0"/>
+              <a:t>Click to edit Master text styles</a:t>
+            </a:r>
+          </a:p>
+        </p:txBody>
+      </p:sp>
+      <p:sp>
+        <p:nvSpPr>
+          <p:cNvPr id="4" name="內容版面配置區 3"/>
           <p:cNvSpPr>
             <a:spLocks noGrp="1"/>
           </p:cNvSpPr>
@@ -1610,8 +1495,8 @@
         </p:nvSpPr>
         <p:spPr>
           <a:xfrm>
-            <a:off x="457200" y="2174875"/>
-            <a:ext cx="4040188" cy="3951288"/>
+            <a:off x="457200" y="1631156"/>
+            <a:ext cx="4040188" cy="2963466"/>
           </a:xfrm>
         </p:spPr>
         <p:txBody>
@@ -1648,44 +1533,44 @@
           <a:p>
             <a:pPr lvl="0"/>
             <a:r>
-              <a:rPr kumimoji="1" lang="zh-TW" altLang="en-US" smtClean="0"/>
-              <a:t>按一下以編輯母片文字樣式</a:t>
+              <a:rPr lang="en-US" altLang="zh-TW" smtClean="0"/>
+              <a:t>Click to edit Master text styles</a:t>
             </a:r>
           </a:p>
           <a:p>
             <a:pPr lvl="1"/>
             <a:r>
-              <a:rPr kumimoji="1" lang="zh-TW" altLang="en-US" smtClean="0"/>
-              <a:t>第二層</a:t>
+              <a:rPr lang="en-US" altLang="zh-TW" smtClean="0"/>
+              <a:t>Second level</a:t>
             </a:r>
           </a:p>
           <a:p>
             <a:pPr lvl="2"/>
             <a:r>
-              <a:rPr kumimoji="1" lang="zh-TW" altLang="en-US" smtClean="0"/>
-              <a:t>第三層</a:t>
+              <a:rPr lang="en-US" altLang="zh-TW" smtClean="0"/>
+              <a:t>Third level</a:t>
             </a:r>
           </a:p>
           <a:p>
             <a:pPr lvl="3"/>
             <a:r>
-              <a:rPr kumimoji="1" lang="zh-TW" altLang="en-US" smtClean="0"/>
-              <a:t>第四層</a:t>
+              <a:rPr lang="en-US" altLang="zh-TW" smtClean="0"/>
+              <a:t>Fourth level</a:t>
             </a:r>
           </a:p>
           <a:p>
             <a:pPr lvl="4"/>
             <a:r>
-              <a:rPr kumimoji="1" lang="zh-TW" altLang="en-US" smtClean="0"/>
-              <a:t>第五層</a:t>
-            </a:r>
-            <a:endParaRPr kumimoji="1" lang="ja-JP" altLang="en-US"/>
-          </a:p>
-        </p:txBody>
-      </p:sp>
-      <p:sp>
-        <p:nvSpPr>
-          <p:cNvPr id="5" name="図形 4"/>
+              <a:rPr lang="en-US" altLang="zh-TW" smtClean="0"/>
+              <a:t>Fifth level</a:t>
+            </a:r>
+            <a:endParaRPr lang="zh-TW" altLang="en-US"/>
+          </a:p>
+        </p:txBody>
+      </p:sp>
+      <p:sp>
+        <p:nvSpPr>
+          <p:cNvPr id="5" name="文字版面配置區 4"/>
           <p:cNvSpPr>
             <a:spLocks noGrp="1"/>
           </p:cNvSpPr>
@@ -1695,8 +1580,8 @@
         </p:nvSpPr>
         <p:spPr>
           <a:xfrm>
-            <a:off x="4645025" y="1535113"/>
-            <a:ext cx="4041775" cy="639762"/>
+            <a:off x="4645026" y="1151335"/>
+            <a:ext cx="4041775" cy="479822"/>
           </a:xfrm>
         </p:spPr>
         <p:txBody>
@@ -1742,44 +1627,15 @@
           <a:p>
             <a:pPr lvl="0"/>
             <a:r>
-              <a:rPr kumimoji="1" lang="zh-TW" altLang="en-US" smtClean="0"/>
-              <a:t>按一下以編輯母片文字樣式</a:t>
-            </a:r>
-          </a:p>
-          <a:p>
-            <a:pPr lvl="1"/>
-            <a:r>
-              <a:rPr kumimoji="1" lang="zh-TW" altLang="en-US" smtClean="0"/>
-              <a:t>第二層</a:t>
-            </a:r>
-          </a:p>
-          <a:p>
-            <a:pPr lvl="2"/>
-            <a:r>
-              <a:rPr kumimoji="1" lang="zh-TW" altLang="en-US" smtClean="0"/>
-              <a:t>第三層</a:t>
-            </a:r>
-          </a:p>
-          <a:p>
-            <a:pPr lvl="3"/>
-            <a:r>
-              <a:rPr kumimoji="1" lang="zh-TW" altLang="en-US" smtClean="0"/>
-              <a:t>第四層</a:t>
-            </a:r>
-          </a:p>
-          <a:p>
-            <a:pPr lvl="4"/>
-            <a:r>
-              <a:rPr kumimoji="1" lang="zh-TW" altLang="en-US" smtClean="0"/>
-              <a:t>第五層</a:t>
-            </a:r>
-            <a:endParaRPr lang="ja-JP"/>
-          </a:p>
-        </p:txBody>
-      </p:sp>
-      <p:sp>
-        <p:nvSpPr>
-          <p:cNvPr id="6" name="図形 5"/>
+              <a:rPr lang="en-US" altLang="zh-TW" smtClean="0"/>
+              <a:t>Click to edit Master text styles</a:t>
+            </a:r>
+          </a:p>
+        </p:txBody>
+      </p:sp>
+      <p:sp>
+        <p:nvSpPr>
+          <p:cNvPr id="6" name="內容版面配置區 5"/>
           <p:cNvSpPr>
             <a:spLocks noGrp="1"/>
           </p:cNvSpPr>
@@ -1789,8 +1645,8 @@
         </p:nvSpPr>
         <p:spPr>
           <a:xfrm>
-            <a:off x="4645025" y="2174875"/>
-            <a:ext cx="4041775" cy="3951288"/>
+            <a:off x="4645026" y="1631156"/>
+            <a:ext cx="4041775" cy="2963466"/>
           </a:xfrm>
         </p:spPr>
         <p:txBody>
@@ -1827,44 +1683,44 @@
           <a:p>
             <a:pPr lvl="0"/>
             <a:r>
-              <a:rPr kumimoji="1" lang="zh-TW" altLang="en-US" smtClean="0"/>
-              <a:t>按一下以編輯母片文字樣式</a:t>
+              <a:rPr lang="en-US" altLang="zh-TW" smtClean="0"/>
+              <a:t>Click to edit Master text styles</a:t>
             </a:r>
           </a:p>
           <a:p>
             <a:pPr lvl="1"/>
             <a:r>
-              <a:rPr kumimoji="1" lang="zh-TW" altLang="en-US" smtClean="0"/>
-              <a:t>第二層</a:t>
+              <a:rPr lang="en-US" altLang="zh-TW" smtClean="0"/>
+              <a:t>Second level</a:t>
             </a:r>
           </a:p>
           <a:p>
             <a:pPr lvl="2"/>
             <a:r>
-              <a:rPr kumimoji="1" lang="zh-TW" altLang="en-US" smtClean="0"/>
-              <a:t>第三層</a:t>
+              <a:rPr lang="en-US" altLang="zh-TW" smtClean="0"/>
+              <a:t>Third level</a:t>
             </a:r>
           </a:p>
           <a:p>
             <a:pPr lvl="3"/>
             <a:r>
-              <a:rPr kumimoji="1" lang="zh-TW" altLang="en-US" smtClean="0"/>
-              <a:t>第四層</a:t>
+              <a:rPr lang="en-US" altLang="zh-TW" smtClean="0"/>
+              <a:t>Fourth level</a:t>
             </a:r>
           </a:p>
           <a:p>
             <a:pPr lvl="4"/>
             <a:r>
-              <a:rPr kumimoji="1" lang="zh-TW" altLang="en-US" smtClean="0"/>
-              <a:t>第五層</a:t>
-            </a:r>
-            <a:endParaRPr kumimoji="1" lang="ja-JP" altLang="en-US"/>
-          </a:p>
-        </p:txBody>
-      </p:sp>
-      <p:sp>
-        <p:nvSpPr>
-          <p:cNvPr id="7" name="図形 6"/>
+              <a:rPr lang="en-US" altLang="zh-TW" smtClean="0"/>
+              <a:t>Fifth level</a:t>
+            </a:r>
+            <a:endParaRPr lang="zh-TW" altLang="en-US"/>
+          </a:p>
+        </p:txBody>
+      </p:sp>
+      <p:sp>
+        <p:nvSpPr>
+          <p:cNvPr id="7" name="日期版面配置區 6"/>
           <p:cNvSpPr>
             <a:spLocks noGrp="1"/>
           </p:cNvSpPr>
@@ -1879,7 +1735,7 @@
           <a:p>
             <a:fld id="{982F74A0-5549-4DEA-895A-B6477C30BB93}" type="datetimeFigureOut">
               <a:rPr lang="zh-TW" altLang="en-US" smtClean="0"/>
-              <a:t>2015/3/26</a:t>
+              <a:t>2019/9/7</a:t>
             </a:fld>
             <a:endParaRPr lang="zh-TW" altLang="en-US"/>
           </a:p>
@@ -1887,7 +1743,7 @@
       </p:sp>
       <p:sp>
         <p:nvSpPr>
-          <p:cNvPr id="8" name="図形 7"/>
+          <p:cNvPr id="8" name="頁尾版面配置區 7"/>
           <p:cNvSpPr>
             <a:spLocks noGrp="1"/>
           </p:cNvSpPr>
@@ -1906,7 +1762,7 @@
       </p:sp>
       <p:sp>
         <p:nvSpPr>
-          <p:cNvPr id="9" name="図形 8"/>
+          <p:cNvPr id="9" name="投影片編號版面配置區 8"/>
           <p:cNvSpPr>
             <a:spLocks noGrp="1"/>
           </p:cNvSpPr>
@@ -1954,7 +1810,7 @@
       </p:grpSpPr>
       <p:sp>
         <p:nvSpPr>
-          <p:cNvPr id="2" name="図形 1"/>
+          <p:cNvPr id="2" name="標題 1"/>
           <p:cNvSpPr>
             <a:spLocks noGrp="1"/>
           </p:cNvSpPr>
@@ -1962,27 +1818,22 @@
             <p:ph type="title"/>
           </p:nvPr>
         </p:nvSpPr>
-        <p:spPr>
-          <a:xfrm>
-            <a:off x="1671646" y="4572008"/>
-            <a:ext cx="6400816" cy="928686"/>
-          </a:xfrm>
-        </p:spPr>
-        <p:txBody>
-          <a:bodyPr/>
-          <a:lstStyle/>
-          <a:p>
-            <a:r>
-              <a:rPr kumimoji="1" lang="zh-TW" altLang="en-US" smtClean="0"/>
-              <a:t>按一下以編輯母片標題樣式</a:t>
-            </a:r>
-            <a:endParaRPr kumimoji="1" lang="ja-JP" altLang="en-US" dirty="0"/>
-          </a:p>
-        </p:txBody>
-      </p:sp>
-      <p:sp>
-        <p:nvSpPr>
-          <p:cNvPr id="3" name="図形 2"/>
+        <p:spPr/>
+        <p:txBody>
+          <a:bodyPr/>
+          <a:lstStyle/>
+          <a:p>
+            <a:r>
+              <a:rPr lang="en-US" altLang="zh-TW" smtClean="0"/>
+              <a:t>Click to edit Master title style</a:t>
+            </a:r>
+            <a:endParaRPr lang="zh-TW" altLang="en-US"/>
+          </a:p>
+        </p:txBody>
+      </p:sp>
+      <p:sp>
+        <p:nvSpPr>
+          <p:cNvPr id="3" name="日期版面配置區 2"/>
           <p:cNvSpPr>
             <a:spLocks noGrp="1"/>
           </p:cNvSpPr>
@@ -1997,7 +1848,7 @@
           <a:p>
             <a:fld id="{982F74A0-5549-4DEA-895A-B6477C30BB93}" type="datetimeFigureOut">
               <a:rPr lang="zh-TW" altLang="en-US" smtClean="0"/>
-              <a:t>2015/3/26</a:t>
+              <a:t>2019/9/7</a:t>
             </a:fld>
             <a:endParaRPr lang="zh-TW" altLang="en-US"/>
           </a:p>
@@ -2005,7 +1856,7 @@
       </p:sp>
       <p:sp>
         <p:nvSpPr>
-          <p:cNvPr id="4" name="図形 3"/>
+          <p:cNvPr id="4" name="頁尾版面配置區 3"/>
           <p:cNvSpPr>
             <a:spLocks noGrp="1"/>
           </p:cNvSpPr>
@@ -2024,7 +1875,7 @@
       </p:sp>
       <p:sp>
         <p:nvSpPr>
-          <p:cNvPr id="5" name="図形 4"/>
+          <p:cNvPr id="5" name="投影片編號版面配置區 4"/>
           <p:cNvSpPr>
             <a:spLocks noGrp="1"/>
           </p:cNvSpPr>
@@ -2072,7 +1923,7 @@
       </p:grpSpPr>
       <p:sp>
         <p:nvSpPr>
-          <p:cNvPr id="2" name="図形 1"/>
+          <p:cNvPr id="2" name="日期版面配置區 1"/>
           <p:cNvSpPr>
             <a:spLocks noGrp="1"/>
           </p:cNvSpPr>
@@ -2087,7 +1938,7 @@
           <a:p>
             <a:fld id="{982F74A0-5549-4DEA-895A-B6477C30BB93}" type="datetimeFigureOut">
               <a:rPr lang="zh-TW" altLang="en-US" smtClean="0"/>
-              <a:t>2015/3/26</a:t>
+              <a:t>2019/9/7</a:t>
             </a:fld>
             <a:endParaRPr lang="zh-TW" altLang="en-US"/>
           </a:p>
@@ -2095,7 +1946,7 @@
       </p:sp>
       <p:sp>
         <p:nvSpPr>
-          <p:cNvPr id="3" name="図形 2"/>
+          <p:cNvPr id="3" name="頁尾版面配置區 2"/>
           <p:cNvSpPr>
             <a:spLocks noGrp="1"/>
           </p:cNvSpPr>
@@ -2114,7 +1965,7 @@
       </p:sp>
       <p:sp>
         <p:nvSpPr>
-          <p:cNvPr id="4" name="図形 3"/>
+          <p:cNvPr id="4" name="投影片編號版面配置區 3"/>
           <p:cNvSpPr>
             <a:spLocks noGrp="1"/>
           </p:cNvSpPr>
@@ -2162,7 +2013,7 @@
       </p:grpSpPr>
       <p:sp>
         <p:nvSpPr>
-          <p:cNvPr id="2" name="図形 1"/>
+          <p:cNvPr id="2" name="標題 1"/>
           <p:cNvSpPr>
             <a:spLocks noGrp="1"/>
           </p:cNvSpPr>
@@ -2172,8 +2023,8 @@
         </p:nvSpPr>
         <p:spPr>
           <a:xfrm>
-            <a:off x="457200" y="273050"/>
-            <a:ext cx="3008313" cy="1162050"/>
+            <a:off x="457201" y="204787"/>
+            <a:ext cx="3008313" cy="871538"/>
           </a:xfrm>
         </p:spPr>
         <p:txBody>
@@ -2185,16 +2036,16 @@
           </a:lstStyle>
           <a:p>
             <a:r>
-              <a:rPr kumimoji="1" lang="zh-TW" altLang="en-US" smtClean="0"/>
-              <a:t>按一下以編輯母片標題樣式</a:t>
-            </a:r>
-            <a:endParaRPr kumimoji="1" lang="ja-JP" altLang="en-US"/>
-          </a:p>
-        </p:txBody>
-      </p:sp>
-      <p:sp>
-        <p:nvSpPr>
-          <p:cNvPr id="3" name="図形 2"/>
+              <a:rPr lang="en-US" altLang="zh-TW" smtClean="0"/>
+              <a:t>Click to edit Master title style</a:t>
+            </a:r>
+            <a:endParaRPr lang="zh-TW" altLang="en-US"/>
+          </a:p>
+        </p:txBody>
+      </p:sp>
+      <p:sp>
+        <p:nvSpPr>
+          <p:cNvPr id="3" name="內容版面配置區 2"/>
           <p:cNvSpPr>
             <a:spLocks noGrp="1"/>
           </p:cNvSpPr>
@@ -2204,8 +2055,8 @@
         </p:nvSpPr>
         <p:spPr>
           <a:xfrm>
-            <a:off x="3575050" y="1428737"/>
-            <a:ext cx="5111750" cy="4697427"/>
+            <a:off x="3575050" y="204788"/>
+            <a:ext cx="5111750" cy="4389835"/>
           </a:xfrm>
         </p:spPr>
         <p:txBody>
@@ -2242,44 +2093,44 @@
           <a:p>
             <a:pPr lvl="0"/>
             <a:r>
-              <a:rPr kumimoji="1" lang="zh-TW" altLang="en-US" smtClean="0"/>
-              <a:t>按一下以編輯母片文字樣式</a:t>
+              <a:rPr lang="en-US" altLang="zh-TW" smtClean="0"/>
+              <a:t>Click to edit Master text styles</a:t>
             </a:r>
           </a:p>
           <a:p>
             <a:pPr lvl="1"/>
             <a:r>
-              <a:rPr kumimoji="1" lang="zh-TW" altLang="en-US" smtClean="0"/>
-              <a:t>第二層</a:t>
+              <a:rPr lang="en-US" altLang="zh-TW" smtClean="0"/>
+              <a:t>Second level</a:t>
             </a:r>
           </a:p>
           <a:p>
             <a:pPr lvl="2"/>
             <a:r>
-              <a:rPr kumimoji="1" lang="zh-TW" altLang="en-US" smtClean="0"/>
-              <a:t>第三層</a:t>
+              <a:rPr lang="en-US" altLang="zh-TW" smtClean="0"/>
+              <a:t>Third level</a:t>
             </a:r>
           </a:p>
           <a:p>
             <a:pPr lvl="3"/>
             <a:r>
-              <a:rPr kumimoji="1" lang="zh-TW" altLang="en-US" smtClean="0"/>
-              <a:t>第四層</a:t>
+              <a:rPr lang="en-US" altLang="zh-TW" smtClean="0"/>
+              <a:t>Fourth level</a:t>
             </a:r>
           </a:p>
           <a:p>
             <a:pPr lvl="4"/>
             <a:r>
-              <a:rPr kumimoji="1" lang="zh-TW" altLang="en-US" smtClean="0"/>
-              <a:t>第五層</a:t>
-            </a:r>
-            <a:endParaRPr kumimoji="1" lang="ja-JP" altLang="en-US" dirty="0"/>
-          </a:p>
-        </p:txBody>
-      </p:sp>
-      <p:sp>
-        <p:nvSpPr>
-          <p:cNvPr id="4" name="図形 3"/>
+              <a:rPr lang="en-US" altLang="zh-TW" smtClean="0"/>
+              <a:t>Fifth level</a:t>
+            </a:r>
+            <a:endParaRPr lang="zh-TW" altLang="en-US"/>
+          </a:p>
+        </p:txBody>
+      </p:sp>
+      <p:sp>
+        <p:nvSpPr>
+          <p:cNvPr id="4" name="文字版面配置區 3"/>
           <p:cNvSpPr>
             <a:spLocks noGrp="1"/>
           </p:cNvSpPr>
@@ -2289,8 +2140,8 @@
         </p:nvSpPr>
         <p:spPr>
           <a:xfrm>
-            <a:off x="457200" y="1435100"/>
-            <a:ext cx="3008313" cy="4691063"/>
+            <a:off x="457201" y="1076326"/>
+            <a:ext cx="3008313" cy="3518297"/>
           </a:xfrm>
         </p:spPr>
         <p:txBody>
@@ -2336,44 +2187,15 @@
           <a:p>
             <a:pPr lvl="0"/>
             <a:r>
-              <a:rPr kumimoji="1" lang="zh-TW" altLang="en-US" smtClean="0"/>
-              <a:t>按一下以編輯母片文字樣式</a:t>
-            </a:r>
-          </a:p>
-          <a:p>
-            <a:pPr lvl="1"/>
-            <a:r>
-              <a:rPr kumimoji="1" lang="zh-TW" altLang="en-US" smtClean="0"/>
-              <a:t>第二層</a:t>
-            </a:r>
-          </a:p>
-          <a:p>
-            <a:pPr lvl="2"/>
-            <a:r>
-              <a:rPr kumimoji="1" lang="zh-TW" altLang="en-US" smtClean="0"/>
-              <a:t>第三層</a:t>
-            </a:r>
-          </a:p>
-          <a:p>
-            <a:pPr lvl="3"/>
-            <a:r>
-              <a:rPr kumimoji="1" lang="zh-TW" altLang="en-US" smtClean="0"/>
-              <a:t>第四層</a:t>
-            </a:r>
-          </a:p>
-          <a:p>
-            <a:pPr lvl="4"/>
-            <a:r>
-              <a:rPr kumimoji="1" lang="zh-TW" altLang="en-US" smtClean="0"/>
-              <a:t>第五層</a:t>
-            </a:r>
-            <a:endParaRPr lang="ja-JP"/>
-          </a:p>
-        </p:txBody>
-      </p:sp>
-      <p:sp>
-        <p:nvSpPr>
-          <p:cNvPr id="5" name="図形 4"/>
+              <a:rPr lang="en-US" altLang="zh-TW" smtClean="0"/>
+              <a:t>Click to edit Master text styles</a:t>
+            </a:r>
+          </a:p>
+        </p:txBody>
+      </p:sp>
+      <p:sp>
+        <p:nvSpPr>
+          <p:cNvPr id="5" name="日期版面配置區 4"/>
           <p:cNvSpPr>
             <a:spLocks noGrp="1"/>
           </p:cNvSpPr>
@@ -2388,7 +2210,7 @@
           <a:p>
             <a:fld id="{982F74A0-5549-4DEA-895A-B6477C30BB93}" type="datetimeFigureOut">
               <a:rPr lang="zh-TW" altLang="en-US" smtClean="0"/>
-              <a:t>2015/3/26</a:t>
+              <a:t>2019/9/7</a:t>
             </a:fld>
             <a:endParaRPr lang="zh-TW" altLang="en-US"/>
           </a:p>
@@ -2396,7 +2218,7 @@
       </p:sp>
       <p:sp>
         <p:nvSpPr>
-          <p:cNvPr id="6" name="図形 5"/>
+          <p:cNvPr id="6" name="頁尾版面配置區 5"/>
           <p:cNvSpPr>
             <a:spLocks noGrp="1"/>
           </p:cNvSpPr>
@@ -2415,7 +2237,7 @@
       </p:sp>
       <p:sp>
         <p:nvSpPr>
-          <p:cNvPr id="7" name="図形 6"/>
+          <p:cNvPr id="7" name="投影片編號版面配置區 6"/>
           <p:cNvSpPr>
             <a:spLocks noGrp="1"/>
           </p:cNvSpPr>
@@ -2445,7 +2267,7 @@
 </file>
 
 <file path=ppt/slideLayouts/slideLayout9.xml><?xml version="1.0" encoding="utf-8"?>
-<p:sldLayout xmlns:a="http://schemas.openxmlformats.org/drawingml/2006/main" xmlns:r="http://schemas.openxmlformats.org/officeDocument/2006/relationships" xmlns:p="http://schemas.openxmlformats.org/presentationml/2006/main" showMasterSp="0" type="picTx" preserve="1">
+<p:sldLayout xmlns:a="http://schemas.openxmlformats.org/drawingml/2006/main" xmlns:r="http://schemas.openxmlformats.org/officeDocument/2006/relationships" xmlns:p="http://schemas.openxmlformats.org/presentationml/2006/main" type="picTx" preserve="1">
   <p:cSld name="含標題的圖片">
     <p:spTree>
       <p:nvGrpSpPr>
@@ -2463,7 +2285,7 @@
       </p:grpSpPr>
       <p:sp>
         <p:nvSpPr>
-          <p:cNvPr id="2" name="図形 1"/>
+          <p:cNvPr id="2" name="標題 1"/>
           <p:cNvSpPr>
             <a:spLocks noGrp="1"/>
           </p:cNvSpPr>
@@ -2473,29 +2295,29 @@
         </p:nvSpPr>
         <p:spPr>
           <a:xfrm>
-            <a:off x="1792288" y="5014914"/>
-            <a:ext cx="5486400" cy="414350"/>
+            <a:off x="1792288" y="3600450"/>
+            <a:ext cx="5486400" cy="425054"/>
           </a:xfrm>
         </p:spPr>
         <p:txBody>
           <a:bodyPr anchor="b"/>
           <a:lstStyle>
-            <a:lvl1pPr algn="ctr">
+            <a:lvl1pPr algn="l">
               <a:defRPr sz="2000" b="1"/>
             </a:lvl1pPr>
           </a:lstStyle>
           <a:p>
             <a:r>
-              <a:rPr kumimoji="1" lang="zh-TW" altLang="en-US" smtClean="0"/>
-              <a:t>按一下以編輯母片標題樣式</a:t>
-            </a:r>
-            <a:endParaRPr kumimoji="1" lang="ja-JP" altLang="en-US" dirty="0"/>
-          </a:p>
-        </p:txBody>
-      </p:sp>
-      <p:sp>
-        <p:nvSpPr>
-          <p:cNvPr id="3" name="正方形/長方形 2"/>
+              <a:rPr lang="en-US" altLang="zh-TW" smtClean="0"/>
+              <a:t>Click to edit Master title style</a:t>
+            </a:r>
+            <a:endParaRPr lang="zh-TW" altLang="en-US"/>
+          </a:p>
+        </p:txBody>
+      </p:sp>
+      <p:sp>
+        <p:nvSpPr>
+          <p:cNvPr id="3" name="圖片版面配置區 2"/>
           <p:cNvSpPr>
             <a:spLocks noGrp="1"/>
           </p:cNvSpPr>
@@ -2505,26 +2327,9 @@
         </p:nvSpPr>
         <p:spPr>
           <a:xfrm>
-            <a:off x="1792288" y="742960"/>
-            <a:ext cx="5486400" cy="4114800"/>
+            <a:off x="1792288" y="459581"/>
+            <a:ext cx="5486400" cy="3086100"/>
           </a:xfrm>
-          <a:prstGeom prst="rect">
-            <a:avLst/>
-          </a:prstGeom>
-          <a:noFill/>
-          <a:ln w="50800" cap="sq">
-            <a:solidFill>
-              <a:schemeClr val="tx1"/>
-            </a:solidFill>
-            <a:miter lim="800000"/>
-          </a:ln>
-          <a:effectLst>
-            <a:outerShdw blurRad="76200" dist="50800" dir="13500000" algn="tl" rotWithShape="0">
-              <a:schemeClr val="bg1">
-                <a:alpha val="80000"/>
-              </a:schemeClr>
-            </a:outerShdw>
-          </a:effectLst>
         </p:spPr>
         <p:txBody>
           <a:bodyPr/>
@@ -2568,16 +2373,16 @@
           </a:lstStyle>
           <a:p>
             <a:r>
-              <a:rPr kumimoji="1" lang="zh-TW" altLang="en-US" smtClean="0"/>
-              <a:t>按一下圖示以新增圖片</a:t>
-            </a:r>
-            <a:endParaRPr kumimoji="1" lang="ja-JP" altLang="en-US" dirty="0"/>
-          </a:p>
-        </p:txBody>
-      </p:sp>
-      <p:sp>
-        <p:nvSpPr>
-          <p:cNvPr id="4" name="図形 3"/>
+              <a:rPr lang="en-US" altLang="zh-TW" smtClean="0"/>
+              <a:t>Click icon to add picture</a:t>
+            </a:r>
+            <a:endParaRPr lang="zh-TW" altLang="en-US"/>
+          </a:p>
+        </p:txBody>
+      </p:sp>
+      <p:sp>
+        <p:nvSpPr>
+          <p:cNvPr id="4" name="文字版面配置區 3"/>
           <p:cNvSpPr>
             <a:spLocks noGrp="1"/>
           </p:cNvSpPr>
@@ -2587,30 +2392,30 @@
         </p:nvSpPr>
         <p:spPr>
           <a:xfrm>
-            <a:off x="1792288" y="5481658"/>
-            <a:ext cx="5486400" cy="804862"/>
+            <a:off x="1792288" y="4025503"/>
+            <a:ext cx="5486400" cy="603647"/>
           </a:xfrm>
         </p:spPr>
         <p:txBody>
           <a:bodyPr/>
           <a:lstStyle>
-            <a:lvl1pPr marL="0" indent="0" algn="ctr">
+            <a:lvl1pPr marL="0" indent="0">
               <a:buNone/>
               <a:defRPr sz="1400"/>
             </a:lvl1pPr>
-            <a:lvl2pPr marL="457200" indent="0" algn="ctr">
+            <a:lvl2pPr marL="457200" indent="0">
               <a:buNone/>
               <a:defRPr sz="1200"/>
             </a:lvl2pPr>
-            <a:lvl3pPr marL="914400" indent="0" algn="ctr">
+            <a:lvl3pPr marL="914400" indent="0">
               <a:buNone/>
               <a:defRPr sz="1000"/>
             </a:lvl3pPr>
-            <a:lvl4pPr marL="1371600" indent="0" algn="ctr">
+            <a:lvl4pPr marL="1371600" indent="0">
               <a:buNone/>
               <a:defRPr sz="900"/>
             </a:lvl4pPr>
-            <a:lvl5pPr marL="1828800" indent="0" algn="ctr">
+            <a:lvl5pPr marL="1828800" indent="0">
               <a:buNone/>
               <a:defRPr sz="900"/>
             </a:lvl5pPr>
@@ -2634,44 +2439,15 @@
           <a:p>
             <a:pPr lvl="0"/>
             <a:r>
-              <a:rPr kumimoji="1" lang="zh-TW" altLang="en-US" smtClean="0"/>
-              <a:t>按一下以編輯母片文字樣式</a:t>
-            </a:r>
-          </a:p>
-          <a:p>
-            <a:pPr lvl="1"/>
-            <a:r>
-              <a:rPr kumimoji="1" lang="zh-TW" altLang="en-US" smtClean="0"/>
-              <a:t>第二層</a:t>
-            </a:r>
-          </a:p>
-          <a:p>
-            <a:pPr lvl="2"/>
-            <a:r>
-              <a:rPr kumimoji="1" lang="zh-TW" altLang="en-US" smtClean="0"/>
-              <a:t>第三層</a:t>
-            </a:r>
-          </a:p>
-          <a:p>
-            <a:pPr lvl="3"/>
-            <a:r>
-              <a:rPr kumimoji="1" lang="zh-TW" altLang="en-US" smtClean="0"/>
-              <a:t>第四層</a:t>
-            </a:r>
-          </a:p>
-          <a:p>
-            <a:pPr lvl="4"/>
-            <a:r>
-              <a:rPr kumimoji="1" lang="zh-TW" altLang="en-US" smtClean="0"/>
-              <a:t>第五層</a:t>
-            </a:r>
-            <a:endParaRPr lang="ja-JP" dirty="0"/>
-          </a:p>
-        </p:txBody>
-      </p:sp>
-      <p:sp>
-        <p:nvSpPr>
-          <p:cNvPr id="5" name="図形 4"/>
+              <a:rPr lang="en-US" altLang="zh-TW" smtClean="0"/>
+              <a:t>Click to edit Master text styles</a:t>
+            </a:r>
+          </a:p>
+        </p:txBody>
+      </p:sp>
+      <p:sp>
+        <p:nvSpPr>
+          <p:cNvPr id="5" name="日期版面配置區 4"/>
           <p:cNvSpPr>
             <a:spLocks noGrp="1"/>
           </p:cNvSpPr>
@@ -2686,7 +2462,7 @@
           <a:p>
             <a:fld id="{982F74A0-5549-4DEA-895A-B6477C30BB93}" type="datetimeFigureOut">
               <a:rPr lang="zh-TW" altLang="en-US" smtClean="0"/>
-              <a:t>2015/3/26</a:t>
+              <a:t>2019/9/7</a:t>
             </a:fld>
             <a:endParaRPr lang="zh-TW" altLang="en-US"/>
           </a:p>
@@ -2694,7 +2470,7 @@
       </p:sp>
       <p:sp>
         <p:nvSpPr>
-          <p:cNvPr id="6" name="図形 5"/>
+          <p:cNvPr id="6" name="頁尾版面配置區 5"/>
           <p:cNvSpPr>
             <a:spLocks noGrp="1"/>
           </p:cNvSpPr>
@@ -2713,7 +2489,7 @@
       </p:sp>
       <p:sp>
         <p:nvSpPr>
-          <p:cNvPr id="7" name="図形 6"/>
+          <p:cNvPr id="7" name="投影片編號版面配置區 6"/>
           <p:cNvSpPr>
             <a:spLocks noGrp="1"/>
           </p:cNvSpPr>
@@ -2746,9 +2522,14 @@
 <p:sldMaster xmlns:a="http://schemas.openxmlformats.org/drawingml/2006/main" xmlns:r="http://schemas.openxmlformats.org/officeDocument/2006/relationships" xmlns:p="http://schemas.openxmlformats.org/presentationml/2006/main">
   <p:cSld>
     <p:bg>
-      <p:bgRef idx="1003">
-        <a:schemeClr val="bg2"/>
-      </p:bgRef>
+      <p:bgPr>
+        <a:blipFill dpi="0" rotWithShape="1">
+          <a:blip r:embed="rId13"/>
+          <a:srcRect/>
+          <a:tile tx="0" ty="0" sx="100000" sy="100000" flip="none" algn="tl"/>
+        </a:blipFill>
+        <a:effectLst/>
+      </p:bgPr>
     </p:bg>
     <p:spTree>
       <p:nvGrpSpPr>
@@ -2766,126 +2547,161 @@
       </p:grpSpPr>
       <p:sp>
         <p:nvSpPr>
-          <p:cNvPr id="18" name="正方形/長方形 17"/>
-          <p:cNvSpPr>
-            <a:spLocks noGrp="1"/>
-          </p:cNvSpPr>
-          <p:nvPr>
-            <p:ph type="body" idx="1"/>
+          <p:cNvPr id="2" name="標題版面配置區 1"/>
+          <p:cNvSpPr>
+            <a:spLocks noGrp="1"/>
+          </p:cNvSpPr>
+          <p:nvPr>
+            <p:ph type="title"/>
           </p:nvPr>
         </p:nvSpPr>
         <p:spPr>
           <a:xfrm>
-            <a:off x="457200" y="1600200"/>
-            <a:ext cx="8229600" cy="4525963"/>
+            <a:off x="457200" y="205979"/>
+            <a:ext cx="8229600" cy="857250"/>
           </a:xfrm>
           <a:prstGeom prst="rect">
             <a:avLst/>
           </a:prstGeom>
         </p:spPr>
         <p:txBody>
-          <a:bodyPr vert="horz" rtlCol="0">
+          <a:bodyPr vert="horz" lIns="91440" tIns="45720" rIns="91440" bIns="45720" rtlCol="0" anchor="ctr">
             <a:normAutofit/>
           </a:bodyPr>
           <a:lstStyle/>
           <a:p>
-            <a:pPr lvl="0"/>
-            <a:r>
-              <a:rPr kumimoji="1" lang="zh-TW" altLang="en-US" smtClean="0"/>
-              <a:t>按一下以編輯母片文字樣式</a:t>
-            </a:r>
-          </a:p>
-          <a:p>
-            <a:pPr lvl="1"/>
-            <a:r>
-              <a:rPr kumimoji="1" lang="zh-TW" altLang="en-US" smtClean="0"/>
-              <a:t>第二層</a:t>
-            </a:r>
-          </a:p>
-          <a:p>
-            <a:pPr lvl="2"/>
-            <a:r>
-              <a:rPr kumimoji="1" lang="zh-TW" altLang="en-US" smtClean="0"/>
-              <a:t>第三層</a:t>
-            </a:r>
-          </a:p>
-          <a:p>
-            <a:pPr lvl="3"/>
-            <a:r>
-              <a:rPr kumimoji="1" lang="zh-TW" altLang="en-US" smtClean="0"/>
-              <a:t>第四層</a:t>
-            </a:r>
-          </a:p>
-          <a:p>
-            <a:pPr lvl="4"/>
-            <a:r>
-              <a:rPr kumimoji="1" lang="zh-TW" altLang="en-US" smtClean="0"/>
-              <a:t>第五層</a:t>
-            </a:r>
-            <a:endParaRPr kumimoji="1" lang="ja-JP" altLang="en-US" dirty="0"/>
-          </a:p>
-        </p:txBody>
-      </p:sp>
-      <p:sp>
-        <p:nvSpPr>
-          <p:cNvPr id="29" name="正方形/長方形 28"/>
-          <p:cNvSpPr>
-            <a:spLocks noGrp="1"/>
-          </p:cNvSpPr>
-          <p:nvPr>
-            <p:ph type="dt" sz="half" idx="2"/>
+            <a:r>
+              <a:rPr lang="zh-TW" altLang="en-US" smtClean="0"/>
+              <a:t>按一下以編輯母片標題樣式</a:t>
+            </a:r>
+            <a:endParaRPr lang="zh-TW" altLang="en-US"/>
+          </a:p>
+        </p:txBody>
+      </p:sp>
+      <p:sp>
+        <p:nvSpPr>
+          <p:cNvPr id="3" name="文字版面配置區 2"/>
+          <p:cNvSpPr>
+            <a:spLocks noGrp="1"/>
+          </p:cNvSpPr>
+          <p:nvPr>
+            <p:ph type="body" idx="1"/>
           </p:nvPr>
         </p:nvSpPr>
         <p:spPr>
           <a:xfrm>
-            <a:off x="457200" y="6356350"/>
-            <a:ext cx="2133600" cy="365125"/>
+            <a:off x="457200" y="1200151"/>
+            <a:ext cx="8229600" cy="3394472"/>
           </a:xfrm>
           <a:prstGeom prst="rect">
             <a:avLst/>
           </a:prstGeom>
         </p:spPr>
         <p:txBody>
-          <a:bodyPr vert="horz" rtlCol="0" anchor="ctr"/>
-          <a:lstStyle>
-            <a:lvl1pPr algn="l">
-              <a:defRPr sz="1200">
-                <a:solidFill>
-                  <a:schemeClr val="bg1"/>
-                </a:solidFill>
-              </a:defRPr>
-            </a:lvl1pPr>
-          </a:lstStyle>
-          <a:p>
-            <a:fld id="{982F74A0-5549-4DEA-895A-B6477C30BB93}" type="datetimeFigureOut">
+          <a:bodyPr vert="horz" lIns="91440" tIns="45720" rIns="91440" bIns="45720" rtlCol="0">
+            <a:normAutofit/>
+          </a:bodyPr>
+          <a:lstStyle/>
+          <a:p>
+            <a:pPr lvl="0"/>
+            <a:r>
               <a:rPr lang="zh-TW" altLang="en-US" smtClean="0"/>
-              <a:t>2015/3/26</a:t>
-            </a:fld>
-            <a:endParaRPr lang="zh-TW" altLang="en-US"/>
-          </a:p>
-        </p:txBody>
-      </p:sp>
-      <p:sp>
-        <p:nvSpPr>
-          <p:cNvPr id="4" name="正方形/長方形 3"/>
-          <p:cNvSpPr>
-            <a:spLocks noGrp="1"/>
-          </p:cNvSpPr>
-          <p:nvPr>
-            <p:ph type="ftr" sz="quarter" idx="3"/>
+              <a:t>按一下以編輯母片文字樣式</a:t>
+            </a:r>
+          </a:p>
+          <a:p>
+            <a:pPr lvl="1"/>
+            <a:r>
+              <a:rPr lang="zh-TW" altLang="en-US" smtClean="0"/>
+              <a:t>第二層</a:t>
+            </a:r>
+          </a:p>
+          <a:p>
+            <a:pPr lvl="2"/>
+            <a:r>
+              <a:rPr lang="zh-TW" altLang="en-US" smtClean="0"/>
+              <a:t>第三層</a:t>
+            </a:r>
+          </a:p>
+          <a:p>
+            <a:pPr lvl="3"/>
+            <a:r>
+              <a:rPr lang="zh-TW" altLang="en-US" smtClean="0"/>
+              <a:t>第四層</a:t>
+            </a:r>
+          </a:p>
+          <a:p>
+            <a:pPr lvl="4"/>
+            <a:r>
+              <a:rPr lang="zh-TW" altLang="en-US" smtClean="0"/>
+              <a:t>第五層</a:t>
+            </a:r>
+            <a:endParaRPr lang="zh-TW" altLang="en-US"/>
+          </a:p>
+        </p:txBody>
+      </p:sp>
+      <p:sp>
+        <p:nvSpPr>
+          <p:cNvPr id="4" name="日期版面配置區 3"/>
+          <p:cNvSpPr>
+            <a:spLocks noGrp="1"/>
+          </p:cNvSpPr>
+          <p:nvPr>
+            <p:ph type="dt" sz="half" idx="2"/>
           </p:nvPr>
         </p:nvSpPr>
         <p:spPr>
           <a:xfrm>
-            <a:off x="3124200" y="6356350"/>
-            <a:ext cx="2895600" cy="365125"/>
+            <a:off x="457200" y="4767263"/>
+            <a:ext cx="2133600" cy="273844"/>
           </a:xfrm>
           <a:prstGeom prst="rect">
             <a:avLst/>
           </a:prstGeom>
         </p:spPr>
         <p:txBody>
-          <a:bodyPr vert="horz" rtlCol="0" anchor="ctr"/>
+          <a:bodyPr vert="horz" lIns="91440" tIns="45720" rIns="91440" bIns="45720" rtlCol="0" anchor="ctr"/>
+          <a:lstStyle>
+            <a:lvl1pPr algn="l">
+              <a:defRPr sz="1200">
+                <a:solidFill>
+                  <a:schemeClr val="tx1">
+                    <a:tint val="75000"/>
+                  </a:schemeClr>
+                </a:solidFill>
+              </a:defRPr>
+            </a:lvl1pPr>
+          </a:lstStyle>
+          <a:p>
+            <a:fld id="{982F74A0-5549-4DEA-895A-B6477C30BB93}" type="datetimeFigureOut">
+              <a:rPr lang="zh-TW" altLang="en-US" smtClean="0"/>
+              <a:t>2019/9/7</a:t>
+            </a:fld>
+            <a:endParaRPr lang="zh-TW" altLang="en-US"/>
+          </a:p>
+        </p:txBody>
+      </p:sp>
+      <p:sp>
+        <p:nvSpPr>
+          <p:cNvPr id="5" name="頁尾版面配置區 4"/>
+          <p:cNvSpPr>
+            <a:spLocks noGrp="1"/>
+          </p:cNvSpPr>
+          <p:nvPr>
+            <p:ph type="ftr" sz="quarter" idx="3"/>
+          </p:nvPr>
+        </p:nvSpPr>
+        <p:spPr>
+          <a:xfrm>
+            <a:off x="3124200" y="4767263"/>
+            <a:ext cx="2895600" cy="273844"/>
+          </a:xfrm>
+          <a:prstGeom prst="rect">
+            <a:avLst/>
+          </a:prstGeom>
+        </p:spPr>
+        <p:txBody>
+          <a:bodyPr vert="horz" lIns="91440" tIns="45720" rIns="91440" bIns="45720" rtlCol="0" anchor="ctr"/>
           <a:lstStyle>
             <a:lvl1pPr algn="ctr">
               <a:defRPr sz="1200">
@@ -2904,7 +2720,7 @@
       </p:sp>
       <p:sp>
         <p:nvSpPr>
-          <p:cNvPr id="10" name="正方形/長方形 9"/>
+          <p:cNvPr id="6" name="投影片編號版面配置區 5"/>
           <p:cNvSpPr>
             <a:spLocks noGrp="1"/>
           </p:cNvSpPr>
@@ -2914,20 +2730,22 @@
         </p:nvSpPr>
         <p:spPr>
           <a:xfrm>
-            <a:off x="6553200" y="6356350"/>
-            <a:ext cx="2133600" cy="365125"/>
+            <a:off x="6553200" y="4767263"/>
+            <a:ext cx="2133600" cy="273844"/>
           </a:xfrm>
           <a:prstGeom prst="rect">
             <a:avLst/>
           </a:prstGeom>
         </p:spPr>
         <p:txBody>
-          <a:bodyPr vert="horz" rtlCol="0" anchor="ctr"/>
+          <a:bodyPr vert="horz" lIns="91440" tIns="45720" rIns="91440" bIns="45720" rtlCol="0" anchor="ctr"/>
           <a:lstStyle>
             <a:lvl1pPr algn="r">
               <a:defRPr sz="1200">
                 <a:solidFill>
-                  <a:schemeClr val="bg1"/>
+                  <a:schemeClr val="tx1">
+                    <a:tint val="75000"/>
+                  </a:schemeClr>
                 </a:solidFill>
               </a:defRPr>
             </a:lvl1pPr>
@@ -2941,101 +2759,33 @@
           </a:p>
         </p:txBody>
       </p:sp>
-      <p:sp>
-        <p:nvSpPr>
-          <p:cNvPr id="22" name="正方形/長方形 21"/>
-          <p:cNvSpPr>
-            <a:spLocks noGrp="1"/>
-          </p:cNvSpPr>
-          <p:nvPr>
-            <p:ph type="title"/>
-          </p:nvPr>
-        </p:nvSpPr>
-        <p:spPr>
-          <a:xfrm>
-            <a:off x="457200" y="274638"/>
-            <a:ext cx="8229600" cy="1143000"/>
-          </a:xfrm>
-          <a:prstGeom prst="rect">
-            <a:avLst/>
-          </a:prstGeom>
-          <a:noFill/>
-        </p:spPr>
-        <p:txBody>
-          <a:bodyPr vert="horz" rtlCol="0" anchor="ctr">
-            <a:normAutofit/>
-          </a:bodyPr>
-          <a:lstStyle/>
-          <a:p>
-            <a:r>
-              <a:rPr kumimoji="1" lang="zh-TW" altLang="en-US" smtClean="0"/>
-              <a:t>按一下以編輯母片標題樣式</a:t>
-            </a:r>
-            <a:endParaRPr kumimoji="1" lang="ja-JP" altLang="en-US" dirty="0"/>
-          </a:p>
-        </p:txBody>
-      </p:sp>
     </p:spTree>
   </p:cSld>
   <p:clrMap bg1="lt1" tx1="dk1" bg2="lt2" tx2="dk2" accent1="accent1" accent2="accent2" accent3="accent3" accent4="accent4" accent5="accent5" accent6="accent6" hlink="hlink" folHlink="folHlink"/>
   <p:sldLayoutIdLst>
-    <p:sldLayoutId id="2147483673" r:id="rId1"/>
-    <p:sldLayoutId id="2147483674" r:id="rId2"/>
-    <p:sldLayoutId id="2147483675" r:id="rId3"/>
-    <p:sldLayoutId id="2147483676" r:id="rId4"/>
-    <p:sldLayoutId id="2147483677" r:id="rId5"/>
-    <p:sldLayoutId id="2147483678" r:id="rId6"/>
-    <p:sldLayoutId id="2147483679" r:id="rId7"/>
-    <p:sldLayoutId id="2147483680" r:id="rId8"/>
-    <p:sldLayoutId id="2147483681" r:id="rId9"/>
-    <p:sldLayoutId id="2147483682" r:id="rId10"/>
-    <p:sldLayoutId id="2147483683" r:id="rId11"/>
+    <p:sldLayoutId id="2147483685" r:id="rId1"/>
+    <p:sldLayoutId id="2147483686" r:id="rId2"/>
+    <p:sldLayoutId id="2147483687" r:id="rId3"/>
+    <p:sldLayoutId id="2147483688" r:id="rId4"/>
+    <p:sldLayoutId id="2147483689" r:id="rId5"/>
+    <p:sldLayoutId id="2147483690" r:id="rId6"/>
+    <p:sldLayoutId id="2147483691" r:id="rId7"/>
+    <p:sldLayoutId id="2147483692" r:id="rId8"/>
+    <p:sldLayoutId id="2147483693" r:id="rId9"/>
+    <p:sldLayoutId id="2147483694" r:id="rId10"/>
+    <p:sldLayoutId id="2147483695" r:id="rId11"/>
   </p:sldLayoutIdLst>
   <p:txStyles>
     <p:titleStyle>
-      <a:lvl1pPr algn="ctr" rtl="0" eaLnBrk="1" latinLnBrk="0" hangingPunct="1">
+      <a:lvl1pPr algn="ctr" defTabSz="914400" rtl="0" eaLnBrk="1" latinLnBrk="0" hangingPunct="1">
         <a:spcBef>
           <a:spcPct val="0"/>
         </a:spcBef>
         <a:buNone/>
-        <a:defRPr kumimoji="1" sz="4400" baseline="0">
-          <a:ln w="12700">
-            <a:solidFill>
-              <a:schemeClr val="tx1">
-                <a:tint val="95000"/>
-              </a:schemeClr>
-            </a:solidFill>
-          </a:ln>
-          <a:gradFill>
-            <a:gsLst>
-              <a:gs pos="0">
-                <a:schemeClr val="tx1">
-                  <a:tint val="65000"/>
-                </a:schemeClr>
-              </a:gs>
-              <a:gs pos="49900">
-                <a:schemeClr val="tx1">
-                  <a:tint val="95000"/>
-                </a:schemeClr>
-              </a:gs>
-              <a:gs pos="50000">
-                <a:schemeClr val="tx1"/>
-              </a:gs>
-              <a:gs pos="100000">
-                <a:schemeClr val="tx1">
-                  <a:tint val="95000"/>
-                </a:schemeClr>
-              </a:gs>
-            </a:gsLst>
-            <a:lin ang="5400000" scaled="1"/>
-          </a:gradFill>
-          <a:effectLst>
-            <a:outerShdw blurRad="127000" algn="tl" rotWithShape="0">
-              <a:schemeClr val="bg1">
-                <a:alpha val="50000"/>
-              </a:schemeClr>
-            </a:outerShdw>
-          </a:effectLst>
+        <a:defRPr sz="4400" kern="1200">
+          <a:solidFill>
+            <a:schemeClr val="tx1"/>
+          </a:solidFill>
           <a:latin typeface="+mj-lt"/>
           <a:ea typeface="+mj-ea"/>
           <a:cs typeface="+mj-cs"/>
@@ -3043,184 +2793,135 @@
       </a:lvl1pPr>
     </p:titleStyle>
     <p:bodyStyle>
-      <a:lvl1pPr marL="342900" indent="-342900" algn="l" rtl="0" eaLnBrk="1" latinLnBrk="0" hangingPunct="1">
+      <a:lvl1pPr marL="342900" indent="-342900" algn="l" defTabSz="914400" rtl="0" eaLnBrk="1" latinLnBrk="0" hangingPunct="1">
         <a:spcBef>
           <a:spcPct val="20000"/>
         </a:spcBef>
-        <a:buClr>
-          <a:schemeClr val="tx1"/>
-        </a:buClr>
-        <a:buFont typeface="Wingdings"/>
-        <a:buChar char="n"/>
-        <a:defRPr kumimoji="1" sz="3200" baseline="0">
+        <a:buFont typeface="Arial" pitchFamily="34" charset="0"/>
+        <a:buChar char="•"/>
+        <a:defRPr sz="3200" kern="1200">
           <a:solidFill>
-            <a:schemeClr val="tx2"/>
+            <a:schemeClr val="tx1"/>
           </a:solidFill>
           <a:latin typeface="+mn-lt"/>
           <a:ea typeface="+mn-ea"/>
           <a:cs typeface="+mn-cs"/>
         </a:defRPr>
       </a:lvl1pPr>
-      <a:lvl2pPr marL="742950" indent="-285750" algn="l" rtl="0" eaLnBrk="1" latinLnBrk="0" hangingPunct="1">
+      <a:lvl2pPr marL="742950" indent="-285750" algn="l" defTabSz="914400" rtl="0" eaLnBrk="1" latinLnBrk="0" hangingPunct="1">
         <a:spcBef>
           <a:spcPct val="20000"/>
         </a:spcBef>
-        <a:buClr>
-          <a:schemeClr val="tx2">
-            <a:shade val="75000"/>
-          </a:schemeClr>
-        </a:buClr>
-        <a:buSzPct val="85000"/>
-        <a:buFont typeface="Wingdings"/>
-        <a:buChar char="n"/>
-        <a:defRPr kumimoji="1" sz="2800" baseline="0">
+        <a:buFont typeface="Arial" pitchFamily="34" charset="0"/>
+        <a:buChar char="–"/>
+        <a:defRPr sz="2800" kern="1200">
           <a:solidFill>
-            <a:schemeClr val="tx2"/>
+            <a:schemeClr val="tx1"/>
           </a:solidFill>
           <a:latin typeface="+mn-lt"/>
           <a:ea typeface="+mn-ea"/>
           <a:cs typeface="+mn-cs"/>
         </a:defRPr>
       </a:lvl2pPr>
-      <a:lvl3pPr marL="1143000" indent="-228600" algn="l" rtl="0" eaLnBrk="1" latinLnBrk="0" hangingPunct="1">
+      <a:lvl3pPr marL="1143000" indent="-228600" algn="l" defTabSz="914400" rtl="0" eaLnBrk="1" latinLnBrk="0" hangingPunct="1">
         <a:spcBef>
           <a:spcPct val="20000"/>
         </a:spcBef>
-        <a:buClr>
-          <a:schemeClr val="accent4">
-            <a:shade val="50000"/>
-          </a:schemeClr>
-        </a:buClr>
-        <a:buSzPct val="75000"/>
-        <a:buFont typeface="Wingdings"/>
-        <a:buChar char="n"/>
-        <a:defRPr kumimoji="1" sz="2400" baseline="0">
+        <a:buFont typeface="Arial" pitchFamily="34" charset="0"/>
+        <a:buChar char="•"/>
+        <a:defRPr sz="2400" kern="1200">
           <a:solidFill>
-            <a:schemeClr val="tx2"/>
+            <a:schemeClr val="tx1"/>
           </a:solidFill>
           <a:latin typeface="+mn-lt"/>
           <a:ea typeface="+mn-ea"/>
           <a:cs typeface="+mn-cs"/>
         </a:defRPr>
       </a:lvl3pPr>
-      <a:lvl4pPr marL="1600200" indent="-228600" algn="l" rtl="0" eaLnBrk="1" latinLnBrk="0" hangingPunct="1">
+      <a:lvl4pPr marL="1600200" indent="-228600" algn="l" defTabSz="914400" rtl="0" eaLnBrk="1" latinLnBrk="0" hangingPunct="1">
         <a:spcBef>
           <a:spcPct val="20000"/>
         </a:spcBef>
-        <a:buClr>
-          <a:schemeClr val="accent6">
-            <a:shade val="50000"/>
-          </a:schemeClr>
-        </a:buClr>
-        <a:buSzPct val="75000"/>
-        <a:buFont typeface="Wingdings"/>
-        <a:buChar char="n"/>
-        <a:defRPr kumimoji="1" sz="2000" baseline="0">
+        <a:buFont typeface="Arial" pitchFamily="34" charset="0"/>
+        <a:buChar char="–"/>
+        <a:defRPr sz="2000" kern="1200">
           <a:solidFill>
-            <a:schemeClr val="tx2"/>
+            <a:schemeClr val="tx1"/>
           </a:solidFill>
           <a:latin typeface="+mn-lt"/>
           <a:ea typeface="+mn-ea"/>
           <a:cs typeface="+mn-cs"/>
         </a:defRPr>
       </a:lvl4pPr>
-      <a:lvl5pPr marL="2057400" indent="-228600" algn="l" rtl="0" eaLnBrk="1" latinLnBrk="0" hangingPunct="1">
+      <a:lvl5pPr marL="2057400" indent="-228600" algn="l" defTabSz="914400" rtl="0" eaLnBrk="1" latinLnBrk="0" hangingPunct="1">
         <a:spcBef>
           <a:spcPct val="20000"/>
         </a:spcBef>
-        <a:buClr>
-          <a:schemeClr val="accent3">
-            <a:shade val="50000"/>
-          </a:schemeClr>
-        </a:buClr>
-        <a:buSzPct val="70000"/>
-        <a:buFont typeface="Wingdings"/>
-        <a:buChar char="n"/>
-        <a:defRPr kumimoji="1" sz="2000" baseline="0">
+        <a:buFont typeface="Arial" pitchFamily="34" charset="0"/>
+        <a:buChar char="»"/>
+        <a:defRPr sz="2000" kern="1200">
           <a:solidFill>
-            <a:schemeClr val="tx2"/>
+            <a:schemeClr val="tx1"/>
           </a:solidFill>
           <a:latin typeface="+mn-lt"/>
           <a:ea typeface="+mn-ea"/>
           <a:cs typeface="+mn-cs"/>
         </a:defRPr>
       </a:lvl5pPr>
-      <a:lvl6pPr marL="2514600" indent="-228600" algn="l" rtl="0" eaLnBrk="1" latinLnBrk="0" hangingPunct="1">
+      <a:lvl6pPr marL="2514600" indent="-228600" algn="l" defTabSz="914400" rtl="0" eaLnBrk="1" latinLnBrk="0" hangingPunct="1">
         <a:spcBef>
           <a:spcPct val="20000"/>
         </a:spcBef>
-        <a:buClr>
-          <a:schemeClr val="accent1">
-            <a:shade val="50000"/>
-          </a:schemeClr>
-        </a:buClr>
-        <a:buSzPct val="60000"/>
-        <a:buFont typeface="Wingdings"/>
-        <a:buChar char="n"/>
-        <a:defRPr kumimoji="1" sz="2000">
+        <a:buFont typeface="Arial" pitchFamily="34" charset="0"/>
+        <a:buChar char="•"/>
+        <a:defRPr sz="2000" kern="1200">
           <a:solidFill>
-            <a:schemeClr val="tx2"/>
+            <a:schemeClr val="tx1"/>
           </a:solidFill>
           <a:latin typeface="+mn-lt"/>
           <a:ea typeface="+mn-ea"/>
           <a:cs typeface="+mn-cs"/>
         </a:defRPr>
       </a:lvl6pPr>
-      <a:lvl7pPr marL="2971800" indent="-228600" algn="l" rtl="0" eaLnBrk="1" latinLnBrk="0" hangingPunct="1">
+      <a:lvl7pPr marL="2971800" indent="-228600" algn="l" defTabSz="914400" rtl="0" eaLnBrk="1" latinLnBrk="0" hangingPunct="1">
         <a:spcBef>
           <a:spcPct val="20000"/>
         </a:spcBef>
-        <a:buClr>
-          <a:schemeClr val="accent2">
-            <a:shade val="50000"/>
-          </a:schemeClr>
-        </a:buClr>
-        <a:buSzPct val="60000"/>
-        <a:buFont typeface="Wingdings"/>
-        <a:buChar char="n"/>
-        <a:defRPr kumimoji="1" sz="2000">
+        <a:buFont typeface="Arial" pitchFamily="34" charset="0"/>
+        <a:buChar char="•"/>
+        <a:defRPr sz="2000" kern="1200">
           <a:solidFill>
-            <a:schemeClr val="tx2"/>
+            <a:schemeClr val="tx1"/>
           </a:solidFill>
           <a:latin typeface="+mn-lt"/>
           <a:ea typeface="+mn-ea"/>
           <a:cs typeface="+mn-cs"/>
         </a:defRPr>
       </a:lvl7pPr>
-      <a:lvl8pPr marL="3429000" indent="-228600" algn="l" rtl="0" eaLnBrk="1" latinLnBrk="0" hangingPunct="1">
+      <a:lvl8pPr marL="3429000" indent="-228600" algn="l" defTabSz="914400" rtl="0" eaLnBrk="1" latinLnBrk="0" hangingPunct="1">
         <a:spcBef>
           <a:spcPct val="20000"/>
         </a:spcBef>
-        <a:buClr>
-          <a:schemeClr val="accent5">
-            <a:shade val="50000"/>
-          </a:schemeClr>
-        </a:buClr>
-        <a:buSzPct val="60000"/>
-        <a:buFont typeface="Wingdings"/>
-        <a:buChar char="n"/>
-        <a:defRPr kumimoji="1" sz="2000">
+        <a:buFont typeface="Arial" pitchFamily="34" charset="0"/>
+        <a:buChar char="•"/>
+        <a:defRPr sz="2000" kern="1200">
           <a:solidFill>
-            <a:schemeClr val="tx2"/>
+            <a:schemeClr val="tx1"/>
           </a:solidFill>
           <a:latin typeface="+mn-lt"/>
           <a:ea typeface="+mn-ea"/>
           <a:cs typeface="+mn-cs"/>
         </a:defRPr>
       </a:lvl8pPr>
-      <a:lvl9pPr marL="3886200" indent="-228600" algn="l" rtl="0" eaLnBrk="1" latinLnBrk="0" hangingPunct="1">
+      <a:lvl9pPr marL="3886200" indent="-228600" algn="l" defTabSz="914400" rtl="0" eaLnBrk="1" latinLnBrk="0" hangingPunct="1">
         <a:spcBef>
           <a:spcPct val="20000"/>
         </a:spcBef>
-        <a:buClr>
-          <a:schemeClr val="tx1"/>
-        </a:buClr>
-        <a:buSzPct val="50000"/>
-        <a:buFont typeface="Wingdings"/>
-        <a:buChar char="n"/>
-        <a:defRPr kumimoji="1" sz="2000">
+        <a:buFont typeface="Arial" pitchFamily="34" charset="0"/>
+        <a:buChar char="•"/>
+        <a:defRPr sz="2000" kern="1200">
           <a:solidFill>
-            <a:schemeClr val="tx2"/>
+            <a:schemeClr val="tx1"/>
           </a:solidFill>
           <a:latin typeface="+mn-lt"/>
           <a:ea typeface="+mn-ea"/>
@@ -3229,8 +2930,11 @@
       </a:lvl9pPr>
     </p:bodyStyle>
     <p:otherStyle>
-      <a:lvl1pPr marL="0" algn="l" rtl="0" eaLnBrk="1" hangingPunct="1">
-        <a:defRPr kumimoji="1">
+      <a:defPPr>
+        <a:defRPr lang="zh-TW"/>
+      </a:defPPr>
+      <a:lvl1pPr marL="0" algn="l" defTabSz="914400" rtl="0" eaLnBrk="1" latinLnBrk="0" hangingPunct="1">
+        <a:defRPr sz="1800" kern="1200">
           <a:solidFill>
             <a:schemeClr val="tx1"/>
           </a:solidFill>
@@ -3239,8 +2943,8 @@
           <a:cs typeface="+mn-cs"/>
         </a:defRPr>
       </a:lvl1pPr>
-      <a:lvl2pPr marL="457200" algn="l" rtl="0" eaLnBrk="1" hangingPunct="1">
-        <a:defRPr kumimoji="1">
+      <a:lvl2pPr marL="457200" algn="l" defTabSz="914400" rtl="0" eaLnBrk="1" latinLnBrk="0" hangingPunct="1">
+        <a:defRPr sz="1800" kern="1200">
           <a:solidFill>
             <a:schemeClr val="tx1"/>
           </a:solidFill>
@@ -3249,8 +2953,8 @@
           <a:cs typeface="+mn-cs"/>
         </a:defRPr>
       </a:lvl2pPr>
-      <a:lvl3pPr marL="914400" algn="l" rtl="0" eaLnBrk="1" hangingPunct="1">
-        <a:defRPr kumimoji="1">
+      <a:lvl3pPr marL="914400" algn="l" defTabSz="914400" rtl="0" eaLnBrk="1" latinLnBrk="0" hangingPunct="1">
+        <a:defRPr sz="1800" kern="1200">
           <a:solidFill>
             <a:schemeClr val="tx1"/>
           </a:solidFill>
@@ -3259,8 +2963,8 @@
           <a:cs typeface="+mn-cs"/>
         </a:defRPr>
       </a:lvl3pPr>
-      <a:lvl4pPr marL="1371600" algn="l" rtl="0" eaLnBrk="1" hangingPunct="1">
-        <a:defRPr kumimoji="1">
+      <a:lvl4pPr marL="1371600" algn="l" defTabSz="914400" rtl="0" eaLnBrk="1" latinLnBrk="0" hangingPunct="1">
+        <a:defRPr sz="1800" kern="1200">
           <a:solidFill>
             <a:schemeClr val="tx1"/>
           </a:solidFill>
@@ -3269,8 +2973,8 @@
           <a:cs typeface="+mn-cs"/>
         </a:defRPr>
       </a:lvl4pPr>
-      <a:lvl5pPr marL="1828800" algn="l" rtl="0" eaLnBrk="1" hangingPunct="1">
-        <a:defRPr kumimoji="1">
+      <a:lvl5pPr marL="1828800" algn="l" defTabSz="914400" rtl="0" eaLnBrk="1" latinLnBrk="0" hangingPunct="1">
+        <a:defRPr sz="1800" kern="1200">
           <a:solidFill>
             <a:schemeClr val="tx1"/>
           </a:solidFill>
@@ -3279,8 +2983,8 @@
           <a:cs typeface="+mn-cs"/>
         </a:defRPr>
       </a:lvl5pPr>
-      <a:lvl6pPr marL="2286000" algn="l" rtl="0" eaLnBrk="1" hangingPunct="1">
-        <a:defRPr kumimoji="1">
+      <a:lvl6pPr marL="2286000" algn="l" defTabSz="914400" rtl="0" eaLnBrk="1" latinLnBrk="0" hangingPunct="1">
+        <a:defRPr sz="1800" kern="1200">
           <a:solidFill>
             <a:schemeClr val="tx1"/>
           </a:solidFill>
@@ -3289,8 +2993,8 @@
           <a:cs typeface="+mn-cs"/>
         </a:defRPr>
       </a:lvl6pPr>
-      <a:lvl7pPr marL="2743200" algn="l" rtl="0" eaLnBrk="1" hangingPunct="1">
-        <a:defRPr kumimoji="1">
+      <a:lvl7pPr marL="2743200" algn="l" defTabSz="914400" rtl="0" eaLnBrk="1" latinLnBrk="0" hangingPunct="1">
+        <a:defRPr sz="1800" kern="1200">
           <a:solidFill>
             <a:schemeClr val="tx1"/>
           </a:solidFill>
@@ -3299,8 +3003,8 @@
           <a:cs typeface="+mn-cs"/>
         </a:defRPr>
       </a:lvl7pPr>
-      <a:lvl8pPr marL="3200400" algn="l" rtl="0" eaLnBrk="1" hangingPunct="1">
-        <a:defRPr kumimoji="1">
+      <a:lvl8pPr marL="3200400" algn="l" defTabSz="914400" rtl="0" eaLnBrk="1" latinLnBrk="0" hangingPunct="1">
+        <a:defRPr sz="1800" kern="1200">
           <a:solidFill>
             <a:schemeClr val="tx1"/>
           </a:solidFill>
@@ -3309,8 +3013,8 @@
           <a:cs typeface="+mn-cs"/>
         </a:defRPr>
       </a:lvl8pPr>
-      <a:lvl9pPr marL="3657600" algn="l" rtl="0" eaLnBrk="1" hangingPunct="1">
-        <a:defRPr kumimoji="1">
+      <a:lvl9pPr marL="3657600" algn="l" defTabSz="914400" rtl="0" eaLnBrk="1" latinLnBrk="0" hangingPunct="1">
+        <a:defRPr sz="1800" kern="1200">
           <a:solidFill>
             <a:schemeClr val="tx1"/>
           </a:solidFill>
@@ -3353,14 +3057,22 @@
         </p:nvSpPr>
         <p:spPr/>
         <p:txBody>
-          <a:bodyPr/>
-          <a:lstStyle/>
-          <a:p>
-            <a:r>
-              <a:rPr lang="zh-TW" altLang="en-US" dirty="0" smtClean="0"/>
+          <a:bodyPr>
+            <a:normAutofit/>
+          </a:bodyPr>
+          <a:lstStyle/>
+          <a:p>
+            <a:r>
+              <a:rPr lang="zh-TW" altLang="en-US" sz="4000" b="1" dirty="0" smtClean="0">
+                <a:latin typeface="Microsoft JhengHei" pitchFamily="34" charset="-120"/>
+                <a:ea typeface="Microsoft JhengHei" pitchFamily="34" charset="-120"/>
+              </a:rPr>
               <a:t>亮晶燈</a:t>
             </a:r>
-            <a:endParaRPr lang="zh-TW" altLang="en-US" dirty="0"/>
+            <a:endParaRPr lang="zh-TW" altLang="en-US" sz="4000" b="1" dirty="0">
+              <a:latin typeface="Microsoft JhengHei" pitchFamily="34" charset="-120"/>
+              <a:ea typeface="Microsoft JhengHei" pitchFamily="34" charset="-120"/>
+            </a:endParaRPr>
           </a:p>
         </p:txBody>
       </p:sp>
@@ -3376,8 +3088,8 @@
         </p:nvSpPr>
         <p:spPr>
           <a:xfrm>
-            <a:off x="0" y="1600200"/>
-            <a:ext cx="9144000" cy="4525963"/>
+            <a:off x="0" y="1200151"/>
+            <a:ext cx="9144000" cy="3394472"/>
           </a:xfrm>
         </p:spPr>
         <p:txBody>
@@ -3390,87 +3102,137 @@
               <a:buNone/>
             </a:pPr>
             <a:r>
-              <a:rPr lang="zh-TW" altLang="en-US" sz="5400" dirty="0"/>
+              <a:rPr lang="zh-TW" altLang="en-US" sz="4800" b="1" dirty="0">
+                <a:latin typeface="Microsoft JhengHei" pitchFamily="34" charset="-120"/>
+                <a:ea typeface="Microsoft JhengHei" pitchFamily="34" charset="-120"/>
+              </a:rPr>
               <a:t>我立志做耶穌的一盞亮晶</a:t>
             </a:r>
             <a:r>
-              <a:rPr lang="zh-TW" altLang="en-US" sz="5400" dirty="0" smtClean="0"/>
+              <a:rPr lang="zh-TW" altLang="en-US" sz="4800" b="1" dirty="0" smtClean="0">
+                <a:latin typeface="Microsoft JhengHei" pitchFamily="34" charset="-120"/>
+                <a:ea typeface="Microsoft JhengHei" pitchFamily="34" charset="-120"/>
+              </a:rPr>
               <a:t>燈</a:t>
             </a:r>
-            <a:endParaRPr lang="en-US" altLang="zh-TW" sz="5400" dirty="0"/>
+            <a:endParaRPr lang="en-US" altLang="zh-TW" sz="4800" b="1" dirty="0" smtClean="0">
+              <a:latin typeface="Microsoft JhengHei" pitchFamily="34" charset="-120"/>
+              <a:ea typeface="Microsoft JhengHei" pitchFamily="34" charset="-120"/>
+            </a:endParaRPr>
           </a:p>
           <a:p>
             <a:pPr algn="ctr">
               <a:buNone/>
             </a:pPr>
             <a:r>
-              <a:rPr lang="zh-TW" altLang="en-US" sz="5400" dirty="0" smtClean="0"/>
+              <a:rPr lang="en-US" altLang="zh-TW" sz="2000" b="1" dirty="0" smtClean="0">
+                <a:latin typeface="Microsoft JhengHei" pitchFamily="34" charset="-120"/>
+                <a:ea typeface="Microsoft JhengHei" pitchFamily="34" charset="-120"/>
+              </a:rPr>
+              <a:t>(x2)</a:t>
+            </a:r>
+            <a:endParaRPr lang="en-US" altLang="zh-TW" sz="4800" b="1" dirty="0">
+              <a:latin typeface="Microsoft JhengHei" pitchFamily="34" charset="-120"/>
+              <a:ea typeface="Microsoft JhengHei" pitchFamily="34" charset="-120"/>
+            </a:endParaRPr>
+          </a:p>
+          <a:p>
+            <a:pPr algn="ctr">
+              <a:buNone/>
+            </a:pPr>
+            <a:r>
+              <a:rPr lang="zh-TW" altLang="en-US" sz="4800" b="1" dirty="0" smtClean="0">
+                <a:latin typeface="Microsoft JhengHei" pitchFamily="34" charset="-120"/>
+                <a:ea typeface="Microsoft JhengHei" pitchFamily="34" charset="-120"/>
+              </a:rPr>
               <a:t>我</a:t>
             </a:r>
             <a:r>
-              <a:rPr lang="zh-TW" altLang="en-US" sz="5400" dirty="0"/>
-              <a:t>立志做耶穌的一盞亮晶</a:t>
-            </a:r>
-            <a:r>
-              <a:rPr lang="zh-TW" altLang="en-US" sz="5400" dirty="0" smtClean="0"/>
-              <a:t>燈</a:t>
-            </a:r>
-            <a:endParaRPr lang="en-US" altLang="zh-TW" sz="5400" dirty="0"/>
+              <a:rPr lang="zh-TW" altLang="en-US" sz="4800" b="1" dirty="0" smtClean="0">
+                <a:latin typeface="Microsoft JhengHei" pitchFamily="34" charset="-120"/>
+                <a:ea typeface="Microsoft JhengHei" pitchFamily="34" charset="-120"/>
+              </a:rPr>
+              <a:t>對手 手 手</a:t>
+            </a:r>
+            <a:r>
+              <a:rPr lang="zh-TW" altLang="en-US" sz="4800" b="1" dirty="0">
+                <a:latin typeface="Microsoft JhengHei" pitchFamily="34" charset="-120"/>
+                <a:ea typeface="Microsoft JhengHei" pitchFamily="34" charset="-120"/>
+              </a:rPr>
+              <a:t>要</a:t>
+            </a:r>
+            <a:r>
+              <a:rPr lang="zh-TW" altLang="en-US" sz="4800" b="1" dirty="0" smtClean="0">
+                <a:latin typeface="Microsoft JhengHei" pitchFamily="34" charset="-120"/>
+                <a:ea typeface="Microsoft JhengHei" pitchFamily="34" charset="-120"/>
+              </a:rPr>
+              <a:t>發光</a:t>
+            </a:r>
+            <a:endParaRPr lang="en-US" altLang="zh-TW" sz="4800" b="1" dirty="0" smtClean="0">
+              <a:latin typeface="Microsoft JhengHei" pitchFamily="34" charset="-120"/>
+              <a:ea typeface="Microsoft JhengHei" pitchFamily="34" charset="-120"/>
+            </a:endParaRPr>
           </a:p>
           <a:p>
             <a:pPr algn="ctr">
               <a:buNone/>
             </a:pPr>
             <a:r>
-              <a:rPr lang="zh-TW" altLang="en-US" sz="5400" dirty="0" smtClean="0"/>
-              <a:t>我對手 手 手</a:t>
-            </a:r>
-            <a:r>
-              <a:rPr lang="zh-TW" altLang="en-US" sz="5400" dirty="0"/>
+              <a:rPr lang="zh-TW" altLang="en-US" sz="4800" b="1" dirty="0" smtClean="0">
+                <a:latin typeface="Microsoft JhengHei" pitchFamily="34" charset="-120"/>
+                <a:ea typeface="Microsoft JhengHei" pitchFamily="34" charset="-120"/>
+              </a:rPr>
+              <a:t>腳 腳 腳</a:t>
+            </a:r>
+            <a:r>
+              <a:rPr lang="zh-TW" altLang="en-US" sz="4800" b="1" dirty="0">
+                <a:latin typeface="Microsoft JhengHei" pitchFamily="34" charset="-120"/>
+                <a:ea typeface="Microsoft JhengHei" pitchFamily="34" charset="-120"/>
+              </a:rPr>
               <a:t>要</a:t>
             </a:r>
             <a:r>
-              <a:rPr lang="zh-TW" altLang="en-US" sz="5400" dirty="0" smtClean="0"/>
+              <a:rPr lang="zh-TW" altLang="en-US" sz="4800" b="1" dirty="0" smtClean="0">
+                <a:latin typeface="Microsoft JhengHei" pitchFamily="34" charset="-120"/>
+                <a:ea typeface="Microsoft JhengHei" pitchFamily="34" charset="-120"/>
+              </a:rPr>
               <a:t>發光</a:t>
             </a:r>
-            <a:endParaRPr lang="en-US" altLang="zh-TW" sz="5400" dirty="0" smtClean="0"/>
+            <a:endParaRPr lang="en-US" altLang="zh-TW" sz="4800" b="1" dirty="0" smtClean="0">
+              <a:latin typeface="Microsoft JhengHei" pitchFamily="34" charset="-120"/>
+              <a:ea typeface="Microsoft JhengHei" pitchFamily="34" charset="-120"/>
+            </a:endParaRPr>
           </a:p>
           <a:p>
             <a:pPr algn="ctr">
               <a:buNone/>
             </a:pPr>
             <a:r>
-              <a:rPr lang="zh-TW" altLang="en-US" sz="5400" dirty="0" smtClean="0"/>
-              <a:t>腳 腳 腳</a:t>
-            </a:r>
-            <a:r>
-              <a:rPr lang="zh-TW" altLang="en-US" sz="5400" dirty="0"/>
+              <a:rPr lang="zh-TW" altLang="en-US" sz="4800" b="1" dirty="0" smtClean="0">
+                <a:latin typeface="Microsoft JhengHei" pitchFamily="34" charset="-120"/>
+                <a:ea typeface="Microsoft JhengHei" pitchFamily="34" charset="-120"/>
+              </a:rPr>
+              <a:t>口 口 口</a:t>
+            </a:r>
+            <a:r>
+              <a:rPr lang="zh-TW" altLang="en-US" sz="4800" b="1" dirty="0">
+                <a:latin typeface="Microsoft JhengHei" pitchFamily="34" charset="-120"/>
+                <a:ea typeface="Microsoft JhengHei" pitchFamily="34" charset="-120"/>
+              </a:rPr>
               <a:t>要</a:t>
             </a:r>
             <a:r>
-              <a:rPr lang="zh-TW" altLang="en-US" sz="5400" dirty="0" smtClean="0"/>
-              <a:t>發光</a:t>
-            </a:r>
-            <a:endParaRPr lang="en-US" altLang="zh-TW" sz="5400" dirty="0" smtClean="0"/>
-          </a:p>
-          <a:p>
-            <a:pPr algn="ctr">
-              <a:buNone/>
-            </a:pPr>
-            <a:r>
-              <a:rPr lang="zh-TW" altLang="en-US" sz="5400" dirty="0" smtClean="0"/>
-              <a:t>口 口 口</a:t>
-            </a:r>
-            <a:r>
-              <a:rPr lang="zh-TW" altLang="en-US" sz="5400" dirty="0"/>
-              <a:t>要</a:t>
-            </a:r>
-            <a:r>
-              <a:rPr lang="zh-TW" altLang="en-US" sz="5400" dirty="0" smtClean="0"/>
+              <a:rPr lang="zh-TW" altLang="en-US" sz="4800" b="1" dirty="0" smtClean="0">
+                <a:latin typeface="Microsoft JhengHei" pitchFamily="34" charset="-120"/>
+                <a:ea typeface="Microsoft JhengHei" pitchFamily="34" charset="-120"/>
+              </a:rPr>
               <a:t>發光我</a:t>
             </a:r>
             <a:r>
-              <a:rPr lang="zh-TW" altLang="en-US" sz="5400" dirty="0"/>
+              <a:rPr lang="zh-TW" altLang="en-US" sz="4800" b="1" dirty="0">
+                <a:latin typeface="Microsoft JhengHei" pitchFamily="34" charset="-120"/>
+                <a:ea typeface="Microsoft JhengHei" pitchFamily="34" charset="-120"/>
+              </a:rPr>
               <a:t>全身都發光</a:t>
             </a:r>
           </a:p>
@@ -3513,14 +3275,22 @@
         </p:nvSpPr>
         <p:spPr/>
         <p:txBody>
-          <a:bodyPr/>
-          <a:lstStyle/>
-          <a:p>
-            <a:r>
-              <a:rPr lang="zh-TW" altLang="en-US" dirty="0" smtClean="0"/>
+          <a:bodyPr>
+            <a:normAutofit/>
+          </a:bodyPr>
+          <a:lstStyle/>
+          <a:p>
+            <a:r>
+              <a:rPr lang="zh-TW" altLang="en-US" sz="4000" b="1" dirty="0">
+                <a:latin typeface="Microsoft JhengHei" pitchFamily="34" charset="-120"/>
+                <a:ea typeface="Microsoft JhengHei" pitchFamily="34" charset="-120"/>
+              </a:rPr>
               <a:t>亮晶燈</a:t>
             </a:r>
-            <a:endParaRPr lang="zh-TW" altLang="en-US" dirty="0"/>
+            <a:endParaRPr lang="zh-TW" altLang="en-US" sz="4000" b="1" dirty="0">
+              <a:latin typeface="Microsoft JhengHei" pitchFamily="34" charset="-120"/>
+              <a:ea typeface="Microsoft JhengHei" pitchFamily="34" charset="-120"/>
+            </a:endParaRPr>
           </a:p>
         </p:txBody>
       </p:sp>
@@ -3536,8 +3306,8 @@
         </p:nvSpPr>
         <p:spPr>
           <a:xfrm>
-            <a:off x="0" y="1600200"/>
-            <a:ext cx="9144000" cy="4525963"/>
+            <a:off x="0" y="1200151"/>
+            <a:ext cx="9144000" cy="3394472"/>
           </a:xfrm>
         </p:spPr>
         <p:txBody>
@@ -3550,72 +3320,120 @@
               <a:buNone/>
             </a:pPr>
             <a:r>
-              <a:rPr lang="zh-TW" altLang="en-US" sz="5400" dirty="0"/>
+              <a:rPr lang="zh-TW" altLang="en-US" sz="4800" b="1" dirty="0">
+                <a:latin typeface="Microsoft JhengHei" pitchFamily="34" charset="-120"/>
+                <a:ea typeface="Microsoft JhengHei" pitchFamily="34" charset="-120"/>
+              </a:rPr>
               <a:t>祈求讓主的真理發</a:t>
             </a:r>
             <a:r>
-              <a:rPr lang="zh-TW" altLang="en-US" sz="5400" dirty="0" smtClean="0"/>
+              <a:rPr lang="zh-TW" altLang="en-US" sz="4800" b="1" dirty="0">
+                <a:latin typeface="Microsoft JhengHei" pitchFamily="34" charset="-120"/>
+                <a:ea typeface="Microsoft JhengHei" pitchFamily="34" charset="-120"/>
+              </a:rPr>
               <a:t>光芒</a:t>
             </a:r>
-            <a:endParaRPr lang="en-US" altLang="zh-TW" sz="5400" dirty="0" smtClean="0"/>
+            <a:endParaRPr lang="en-US" altLang="zh-TW" sz="4800" b="1" dirty="0">
+              <a:latin typeface="Microsoft JhengHei" pitchFamily="34" charset="-120"/>
+              <a:ea typeface="Microsoft JhengHei" pitchFamily="34" charset="-120"/>
+            </a:endParaRPr>
           </a:p>
           <a:p>
             <a:pPr algn="ctr">
               <a:buNone/>
             </a:pPr>
             <a:r>
-              <a:rPr lang="zh-TW" altLang="en-US" sz="5400" dirty="0" smtClean="0"/>
+              <a:rPr lang="zh-TW" altLang="en-US" sz="4800" b="1" dirty="0">
+                <a:latin typeface="Microsoft JhengHei" pitchFamily="34" charset="-120"/>
+                <a:ea typeface="Microsoft JhengHei" pitchFamily="34" charset="-120"/>
+              </a:rPr>
               <a:t>在</a:t>
             </a:r>
             <a:r>
-              <a:rPr lang="zh-TW" altLang="en-US" sz="5400" dirty="0"/>
+              <a:rPr lang="zh-TW" altLang="en-US" sz="4800" b="1" dirty="0">
+                <a:latin typeface="Microsoft JhengHei" pitchFamily="34" charset="-120"/>
+                <a:ea typeface="Microsoft JhengHei" pitchFamily="34" charset="-120"/>
+              </a:rPr>
               <a:t>漆黑裡帶出新</a:t>
             </a:r>
             <a:r>
-              <a:rPr lang="zh-TW" altLang="en-US" sz="5400" dirty="0" smtClean="0"/>
+              <a:rPr lang="zh-TW" altLang="en-US" sz="4800" b="1" dirty="0">
+                <a:latin typeface="Microsoft JhengHei" pitchFamily="34" charset="-120"/>
+                <a:ea typeface="Microsoft JhengHei" pitchFamily="34" charset="-120"/>
+              </a:rPr>
               <a:t>希望</a:t>
             </a:r>
-            <a:endParaRPr lang="en-US" altLang="zh-TW" sz="5400" dirty="0"/>
+            <a:endParaRPr lang="en-US" altLang="zh-TW" sz="4800" b="1" dirty="0">
+              <a:latin typeface="Microsoft JhengHei" pitchFamily="34" charset="-120"/>
+              <a:ea typeface="Microsoft JhengHei" pitchFamily="34" charset="-120"/>
+            </a:endParaRPr>
           </a:p>
           <a:p>
             <a:pPr algn="ctr">
               <a:buNone/>
             </a:pPr>
             <a:r>
-              <a:rPr lang="zh-TW" altLang="en-US" sz="5400" dirty="0" smtClean="0"/>
+              <a:rPr lang="zh-TW" altLang="en-US" sz="4800" b="1" dirty="0">
+                <a:latin typeface="Microsoft JhengHei" pitchFamily="34" charset="-120"/>
+                <a:ea typeface="Microsoft JhengHei" pitchFamily="34" charset="-120"/>
+              </a:rPr>
               <a:t>願</a:t>
             </a:r>
             <a:r>
-              <a:rPr lang="zh-TW" altLang="en-US" sz="5400" dirty="0"/>
+              <a:rPr lang="zh-TW" altLang="en-US" sz="4800" b="1" dirty="0">
+                <a:latin typeface="Microsoft JhengHei" pitchFamily="34" charset="-120"/>
+                <a:ea typeface="Microsoft JhengHei" pitchFamily="34" charset="-120"/>
+              </a:rPr>
               <a:t>世界上的</a:t>
             </a:r>
             <a:r>
-              <a:rPr lang="zh-TW" altLang="en-US" sz="5400" dirty="0" smtClean="0"/>
+              <a:rPr lang="zh-TW" altLang="en-US" sz="4800" b="1" dirty="0">
+                <a:latin typeface="Microsoft JhengHei" pitchFamily="34" charset="-120"/>
+                <a:ea typeface="Microsoft JhengHei" pitchFamily="34" charset="-120"/>
+              </a:rPr>
               <a:t>人</a:t>
             </a:r>
-            <a:endParaRPr lang="en-US" altLang="zh-TW" sz="5400" dirty="0" smtClean="0"/>
+            <a:endParaRPr lang="en-US" altLang="zh-TW" sz="4800" b="1" dirty="0">
+              <a:latin typeface="Microsoft JhengHei" pitchFamily="34" charset="-120"/>
+              <a:ea typeface="Microsoft JhengHei" pitchFamily="34" charset="-120"/>
+            </a:endParaRPr>
           </a:p>
           <a:p>
             <a:pPr algn="ctr">
               <a:buNone/>
             </a:pPr>
             <a:r>
-              <a:rPr lang="zh-TW" altLang="en-US" sz="5400" dirty="0" smtClean="0"/>
+              <a:rPr lang="zh-TW" altLang="en-US" sz="4800" b="1" dirty="0">
+                <a:latin typeface="Microsoft JhengHei" pitchFamily="34" charset="-120"/>
+                <a:ea typeface="Microsoft JhengHei" pitchFamily="34" charset="-120"/>
+              </a:rPr>
               <a:t>完全</a:t>
             </a:r>
             <a:r>
-              <a:rPr lang="zh-TW" altLang="en-US" sz="5400" dirty="0"/>
+              <a:rPr lang="zh-TW" altLang="en-US" sz="4800" b="1" dirty="0">
+                <a:latin typeface="Microsoft JhengHei" pitchFamily="34" charset="-120"/>
+                <a:ea typeface="Microsoft JhengHei" pitchFamily="34" charset="-120"/>
+              </a:rPr>
               <a:t>投入這</a:t>
             </a:r>
             <a:r>
-              <a:rPr lang="zh-TW" altLang="en-US" sz="5400" dirty="0" smtClean="0"/>
+              <a:rPr lang="zh-TW" altLang="en-US" sz="4800" b="1" dirty="0">
+                <a:latin typeface="Microsoft JhengHei" pitchFamily="34" charset="-120"/>
+                <a:ea typeface="Microsoft JhengHei" pitchFamily="34" charset="-120"/>
+              </a:rPr>
               <a:t>光</a:t>
             </a:r>
             <a:r>
-              <a:rPr lang="en-US" altLang="zh-TW" sz="5400" dirty="0" smtClean="0"/>
+              <a:rPr lang="en-US" altLang="zh-TW" sz="4800" b="1" dirty="0">
+                <a:latin typeface="Microsoft JhengHei" pitchFamily="34" charset="-120"/>
+                <a:ea typeface="Microsoft JhengHei" pitchFamily="34" charset="-120"/>
+              </a:rPr>
               <a:t>Yeah</a:t>
             </a:r>
-            <a:endParaRPr lang="zh-TW" altLang="en-US" sz="5400" dirty="0"/>
+            <a:endParaRPr lang="zh-TW" altLang="en-US" sz="4800" b="1" dirty="0">
+              <a:latin typeface="Microsoft JhengHei" pitchFamily="34" charset="-120"/>
+              <a:ea typeface="Microsoft JhengHei" pitchFamily="34" charset="-120"/>
+            </a:endParaRPr>
           </a:p>
         </p:txBody>
       </p:sp>
@@ -3628,9 +3446,9 @@
 </file>
 
 <file path=ppt/theme/theme1.xml><?xml version="1.0" encoding="utf-8"?>
-<a:theme xmlns:a="http://schemas.openxmlformats.org/drawingml/2006/main" name="佈景主題1">
+<a:theme xmlns:a="http://schemas.openxmlformats.org/drawingml/2006/main" name="Church Theme">
   <a:themeElements>
-    <a:clrScheme name="Yamato Painting">
+    <a:clrScheme name="Office">
       <a:dk1>
         <a:sysClr val="windowText" lastClr="000000"/>
       </a:dk1>
@@ -3638,28 +3456,28 @@
         <a:sysClr val="window" lastClr="FFFFFF"/>
       </a:lt1>
       <a:dk2>
-        <a:srgbClr val="3F2D32"/>
+        <a:srgbClr val="1F497D"/>
       </a:dk2>
       <a:lt2>
-        <a:srgbClr val="FEDD00"/>
+        <a:srgbClr val="EEECE1"/>
       </a:lt2>
       <a:accent1>
-        <a:srgbClr val="C24400"/>
+        <a:srgbClr val="4F81BD"/>
       </a:accent1>
       <a:accent2>
-        <a:srgbClr val="3F7228"/>
+        <a:srgbClr val="C0504D"/>
       </a:accent2>
       <a:accent3>
-        <a:srgbClr val="516086"/>
+        <a:srgbClr val="9BBB59"/>
       </a:accent3>
       <a:accent4>
-        <a:srgbClr val="956A86"/>
+        <a:srgbClr val="8064A2"/>
       </a:accent4>
       <a:accent5>
-        <a:srgbClr val="E87981"/>
+        <a:srgbClr val="4BACC6"/>
       </a:accent5>
       <a:accent6>
-        <a:srgbClr val="8D8628"/>
+        <a:srgbClr val="F79646"/>
       </a:accent6>
       <a:hlink>
         <a:srgbClr val="0000FF"/>
@@ -3668,18 +3486,52 @@
         <a:srgbClr val="800080"/>
       </a:folHlink>
     </a:clrScheme>
-    <a:fontScheme name="Yamato Painting">
+    <a:fontScheme name="Office">
       <a:majorFont>
         <a:latin typeface="Calibri"/>
         <a:ea typeface=""/>
         <a:cs typeface=""/>
         <a:font script="Jpan" typeface="ＭＳ Ｐゴシック"/>
         <a:font script="Hang" typeface="맑은 고딕"/>
-        <a:font script="Hans" typeface="黑体"/>
-        <a:font script="Hant" typeface="微軟正黑體"/>
-        <a:font script="Arab" typeface="Tahoma"/>
-        <a:font script="Hebr" typeface="Tahoma"/>
-        <a:font script="Thai" typeface="Tahoma"/>
+        <a:font script="Hans" typeface="宋体"/>
+        <a:font script="Hant" typeface="新細明體"/>
+        <a:font script="Arab" typeface="Times New Roman"/>
+        <a:font script="Hebr" typeface="Times New Roman"/>
+        <a:font script="Thai" typeface="Angsana New"/>
+        <a:font script="Ethi" typeface="Nyala"/>
+        <a:font script="Beng" typeface="Vrinda"/>
+        <a:font script="Gujr" typeface="Shruti"/>
+        <a:font script="Khmr" typeface="MoolBoran"/>
+        <a:font script="Knda" typeface="Tunga"/>
+        <a:font script="Guru" typeface="Raavi"/>
+        <a:font script="Cans" typeface="Euphemia"/>
+        <a:font script="Cher" typeface="Plantagenet Cherokee"/>
+        <a:font script="Yiii" typeface="Microsoft Yi Baiti"/>
+        <a:font script="Tibt" typeface="Microsoft Himalaya"/>
+        <a:font script="Thaa" typeface="MV Boli"/>
+        <a:font script="Deva" typeface="Mangal"/>
+        <a:font script="Telu" typeface="Gautami"/>
+        <a:font script="Taml" typeface="Latha"/>
+        <a:font script="Syrc" typeface="Estrangelo Edessa"/>
+        <a:font script="Orya" typeface="Kalinga"/>
+        <a:font script="Mlym" typeface="Kartika"/>
+        <a:font script="Laoo" typeface="DokChampa"/>
+        <a:font script="Sinh" typeface="Iskoola Pota"/>
+        <a:font script="Mong" typeface="Mongolian Baiti"/>
+        <a:font script="Viet" typeface="Times New Roman"/>
+        <a:font script="Uigh" typeface="Microsoft Uighur"/>
+      </a:majorFont>
+      <a:minorFont>
+        <a:latin typeface="Calibri"/>
+        <a:ea typeface=""/>
+        <a:cs typeface=""/>
+        <a:font script="Jpan" typeface="ＭＳ Ｐゴシック"/>
+        <a:font script="Hang" typeface="맑은 고딕"/>
+        <a:font script="Hans" typeface="宋体"/>
+        <a:font script="Hant" typeface="新細明體"/>
+        <a:font script="Arab" typeface="Arial"/>
+        <a:font script="Hebr" typeface="Arial"/>
+        <a:font script="Thai" typeface="Cordia New"/>
         <a:font script="Ethi" typeface="Nyala"/>
         <a:font script="Beng" typeface="Vrinda"/>
         <a:font script="Gujr" typeface="Shruti"/>
@@ -3700,101 +3552,81 @@
         <a:font script="Laoo" typeface="DokChampa"/>
         <a:font script="Sinh" typeface="Iskoola Pota"/>
         <a:font script="Mong" typeface="Mongolian Baiti"/>
-        <a:font script="Viet" typeface="Tahoma"/>
-        <a:font script="Uigh" typeface="Microsoft Uighur"/>
-      </a:majorFont>
-      <a:minorFont>
-        <a:latin typeface="Calibri"/>
-        <a:ea typeface=""/>
-        <a:cs typeface=""/>
-        <a:font script="Jpan" typeface="ＭＳ Ｐゴシック"/>
-        <a:font script="Hang" typeface="맑은 고딕"/>
-        <a:font script="Hans" typeface="宋体"/>
-        <a:font script="Hant" typeface="微軟正黑體"/>
-        <a:font script="Arab" typeface="Tahoma"/>
-        <a:font script="Hebr" typeface="Tahoma"/>
-        <a:font script="Thai" typeface="Tahoma"/>
-        <a:font script="Ethi" typeface="Nyala"/>
-        <a:font script="Beng" typeface="Vrinda"/>
-        <a:font script="Gujr" typeface="Shruti"/>
-        <a:font script="Khmr" typeface="DaunPenh"/>
-        <a:font script="Knda" typeface="Tunga"/>
-        <a:font script="Guru" typeface="Raavi"/>
-        <a:font script="Cans" typeface="Euphemia"/>
-        <a:font script="Cher" typeface="Plantagenet Cherokee"/>
-        <a:font script="Yiii" typeface="Microsoft Yi Baiti"/>
-        <a:font script="Tibt" typeface="Microsoft Himalaya"/>
-        <a:font script="Thaa" typeface="MV Boli"/>
-        <a:font script="Deva" typeface="Mangal"/>
-        <a:font script="Telu" typeface="Gautami"/>
-        <a:font script="Taml" typeface="Latha"/>
-        <a:font script="Syrc" typeface="Estrangelo Edessa"/>
-        <a:font script="Orya" typeface="Kalinga"/>
-        <a:font script="Mlym" typeface="Kartika"/>
-        <a:font script="Laoo" typeface="DokChampa"/>
-        <a:font script="Sinh" typeface="Iskoola Pota"/>
-        <a:font script="Mong" typeface="Mongolian Baiti"/>
-        <a:font script="Viet" typeface="Tahoma"/>
+        <a:font script="Viet" typeface="Arial"/>
         <a:font script="Uigh" typeface="Microsoft Uighur"/>
       </a:minorFont>
     </a:fontScheme>
-    <a:fmtScheme name="Yamato Painting">
+    <a:fmtScheme name="Office">
       <a:fillStyleLst>
         <a:solidFill>
-          <a:schemeClr val="phClr">
-            <a:tint val="100000"/>
-          </a:schemeClr>
+          <a:schemeClr val="phClr"/>
         </a:solidFill>
-        <a:gradFill>
+        <a:gradFill rotWithShape="1">
           <a:gsLst>
             <a:gs pos="0">
               <a:schemeClr val="phClr">
-                <a:tint val="100000"/>
+                <a:tint val="50000"/>
+                <a:satMod val="300000"/>
+              </a:schemeClr>
+            </a:gs>
+            <a:gs pos="35000">
+              <a:schemeClr val="phClr">
+                <a:tint val="37000"/>
+                <a:satMod val="300000"/>
               </a:schemeClr>
             </a:gs>
             <a:gs pos="100000">
               <a:schemeClr val="phClr">
-                <a:tint val="100000"/>
-                <a:shade val="20000"/>
+                <a:tint val="15000"/>
+                <a:satMod val="350000"/>
               </a:schemeClr>
             </a:gs>
           </a:gsLst>
-          <a:lin ang="5400000" scaled="1"/>
+          <a:lin ang="16200000" scaled="1"/>
         </a:gradFill>
-        <a:blipFill>
-          <a:blip xmlns:r="http://schemas.openxmlformats.org/officeDocument/2006/relationships" r:embed="rId1">
-            <a:duotone>
-              <a:srgbClr val="000000"/>
+        <a:gradFill rotWithShape="1">
+          <a:gsLst>
+            <a:gs pos="0">
               <a:schemeClr val="phClr">
-                <a:tint val="100000"/>
+                <a:shade val="51000"/>
+                <a:satMod val="130000"/>
               </a:schemeClr>
-            </a:duotone>
-          </a:blip>
-          <a:tile tx="0" ty="0" sx="35000" sy="35000" flip="none" algn="tl"/>
-        </a:blipFill>
+            </a:gs>
+            <a:gs pos="80000">
+              <a:schemeClr val="phClr">
+                <a:shade val="93000"/>
+                <a:satMod val="130000"/>
+              </a:schemeClr>
+            </a:gs>
+            <a:gs pos="100000">
+              <a:schemeClr val="phClr">
+                <a:shade val="94000"/>
+                <a:satMod val="135000"/>
+              </a:schemeClr>
+            </a:gs>
+          </a:gsLst>
+          <a:lin ang="16200000" scaled="0"/>
+        </a:gradFill>
       </a:fillStyleLst>
       <a:lnStyleLst>
         <a:ln w="9525" cap="flat" cmpd="sng" algn="ctr">
           <a:solidFill>
             <a:schemeClr val="phClr">
-              <a:alpha val="60000"/>
+              <a:shade val="95000"/>
+              <a:satMod val="105000"/>
             </a:schemeClr>
           </a:solidFill>
           <a:prstDash val="solid"/>
         </a:ln>
-        <a:ln w="19525" cap="flat" cmpd="sng" algn="ctr">
+        <a:ln w="25400" cap="flat" cmpd="sng" algn="ctr">
           <a:solidFill>
-            <a:schemeClr val="phClr">
-              <a:alpha val="90000"/>
-            </a:schemeClr>
+            <a:schemeClr val="phClr"/>
           </a:solidFill>
           <a:prstDash val="solid"/>
         </a:ln>
         <a:ln w="38100" cap="flat" cmpd="sng" algn="ctr">
           <a:solidFill>
-            <a:schemeClr val="phClr">
-              <a:alpha val="100000"/>
-            </a:schemeClr>
+            <a:schemeClr val="phClr"/>
           </a:solidFill>
           <a:prstDash val="solid"/>
         </a:ln>
@@ -3802,98 +3634,92 @@
       <a:effectStyleLst>
         <a:effectStyle>
           <a:effectLst>
-            <a:outerShdw blurRad="50800" algn="tl" rotWithShape="0">
+            <a:outerShdw blurRad="40000" dist="20000" dir="5400000" rotWithShape="0">
               <a:srgbClr val="000000">
-                <a:alpha val="64000"/>
+                <a:alpha val="38000"/>
               </a:srgbClr>
             </a:outerShdw>
           </a:effectLst>
         </a:effectStyle>
         <a:effectStyle>
           <a:effectLst>
-            <a:outerShdw blurRad="50800" algn="tl" rotWithShape="0">
+            <a:outerShdw blurRad="40000" dist="23000" dir="5400000" rotWithShape="0">
               <a:srgbClr val="000000">
-                <a:alpha val="64000"/>
+                <a:alpha val="35000"/>
+              </a:srgbClr>
+            </a:outerShdw>
+          </a:effectLst>
+        </a:effectStyle>
+        <a:effectStyle>
+          <a:effectLst>
+            <a:outerShdw blurRad="40000" dist="23000" dir="5400000" rotWithShape="0">
+              <a:srgbClr val="000000">
+                <a:alpha val="35000"/>
               </a:srgbClr>
             </a:outerShdw>
           </a:effectLst>
           <a:scene3d>
-            <a:camera prst="orthographicFront"/>
-            <a:lightRig rig="soft" dir="tl">
+            <a:camera prst="orthographicFront">
               <a:rot lat="0" lon="0" rev="0"/>
+            </a:camera>
+            <a:lightRig rig="threePt" dir="t">
+              <a:rot lat="0" lon="0" rev="1200000"/>
             </a:lightRig>
           </a:scene3d>
           <a:sp3d>
-            <a:bevelT prst="angle"/>
-            <a:bevelB w="304800" h="44450"/>
-            <a:contourClr>
-              <a:schemeClr val="phClr">
-                <a:shade val="60000"/>
-                <a:satMod val="110000"/>
-              </a:schemeClr>
-            </a:contourClr>
-          </a:sp3d>
-        </a:effectStyle>
-        <a:effectStyle>
-          <a:effectLst>
-            <a:glow rad="51600">
-              <a:schemeClr val="phClr">
-                <a:alpha val="60000"/>
-              </a:schemeClr>
-            </a:glow>
-          </a:effectLst>
-          <a:scene3d>
-            <a:camera prst="orthographicFront"/>
-            <a:lightRig rig="threePt" dir="t"/>
-          </a:scene3d>
-          <a:sp3d>
-            <a:bevelT w="165100" prst="coolSlant"/>
-            <a:contourClr>
-              <a:schemeClr val="phClr">
-                <a:shade val="60000"/>
-                <a:satMod val="110000"/>
-              </a:schemeClr>
-            </a:contourClr>
+            <a:bevelT w="63500" h="25400"/>
           </a:sp3d>
         </a:effectStyle>
       </a:effectStyleLst>
       <a:bgFillStyleLst>
         <a:solidFill>
-          <a:schemeClr val="phClr">
-            <a:shade val="90000"/>
-          </a:schemeClr>
+          <a:schemeClr val="phClr"/>
         </a:solidFill>
-        <a:blipFill>
-          <a:blip xmlns:r="http://schemas.openxmlformats.org/officeDocument/2006/relationships" r:embed="rId2">
-            <a:duotone>
+        <a:gradFill rotWithShape="1">
+          <a:gsLst>
+            <a:gs pos="0">
               <a:schemeClr val="phClr">
-                <a:tint val="100000"/>
-                <a:shade val="5000"/>
+                <a:tint val="40000"/>
+                <a:satMod val="350000"/>
               </a:schemeClr>
+            </a:gs>
+            <a:gs pos="40000">
               <a:schemeClr val="phClr">
-                <a:shade val="100000"/>
+                <a:tint val="45000"/>
+                <a:shade val="99000"/>
+                <a:satMod val="350000"/>
               </a:schemeClr>
-            </a:duotone>
-          </a:blip>
-          <a:tile tx="0" ty="0" sx="120000" sy="120000" flip="xy" algn="t"/>
-        </a:blipFill>
-        <a:blipFill rotWithShape="0">
-          <a:blip xmlns:r="http://schemas.openxmlformats.org/officeDocument/2006/relationships" r:embed="rId3">
-            <a:duotone>
+            </a:gs>
+            <a:gs pos="100000">
               <a:schemeClr val="phClr">
-                <a:tint val="100000"/>
-                <a:shade val="5000"/>
+                <a:shade val="20000"/>
+                <a:satMod val="255000"/>
               </a:schemeClr>
+            </a:gs>
+          </a:gsLst>
+          <a:path path="circle">
+            <a:fillToRect l="50000" t="-80000" r="50000" b="180000"/>
+          </a:path>
+        </a:gradFill>
+        <a:gradFill rotWithShape="1">
+          <a:gsLst>
+            <a:gs pos="0">
               <a:schemeClr val="phClr">
-                <a:shade val="100000"/>
+                <a:tint val="80000"/>
+                <a:satMod val="300000"/>
               </a:schemeClr>
-            </a:duotone>
-          </a:blip>
-          <a:srcRect/>
-          <a:stretch>
-            <a:fillRect/>
-          </a:stretch>
-        </a:blipFill>
+            </a:gs>
+            <a:gs pos="100000">
+              <a:schemeClr val="phClr">
+                <a:shade val="30000"/>
+                <a:satMod val="200000"/>
+              </a:schemeClr>
+            </a:gs>
+          </a:gsLst>
+          <a:path path="circle">
+            <a:fillToRect l="50000" t="50000" r="50000" b="50000"/>
+          </a:path>
+        </a:gradFill>
       </a:bgFillStyleLst>
     </a:fmtScheme>
   </a:themeElements>

--- a/亮晶燈.pptx
+++ b/亮晶燈.pptx
@@ -105,6 +105,22 @@
       </a:defRPr>
     </a:lvl9pPr>
   </p:defaultTextStyle>
+  <p:extLst>
+    <p:ext uri="{EFAFB233-063F-42B5-8137-9DF3F51BA10A}">
+      <p15:sldGuideLst xmlns:p15="http://schemas.microsoft.com/office/powerpoint/2012/main">
+        <p15:guide id="1" orient="horz" pos="1620">
+          <p15:clr>
+            <a:srgbClr val="A4A3A4"/>
+          </p15:clr>
+        </p15:guide>
+        <p15:guide id="2" pos="2880">
+          <p15:clr>
+            <a:srgbClr val="A4A3A4"/>
+          </p15:clr>
+        </p15:guide>
+      </p15:sldGuideLst>
+    </p:ext>
+  </p:extLst>
 </p:presentation>
 </file>
 
@@ -289,7 +305,7 @@
           <a:p>
             <a:fld id="{982F74A0-5549-4DEA-895A-B6477C30BB93}" type="datetimeFigureOut">
               <a:rPr lang="zh-TW" altLang="en-US" smtClean="0"/>
-              <a:t>2019/9/7</a:t>
+              <a:t>2020/1/3</a:t>
             </a:fld>
             <a:endParaRPr lang="zh-TW" altLang="en-US"/>
           </a:p>
@@ -454,7 +470,7 @@
           <a:p>
             <a:fld id="{982F74A0-5549-4DEA-895A-B6477C30BB93}" type="datetimeFigureOut">
               <a:rPr lang="zh-TW" altLang="en-US" smtClean="0"/>
-              <a:t>2019/9/7</a:t>
+              <a:t>2020/1/3</a:t>
             </a:fld>
             <a:endParaRPr lang="zh-TW" altLang="en-US"/>
           </a:p>
@@ -629,7 +645,7 @@
           <a:p>
             <a:fld id="{982F74A0-5549-4DEA-895A-B6477C30BB93}" type="datetimeFigureOut">
               <a:rPr lang="zh-TW" altLang="en-US" smtClean="0"/>
-              <a:t>2019/9/7</a:t>
+              <a:t>2020/1/3</a:t>
             </a:fld>
             <a:endParaRPr lang="zh-TW" altLang="en-US"/>
           </a:p>
@@ -794,7 +810,7 @@
           <a:p>
             <a:fld id="{982F74A0-5549-4DEA-895A-B6477C30BB93}" type="datetimeFigureOut">
               <a:rPr lang="zh-TW" altLang="en-US" smtClean="0"/>
-              <a:t>2019/9/7</a:t>
+              <a:t>2020/1/3</a:t>
             </a:fld>
             <a:endParaRPr lang="zh-TW" altLang="en-US"/>
           </a:p>
@@ -1035,7 +1051,7 @@
           <a:p>
             <a:fld id="{982F74A0-5549-4DEA-895A-B6477C30BB93}" type="datetimeFigureOut">
               <a:rPr lang="zh-TW" altLang="en-US" smtClean="0"/>
-              <a:t>2019/9/7</a:t>
+              <a:t>2020/1/3</a:t>
             </a:fld>
             <a:endParaRPr lang="zh-TW" altLang="en-US"/>
           </a:p>
@@ -1318,7 +1334,7 @@
           <a:p>
             <a:fld id="{982F74A0-5549-4DEA-895A-B6477C30BB93}" type="datetimeFigureOut">
               <a:rPr lang="zh-TW" altLang="en-US" smtClean="0"/>
-              <a:t>2019/9/7</a:t>
+              <a:t>2020/1/3</a:t>
             </a:fld>
             <a:endParaRPr lang="zh-TW" altLang="en-US"/>
           </a:p>
@@ -1735,7 +1751,7 @@
           <a:p>
             <a:fld id="{982F74A0-5549-4DEA-895A-B6477C30BB93}" type="datetimeFigureOut">
               <a:rPr lang="zh-TW" altLang="en-US" smtClean="0"/>
-              <a:t>2019/9/7</a:t>
+              <a:t>2020/1/3</a:t>
             </a:fld>
             <a:endParaRPr lang="zh-TW" altLang="en-US"/>
           </a:p>
@@ -1848,7 +1864,7 @@
           <a:p>
             <a:fld id="{982F74A0-5549-4DEA-895A-B6477C30BB93}" type="datetimeFigureOut">
               <a:rPr lang="zh-TW" altLang="en-US" smtClean="0"/>
-              <a:t>2019/9/7</a:t>
+              <a:t>2020/1/3</a:t>
             </a:fld>
             <a:endParaRPr lang="zh-TW" altLang="en-US"/>
           </a:p>
@@ -1938,7 +1954,7 @@
           <a:p>
             <a:fld id="{982F74A0-5549-4DEA-895A-B6477C30BB93}" type="datetimeFigureOut">
               <a:rPr lang="zh-TW" altLang="en-US" smtClean="0"/>
-              <a:t>2019/9/7</a:t>
+              <a:t>2020/1/3</a:t>
             </a:fld>
             <a:endParaRPr lang="zh-TW" altLang="en-US"/>
           </a:p>
@@ -2210,7 +2226,7 @@
           <a:p>
             <a:fld id="{982F74A0-5549-4DEA-895A-B6477C30BB93}" type="datetimeFigureOut">
               <a:rPr lang="zh-TW" altLang="en-US" smtClean="0"/>
-              <a:t>2019/9/7</a:t>
+              <a:t>2020/1/3</a:t>
             </a:fld>
             <a:endParaRPr lang="zh-TW" altLang="en-US"/>
           </a:p>
@@ -2462,7 +2478,7 @@
           <a:p>
             <a:fld id="{982F74A0-5549-4DEA-895A-B6477C30BB93}" type="datetimeFigureOut">
               <a:rPr lang="zh-TW" altLang="en-US" smtClean="0"/>
-              <a:t>2019/9/7</a:t>
+              <a:t>2020/1/3</a:t>
             </a:fld>
             <a:endParaRPr lang="zh-TW" altLang="en-US"/>
           </a:p>
@@ -2675,7 +2691,7 @@
           <a:p>
             <a:fld id="{982F74A0-5549-4DEA-895A-B6477C30BB93}" type="datetimeFigureOut">
               <a:rPr lang="zh-TW" altLang="en-US" smtClean="0"/>
-              <a:t>2019/9/7</a:t>
+              <a:t>2020/1/3</a:t>
             </a:fld>
             <a:endParaRPr lang="zh-TW" altLang="en-US"/>
           </a:p>
@@ -3063,13 +3079,13 @@
           <a:lstStyle/>
           <a:p>
             <a:r>
-              <a:rPr lang="zh-TW" altLang="en-US" sz="4000" b="1" dirty="0" smtClean="0">
+              <a:rPr lang="zh-TW" altLang="en-US" b="1" dirty="0" smtClean="0">
                 <a:latin typeface="Microsoft JhengHei" pitchFamily="34" charset="-120"/>
                 <a:ea typeface="Microsoft JhengHei" pitchFamily="34" charset="-120"/>
               </a:rPr>
               <a:t>亮晶燈</a:t>
             </a:r>
-            <a:endParaRPr lang="zh-TW" altLang="en-US" sz="4000" b="1" dirty="0">
+            <a:endParaRPr lang="zh-TW" altLang="en-US" b="1" dirty="0">
               <a:latin typeface="Microsoft JhengHei" pitchFamily="34" charset="-120"/>
               <a:ea typeface="Microsoft JhengHei" pitchFamily="34" charset="-120"/>
             </a:endParaRPr>
@@ -3145,14 +3161,7 @@
                 <a:latin typeface="Microsoft JhengHei" pitchFamily="34" charset="-120"/>
                 <a:ea typeface="Microsoft JhengHei" pitchFamily="34" charset="-120"/>
               </a:rPr>
-              <a:t>我</a:t>
-            </a:r>
-            <a:r>
-              <a:rPr lang="zh-TW" altLang="en-US" sz="4800" b="1" dirty="0" smtClean="0">
-                <a:latin typeface="Microsoft JhengHei" pitchFamily="34" charset="-120"/>
-                <a:ea typeface="Microsoft JhengHei" pitchFamily="34" charset="-120"/>
-              </a:rPr>
-              <a:t>對手 手 手</a:t>
+              <a:t>我對手 手 手</a:t>
             </a:r>
             <a:r>
               <a:rPr lang="zh-TW" altLang="en-US" sz="4800" b="1" dirty="0">
@@ -3281,16 +3290,12 @@
           <a:lstStyle/>
           <a:p>
             <a:r>
-              <a:rPr lang="zh-TW" altLang="en-US" sz="4000" b="1" dirty="0">
+              <a:rPr lang="zh-TW" altLang="en-US" b="1" dirty="0">
                 <a:latin typeface="Microsoft JhengHei" pitchFamily="34" charset="-120"/>
                 <a:ea typeface="Microsoft JhengHei" pitchFamily="34" charset="-120"/>
               </a:rPr>
               <a:t>亮晶燈</a:t>
             </a:r>
-            <a:endParaRPr lang="zh-TW" altLang="en-US" sz="4000" b="1" dirty="0">
-              <a:latin typeface="Microsoft JhengHei" pitchFamily="34" charset="-120"/>
-              <a:ea typeface="Microsoft JhengHei" pitchFamily="34" charset="-120"/>
-            </a:endParaRPr>
           </a:p>
         </p:txBody>
       </p:sp>
@@ -3324,14 +3329,23 @@
                 <a:latin typeface="Microsoft JhengHei" pitchFamily="34" charset="-120"/>
                 <a:ea typeface="Microsoft JhengHei" pitchFamily="34" charset="-120"/>
               </a:rPr>
-              <a:t>祈求讓主的真理發</a:t>
-            </a:r>
+              <a:t>祈求讓主的真理發光芒</a:t>
+            </a:r>
+            <a:endParaRPr lang="en-US" altLang="zh-TW" sz="4800" b="1" dirty="0">
+              <a:latin typeface="Microsoft JhengHei" pitchFamily="34" charset="-120"/>
+              <a:ea typeface="Microsoft JhengHei" pitchFamily="34" charset="-120"/>
+            </a:endParaRPr>
+          </a:p>
+          <a:p>
+            <a:pPr algn="ctr">
+              <a:buNone/>
+            </a:pPr>
             <a:r>
               <a:rPr lang="zh-TW" altLang="en-US" sz="4800" b="1" dirty="0">
                 <a:latin typeface="Microsoft JhengHei" pitchFamily="34" charset="-120"/>
                 <a:ea typeface="Microsoft JhengHei" pitchFamily="34" charset="-120"/>
               </a:rPr>
-              <a:t>光芒</a:t>
+              <a:t>在漆黑裡帶出新希望</a:t>
             </a:r>
             <a:endParaRPr lang="en-US" altLang="zh-TW" sz="4800" b="1" dirty="0">
               <a:latin typeface="Microsoft JhengHei" pitchFamily="34" charset="-120"/>
@@ -3347,81 +3361,23 @@
                 <a:latin typeface="Microsoft JhengHei" pitchFamily="34" charset="-120"/>
                 <a:ea typeface="Microsoft JhengHei" pitchFamily="34" charset="-120"/>
               </a:rPr>
-              <a:t>在</a:t>
-            </a:r>
+              <a:t>願世界上的人</a:t>
+            </a:r>
+            <a:endParaRPr lang="en-US" altLang="zh-TW" sz="4800" b="1" dirty="0">
+              <a:latin typeface="Microsoft JhengHei" pitchFamily="34" charset="-120"/>
+              <a:ea typeface="Microsoft JhengHei" pitchFamily="34" charset="-120"/>
+            </a:endParaRPr>
+          </a:p>
+          <a:p>
+            <a:pPr algn="ctr">
+              <a:buNone/>
+            </a:pPr>
             <a:r>
               <a:rPr lang="zh-TW" altLang="en-US" sz="4800" b="1" dirty="0">
                 <a:latin typeface="Microsoft JhengHei" pitchFamily="34" charset="-120"/>
                 <a:ea typeface="Microsoft JhengHei" pitchFamily="34" charset="-120"/>
               </a:rPr>
-              <a:t>漆黑裡帶出新</a:t>
-            </a:r>
-            <a:r>
-              <a:rPr lang="zh-TW" altLang="en-US" sz="4800" b="1" dirty="0">
-                <a:latin typeface="Microsoft JhengHei" pitchFamily="34" charset="-120"/>
-                <a:ea typeface="Microsoft JhengHei" pitchFamily="34" charset="-120"/>
-              </a:rPr>
-              <a:t>希望</a:t>
-            </a:r>
-            <a:endParaRPr lang="en-US" altLang="zh-TW" sz="4800" b="1" dirty="0">
-              <a:latin typeface="Microsoft JhengHei" pitchFamily="34" charset="-120"/>
-              <a:ea typeface="Microsoft JhengHei" pitchFamily="34" charset="-120"/>
-            </a:endParaRPr>
-          </a:p>
-          <a:p>
-            <a:pPr algn="ctr">
-              <a:buNone/>
-            </a:pPr>
-            <a:r>
-              <a:rPr lang="zh-TW" altLang="en-US" sz="4800" b="1" dirty="0">
-                <a:latin typeface="Microsoft JhengHei" pitchFamily="34" charset="-120"/>
-                <a:ea typeface="Microsoft JhengHei" pitchFamily="34" charset="-120"/>
-              </a:rPr>
-              <a:t>願</a:t>
-            </a:r>
-            <a:r>
-              <a:rPr lang="zh-TW" altLang="en-US" sz="4800" b="1" dirty="0">
-                <a:latin typeface="Microsoft JhengHei" pitchFamily="34" charset="-120"/>
-                <a:ea typeface="Microsoft JhengHei" pitchFamily="34" charset="-120"/>
-              </a:rPr>
-              <a:t>世界上的</a:t>
-            </a:r>
-            <a:r>
-              <a:rPr lang="zh-TW" altLang="en-US" sz="4800" b="1" dirty="0">
-                <a:latin typeface="Microsoft JhengHei" pitchFamily="34" charset="-120"/>
-                <a:ea typeface="Microsoft JhengHei" pitchFamily="34" charset="-120"/>
-              </a:rPr>
-              <a:t>人</a:t>
-            </a:r>
-            <a:endParaRPr lang="en-US" altLang="zh-TW" sz="4800" b="1" dirty="0">
-              <a:latin typeface="Microsoft JhengHei" pitchFamily="34" charset="-120"/>
-              <a:ea typeface="Microsoft JhengHei" pitchFamily="34" charset="-120"/>
-            </a:endParaRPr>
-          </a:p>
-          <a:p>
-            <a:pPr algn="ctr">
-              <a:buNone/>
-            </a:pPr>
-            <a:r>
-              <a:rPr lang="zh-TW" altLang="en-US" sz="4800" b="1" dirty="0">
-                <a:latin typeface="Microsoft JhengHei" pitchFamily="34" charset="-120"/>
-                <a:ea typeface="Microsoft JhengHei" pitchFamily="34" charset="-120"/>
-              </a:rPr>
-              <a:t>完全</a:t>
-            </a:r>
-            <a:r>
-              <a:rPr lang="zh-TW" altLang="en-US" sz="4800" b="1" dirty="0">
-                <a:latin typeface="Microsoft JhengHei" pitchFamily="34" charset="-120"/>
-                <a:ea typeface="Microsoft JhengHei" pitchFamily="34" charset="-120"/>
-              </a:rPr>
-              <a:t>投入這</a:t>
-            </a:r>
-            <a:r>
-              <a:rPr lang="zh-TW" altLang="en-US" sz="4800" b="1" dirty="0">
-                <a:latin typeface="Microsoft JhengHei" pitchFamily="34" charset="-120"/>
-                <a:ea typeface="Microsoft JhengHei" pitchFamily="34" charset="-120"/>
-              </a:rPr>
-              <a:t>光</a:t>
+              <a:t>完全投入這光</a:t>
             </a:r>
             <a:r>
               <a:rPr lang="en-US" altLang="zh-TW" sz="4800" b="1" dirty="0">

--- a/亮晶燈.pptx
+++ b/亮晶燈.pptx
@@ -5,8 +5,12 @@
     <p:sldMasterId id="2147483684" r:id="rId1"/>
   </p:sldMasterIdLst>
   <p:sldIdLst>
-    <p:sldId id="256" r:id="rId2"/>
-    <p:sldId id="257" r:id="rId3"/>
+    <p:sldId id="353" r:id="rId2"/>
+    <p:sldId id="390" r:id="rId3"/>
+    <p:sldId id="477" r:id="rId4"/>
+    <p:sldId id="478" r:id="rId5"/>
+    <p:sldId id="479" r:id="rId6"/>
+    <p:sldId id="480" r:id="rId7"/>
   </p:sldIdLst>
   <p:sldSz cx="9144000" cy="5143500" type="screen16x9"/>
   <p:notesSz cx="6858000" cy="9144000"/>
@@ -162,7 +166,7 @@
           <a:lstStyle/>
           <a:p>
             <a:r>
-              <a:rPr lang="en-US" altLang="zh-TW" smtClean="0"/>
+              <a:rPr lang="en-US" altLang="zh-TW"/>
               <a:t>Click to edit Master title style</a:t>
             </a:r>
             <a:endParaRPr lang="zh-TW" altLang="en-US"/>
@@ -281,7 +285,7 @@
           </a:lstStyle>
           <a:p>
             <a:r>
-              <a:rPr lang="en-US" altLang="zh-TW" smtClean="0"/>
+              <a:rPr lang="en-US" altLang="zh-TW"/>
               <a:t>Click to edit Master subtitle style</a:t>
             </a:r>
             <a:endParaRPr lang="zh-TW" altLang="en-US"/>
@@ -305,7 +309,7 @@
           <a:p>
             <a:fld id="{982F74A0-5549-4DEA-895A-B6477C30BB93}" type="datetimeFigureOut">
               <a:rPr lang="zh-TW" altLang="en-US" smtClean="0"/>
-              <a:t>2020/1/3</a:t>
+              <a:t>2024/1/13</a:t>
             </a:fld>
             <a:endParaRPr lang="zh-TW" altLang="en-US"/>
           </a:p>
@@ -394,7 +398,7 @@
           <a:lstStyle/>
           <a:p>
             <a:r>
-              <a:rPr lang="en-US" altLang="zh-TW" smtClean="0"/>
+              <a:rPr lang="en-US" altLang="zh-TW"/>
               <a:t>Click to edit Master title style</a:t>
             </a:r>
             <a:endParaRPr lang="zh-TW" altLang="en-US"/>
@@ -418,35 +422,35 @@
           <a:p>
             <a:pPr lvl="0"/>
             <a:r>
-              <a:rPr lang="en-US" altLang="zh-TW" smtClean="0"/>
+              <a:rPr lang="en-US" altLang="zh-TW"/>
               <a:t>Click to edit Master text styles</a:t>
             </a:r>
           </a:p>
           <a:p>
             <a:pPr lvl="1"/>
             <a:r>
-              <a:rPr lang="en-US" altLang="zh-TW" smtClean="0"/>
+              <a:rPr lang="en-US" altLang="zh-TW"/>
               <a:t>Second level</a:t>
             </a:r>
           </a:p>
           <a:p>
             <a:pPr lvl="2"/>
             <a:r>
-              <a:rPr lang="en-US" altLang="zh-TW" smtClean="0"/>
+              <a:rPr lang="en-US" altLang="zh-TW"/>
               <a:t>Third level</a:t>
             </a:r>
           </a:p>
           <a:p>
             <a:pPr lvl="3"/>
             <a:r>
-              <a:rPr lang="en-US" altLang="zh-TW" smtClean="0"/>
+              <a:rPr lang="en-US" altLang="zh-TW"/>
               <a:t>Fourth level</a:t>
             </a:r>
           </a:p>
           <a:p>
             <a:pPr lvl="4"/>
             <a:r>
-              <a:rPr lang="en-US" altLang="zh-TW" smtClean="0"/>
+              <a:rPr lang="en-US" altLang="zh-TW"/>
               <a:t>Fifth level</a:t>
             </a:r>
             <a:endParaRPr lang="zh-TW" altLang="en-US"/>
@@ -470,7 +474,7 @@
           <a:p>
             <a:fld id="{982F74A0-5549-4DEA-895A-B6477C30BB93}" type="datetimeFigureOut">
               <a:rPr lang="zh-TW" altLang="en-US" smtClean="0"/>
-              <a:t>2020/1/3</a:t>
+              <a:t>2024/1/13</a:t>
             </a:fld>
             <a:endParaRPr lang="zh-TW" altLang="en-US"/>
           </a:p>
@@ -564,7 +568,7 @@
           <a:lstStyle/>
           <a:p>
             <a:r>
-              <a:rPr lang="en-US" altLang="zh-TW" smtClean="0"/>
+              <a:rPr lang="en-US" altLang="zh-TW"/>
               <a:t>Click to edit Master title style</a:t>
             </a:r>
             <a:endParaRPr lang="zh-TW" altLang="en-US"/>
@@ -593,35 +597,35 @@
           <a:p>
             <a:pPr lvl="0"/>
             <a:r>
-              <a:rPr lang="en-US" altLang="zh-TW" smtClean="0"/>
+              <a:rPr lang="en-US" altLang="zh-TW"/>
               <a:t>Click to edit Master text styles</a:t>
             </a:r>
           </a:p>
           <a:p>
             <a:pPr lvl="1"/>
             <a:r>
-              <a:rPr lang="en-US" altLang="zh-TW" smtClean="0"/>
+              <a:rPr lang="en-US" altLang="zh-TW"/>
               <a:t>Second level</a:t>
             </a:r>
           </a:p>
           <a:p>
             <a:pPr lvl="2"/>
             <a:r>
-              <a:rPr lang="en-US" altLang="zh-TW" smtClean="0"/>
+              <a:rPr lang="en-US" altLang="zh-TW"/>
               <a:t>Third level</a:t>
             </a:r>
           </a:p>
           <a:p>
             <a:pPr lvl="3"/>
             <a:r>
-              <a:rPr lang="en-US" altLang="zh-TW" smtClean="0"/>
+              <a:rPr lang="en-US" altLang="zh-TW"/>
               <a:t>Fourth level</a:t>
             </a:r>
           </a:p>
           <a:p>
             <a:pPr lvl="4"/>
             <a:r>
-              <a:rPr lang="en-US" altLang="zh-TW" smtClean="0"/>
+              <a:rPr lang="en-US" altLang="zh-TW"/>
               <a:t>Fifth level</a:t>
             </a:r>
             <a:endParaRPr lang="zh-TW" altLang="en-US"/>
@@ -645,7 +649,7 @@
           <a:p>
             <a:fld id="{982F74A0-5549-4DEA-895A-B6477C30BB93}" type="datetimeFigureOut">
               <a:rPr lang="zh-TW" altLang="en-US" smtClean="0"/>
-              <a:t>2020/1/3</a:t>
+              <a:t>2024/1/13</a:t>
             </a:fld>
             <a:endParaRPr lang="zh-TW" altLang="en-US"/>
           </a:p>
@@ -734,7 +738,7 @@
           <a:lstStyle/>
           <a:p>
             <a:r>
-              <a:rPr lang="en-US" altLang="zh-TW" smtClean="0"/>
+              <a:rPr lang="en-US" altLang="zh-TW"/>
               <a:t>Click to edit Master title style</a:t>
             </a:r>
             <a:endParaRPr lang="zh-TW" altLang="en-US"/>
@@ -758,35 +762,35 @@
           <a:p>
             <a:pPr lvl="0"/>
             <a:r>
-              <a:rPr lang="en-US" altLang="zh-TW" smtClean="0"/>
+              <a:rPr lang="en-US" altLang="zh-TW"/>
               <a:t>Click to edit Master text styles</a:t>
             </a:r>
           </a:p>
           <a:p>
             <a:pPr lvl="1"/>
             <a:r>
-              <a:rPr lang="en-US" altLang="zh-TW" smtClean="0"/>
+              <a:rPr lang="en-US" altLang="zh-TW"/>
               <a:t>Second level</a:t>
             </a:r>
           </a:p>
           <a:p>
             <a:pPr lvl="2"/>
             <a:r>
-              <a:rPr lang="en-US" altLang="zh-TW" smtClean="0"/>
+              <a:rPr lang="en-US" altLang="zh-TW"/>
               <a:t>Third level</a:t>
             </a:r>
           </a:p>
           <a:p>
             <a:pPr lvl="3"/>
             <a:r>
-              <a:rPr lang="en-US" altLang="zh-TW" smtClean="0"/>
+              <a:rPr lang="en-US" altLang="zh-TW"/>
               <a:t>Fourth level</a:t>
             </a:r>
           </a:p>
           <a:p>
             <a:pPr lvl="4"/>
             <a:r>
-              <a:rPr lang="en-US" altLang="zh-TW" smtClean="0"/>
+              <a:rPr lang="en-US" altLang="zh-TW"/>
               <a:t>Fifth level</a:t>
             </a:r>
             <a:endParaRPr lang="zh-TW" altLang="en-US"/>
@@ -810,7 +814,7 @@
           <a:p>
             <a:fld id="{982F74A0-5549-4DEA-895A-B6477C30BB93}" type="datetimeFigureOut">
               <a:rPr lang="zh-TW" altLang="en-US" smtClean="0"/>
-              <a:t>2020/1/3</a:t>
+              <a:t>2024/1/13</a:t>
             </a:fld>
             <a:endParaRPr lang="zh-TW" altLang="en-US"/>
           </a:p>
@@ -908,7 +912,7 @@
           </a:lstStyle>
           <a:p>
             <a:r>
-              <a:rPr lang="en-US" altLang="zh-TW" smtClean="0"/>
+              <a:rPr lang="en-US" altLang="zh-TW"/>
               <a:t>Click to edit Master title style</a:t>
             </a:r>
             <a:endParaRPr lang="zh-TW" altLang="en-US"/>
@@ -1028,7 +1032,7 @@
           <a:p>
             <a:pPr lvl="0"/>
             <a:r>
-              <a:rPr lang="en-US" altLang="zh-TW" smtClean="0"/>
+              <a:rPr lang="en-US" altLang="zh-TW"/>
               <a:t>Click to edit Master text styles</a:t>
             </a:r>
           </a:p>
@@ -1051,7 +1055,7 @@
           <a:p>
             <a:fld id="{982F74A0-5549-4DEA-895A-B6477C30BB93}" type="datetimeFigureOut">
               <a:rPr lang="zh-TW" altLang="en-US" smtClean="0"/>
-              <a:t>2020/1/3</a:t>
+              <a:t>2024/1/13</a:t>
             </a:fld>
             <a:endParaRPr lang="zh-TW" altLang="en-US"/>
           </a:p>
@@ -1140,7 +1144,7 @@
           <a:lstStyle/>
           <a:p>
             <a:r>
-              <a:rPr lang="en-US" altLang="zh-TW" smtClean="0"/>
+              <a:rPr lang="en-US" altLang="zh-TW"/>
               <a:t>Click to edit Master title style</a:t>
             </a:r>
             <a:endParaRPr lang="zh-TW" altLang="en-US"/>
@@ -1197,35 +1201,35 @@
           <a:p>
             <a:pPr lvl="0"/>
             <a:r>
-              <a:rPr lang="en-US" altLang="zh-TW" smtClean="0"/>
+              <a:rPr lang="en-US" altLang="zh-TW"/>
               <a:t>Click to edit Master text styles</a:t>
             </a:r>
           </a:p>
           <a:p>
             <a:pPr lvl="1"/>
             <a:r>
-              <a:rPr lang="en-US" altLang="zh-TW" smtClean="0"/>
+              <a:rPr lang="en-US" altLang="zh-TW"/>
               <a:t>Second level</a:t>
             </a:r>
           </a:p>
           <a:p>
             <a:pPr lvl="2"/>
             <a:r>
-              <a:rPr lang="en-US" altLang="zh-TW" smtClean="0"/>
+              <a:rPr lang="en-US" altLang="zh-TW"/>
               <a:t>Third level</a:t>
             </a:r>
           </a:p>
           <a:p>
             <a:pPr lvl="3"/>
             <a:r>
-              <a:rPr lang="en-US" altLang="zh-TW" smtClean="0"/>
+              <a:rPr lang="en-US" altLang="zh-TW"/>
               <a:t>Fourth level</a:t>
             </a:r>
           </a:p>
           <a:p>
             <a:pPr lvl="4"/>
             <a:r>
-              <a:rPr lang="en-US" altLang="zh-TW" smtClean="0"/>
+              <a:rPr lang="en-US" altLang="zh-TW"/>
               <a:t>Fifth level</a:t>
             </a:r>
             <a:endParaRPr lang="zh-TW" altLang="en-US"/>
@@ -1282,35 +1286,35 @@
           <a:p>
             <a:pPr lvl="0"/>
             <a:r>
-              <a:rPr lang="en-US" altLang="zh-TW" smtClean="0"/>
+              <a:rPr lang="en-US" altLang="zh-TW"/>
               <a:t>Click to edit Master text styles</a:t>
             </a:r>
           </a:p>
           <a:p>
             <a:pPr lvl="1"/>
             <a:r>
-              <a:rPr lang="en-US" altLang="zh-TW" smtClean="0"/>
+              <a:rPr lang="en-US" altLang="zh-TW"/>
               <a:t>Second level</a:t>
             </a:r>
           </a:p>
           <a:p>
             <a:pPr lvl="2"/>
             <a:r>
-              <a:rPr lang="en-US" altLang="zh-TW" smtClean="0"/>
+              <a:rPr lang="en-US" altLang="zh-TW"/>
               <a:t>Third level</a:t>
             </a:r>
           </a:p>
           <a:p>
             <a:pPr lvl="3"/>
             <a:r>
-              <a:rPr lang="en-US" altLang="zh-TW" smtClean="0"/>
+              <a:rPr lang="en-US" altLang="zh-TW"/>
               <a:t>Fourth level</a:t>
             </a:r>
           </a:p>
           <a:p>
             <a:pPr lvl="4"/>
             <a:r>
-              <a:rPr lang="en-US" altLang="zh-TW" smtClean="0"/>
+              <a:rPr lang="en-US" altLang="zh-TW"/>
               <a:t>Fifth level</a:t>
             </a:r>
             <a:endParaRPr lang="zh-TW" altLang="en-US"/>
@@ -1334,7 +1338,7 @@
           <a:p>
             <a:fld id="{982F74A0-5549-4DEA-895A-B6477C30BB93}" type="datetimeFigureOut">
               <a:rPr lang="zh-TW" altLang="en-US" smtClean="0"/>
-              <a:t>2020/1/3</a:t>
+              <a:t>2024/1/13</a:t>
             </a:fld>
             <a:endParaRPr lang="zh-TW" altLang="en-US"/>
           </a:p>
@@ -1427,7 +1431,7 @@
           </a:lstStyle>
           <a:p>
             <a:r>
-              <a:rPr lang="en-US" altLang="zh-TW" smtClean="0"/>
+              <a:rPr lang="en-US" altLang="zh-TW"/>
               <a:t>Click to edit Master title style</a:t>
             </a:r>
             <a:endParaRPr lang="zh-TW" altLang="en-US"/>
@@ -1493,7 +1497,7 @@
           <a:p>
             <a:pPr lvl="0"/>
             <a:r>
-              <a:rPr lang="en-US" altLang="zh-TW" smtClean="0"/>
+              <a:rPr lang="en-US" altLang="zh-TW"/>
               <a:t>Click to edit Master text styles</a:t>
             </a:r>
           </a:p>
@@ -1549,35 +1553,35 @@
           <a:p>
             <a:pPr lvl="0"/>
             <a:r>
-              <a:rPr lang="en-US" altLang="zh-TW" smtClean="0"/>
+              <a:rPr lang="en-US" altLang="zh-TW"/>
               <a:t>Click to edit Master text styles</a:t>
             </a:r>
           </a:p>
           <a:p>
             <a:pPr lvl="1"/>
             <a:r>
-              <a:rPr lang="en-US" altLang="zh-TW" smtClean="0"/>
+              <a:rPr lang="en-US" altLang="zh-TW"/>
               <a:t>Second level</a:t>
             </a:r>
           </a:p>
           <a:p>
             <a:pPr lvl="2"/>
             <a:r>
-              <a:rPr lang="en-US" altLang="zh-TW" smtClean="0"/>
+              <a:rPr lang="en-US" altLang="zh-TW"/>
               <a:t>Third level</a:t>
             </a:r>
           </a:p>
           <a:p>
             <a:pPr lvl="3"/>
             <a:r>
-              <a:rPr lang="en-US" altLang="zh-TW" smtClean="0"/>
+              <a:rPr lang="en-US" altLang="zh-TW"/>
               <a:t>Fourth level</a:t>
             </a:r>
           </a:p>
           <a:p>
             <a:pPr lvl="4"/>
             <a:r>
-              <a:rPr lang="en-US" altLang="zh-TW" smtClean="0"/>
+              <a:rPr lang="en-US" altLang="zh-TW"/>
               <a:t>Fifth level</a:t>
             </a:r>
             <a:endParaRPr lang="zh-TW" altLang="en-US"/>
@@ -1643,7 +1647,7 @@
           <a:p>
             <a:pPr lvl="0"/>
             <a:r>
-              <a:rPr lang="en-US" altLang="zh-TW" smtClean="0"/>
+              <a:rPr lang="en-US" altLang="zh-TW"/>
               <a:t>Click to edit Master text styles</a:t>
             </a:r>
           </a:p>
@@ -1699,35 +1703,35 @@
           <a:p>
             <a:pPr lvl="0"/>
             <a:r>
-              <a:rPr lang="en-US" altLang="zh-TW" smtClean="0"/>
+              <a:rPr lang="en-US" altLang="zh-TW"/>
               <a:t>Click to edit Master text styles</a:t>
             </a:r>
           </a:p>
           <a:p>
             <a:pPr lvl="1"/>
             <a:r>
-              <a:rPr lang="en-US" altLang="zh-TW" smtClean="0"/>
+              <a:rPr lang="en-US" altLang="zh-TW"/>
               <a:t>Second level</a:t>
             </a:r>
           </a:p>
           <a:p>
             <a:pPr lvl="2"/>
             <a:r>
-              <a:rPr lang="en-US" altLang="zh-TW" smtClean="0"/>
+              <a:rPr lang="en-US" altLang="zh-TW"/>
               <a:t>Third level</a:t>
             </a:r>
           </a:p>
           <a:p>
             <a:pPr lvl="3"/>
             <a:r>
-              <a:rPr lang="en-US" altLang="zh-TW" smtClean="0"/>
+              <a:rPr lang="en-US" altLang="zh-TW"/>
               <a:t>Fourth level</a:t>
             </a:r>
           </a:p>
           <a:p>
             <a:pPr lvl="4"/>
             <a:r>
-              <a:rPr lang="en-US" altLang="zh-TW" smtClean="0"/>
+              <a:rPr lang="en-US" altLang="zh-TW"/>
               <a:t>Fifth level</a:t>
             </a:r>
             <a:endParaRPr lang="zh-TW" altLang="en-US"/>
@@ -1751,7 +1755,7 @@
           <a:p>
             <a:fld id="{982F74A0-5549-4DEA-895A-B6477C30BB93}" type="datetimeFigureOut">
               <a:rPr lang="zh-TW" altLang="en-US" smtClean="0"/>
-              <a:t>2020/1/3</a:t>
+              <a:t>2024/1/13</a:t>
             </a:fld>
             <a:endParaRPr lang="zh-TW" altLang="en-US"/>
           </a:p>
@@ -1840,7 +1844,7 @@
           <a:lstStyle/>
           <a:p>
             <a:r>
-              <a:rPr lang="en-US" altLang="zh-TW" smtClean="0"/>
+              <a:rPr lang="en-US" altLang="zh-TW"/>
               <a:t>Click to edit Master title style</a:t>
             </a:r>
             <a:endParaRPr lang="zh-TW" altLang="en-US"/>
@@ -1864,7 +1868,7 @@
           <a:p>
             <a:fld id="{982F74A0-5549-4DEA-895A-B6477C30BB93}" type="datetimeFigureOut">
               <a:rPr lang="zh-TW" altLang="en-US" smtClean="0"/>
-              <a:t>2020/1/3</a:t>
+              <a:t>2024/1/13</a:t>
             </a:fld>
             <a:endParaRPr lang="zh-TW" altLang="en-US"/>
           </a:p>
@@ -1954,7 +1958,7 @@
           <a:p>
             <a:fld id="{982F74A0-5549-4DEA-895A-B6477C30BB93}" type="datetimeFigureOut">
               <a:rPr lang="zh-TW" altLang="en-US" smtClean="0"/>
-              <a:t>2020/1/3</a:t>
+              <a:t>2024/1/13</a:t>
             </a:fld>
             <a:endParaRPr lang="zh-TW" altLang="en-US"/>
           </a:p>
@@ -2052,7 +2056,7 @@
           </a:lstStyle>
           <a:p>
             <a:r>
-              <a:rPr lang="en-US" altLang="zh-TW" smtClean="0"/>
+              <a:rPr lang="en-US" altLang="zh-TW"/>
               <a:t>Click to edit Master title style</a:t>
             </a:r>
             <a:endParaRPr lang="zh-TW" altLang="en-US"/>
@@ -2109,35 +2113,35 @@
           <a:p>
             <a:pPr lvl="0"/>
             <a:r>
-              <a:rPr lang="en-US" altLang="zh-TW" smtClean="0"/>
+              <a:rPr lang="en-US" altLang="zh-TW"/>
               <a:t>Click to edit Master text styles</a:t>
             </a:r>
           </a:p>
           <a:p>
             <a:pPr lvl="1"/>
             <a:r>
-              <a:rPr lang="en-US" altLang="zh-TW" smtClean="0"/>
+              <a:rPr lang="en-US" altLang="zh-TW"/>
               <a:t>Second level</a:t>
             </a:r>
           </a:p>
           <a:p>
             <a:pPr lvl="2"/>
             <a:r>
-              <a:rPr lang="en-US" altLang="zh-TW" smtClean="0"/>
+              <a:rPr lang="en-US" altLang="zh-TW"/>
               <a:t>Third level</a:t>
             </a:r>
           </a:p>
           <a:p>
             <a:pPr lvl="3"/>
             <a:r>
-              <a:rPr lang="en-US" altLang="zh-TW" smtClean="0"/>
+              <a:rPr lang="en-US" altLang="zh-TW"/>
               <a:t>Fourth level</a:t>
             </a:r>
           </a:p>
           <a:p>
             <a:pPr lvl="4"/>
             <a:r>
-              <a:rPr lang="en-US" altLang="zh-TW" smtClean="0"/>
+              <a:rPr lang="en-US" altLang="zh-TW"/>
               <a:t>Fifth level</a:t>
             </a:r>
             <a:endParaRPr lang="zh-TW" altLang="en-US"/>
@@ -2203,7 +2207,7 @@
           <a:p>
             <a:pPr lvl="0"/>
             <a:r>
-              <a:rPr lang="en-US" altLang="zh-TW" smtClean="0"/>
+              <a:rPr lang="en-US" altLang="zh-TW"/>
               <a:t>Click to edit Master text styles</a:t>
             </a:r>
           </a:p>
@@ -2226,7 +2230,7 @@
           <a:p>
             <a:fld id="{982F74A0-5549-4DEA-895A-B6477C30BB93}" type="datetimeFigureOut">
               <a:rPr lang="zh-TW" altLang="en-US" smtClean="0"/>
-              <a:t>2020/1/3</a:t>
+              <a:t>2024/1/13</a:t>
             </a:fld>
             <a:endParaRPr lang="zh-TW" altLang="en-US"/>
           </a:p>
@@ -2324,7 +2328,7 @@
           </a:lstStyle>
           <a:p>
             <a:r>
-              <a:rPr lang="en-US" altLang="zh-TW" smtClean="0"/>
+              <a:rPr lang="en-US" altLang="zh-TW"/>
               <a:t>Click to edit Master title style</a:t>
             </a:r>
             <a:endParaRPr lang="zh-TW" altLang="en-US"/>
@@ -2389,7 +2393,7 @@
           </a:lstStyle>
           <a:p>
             <a:r>
-              <a:rPr lang="en-US" altLang="zh-TW" smtClean="0"/>
+              <a:rPr lang="en-US" altLang="zh-TW"/>
               <a:t>Click icon to add picture</a:t>
             </a:r>
             <a:endParaRPr lang="zh-TW" altLang="en-US"/>
@@ -2455,7 +2459,7 @@
           <a:p>
             <a:pPr lvl="0"/>
             <a:r>
-              <a:rPr lang="en-US" altLang="zh-TW" smtClean="0"/>
+              <a:rPr lang="en-US" altLang="zh-TW"/>
               <a:t>Click to edit Master text styles</a:t>
             </a:r>
           </a:p>
@@ -2478,7 +2482,7 @@
           <a:p>
             <a:fld id="{982F74A0-5549-4DEA-895A-B6477C30BB93}" type="datetimeFigureOut">
               <a:rPr lang="zh-TW" altLang="en-US" smtClean="0"/>
-              <a:t>2020/1/3</a:t>
+              <a:t>2024/1/13</a:t>
             </a:fld>
             <a:endParaRPr lang="zh-TW" altLang="en-US"/>
           </a:p>
@@ -2587,10 +2591,9 @@
           <a:lstStyle/>
           <a:p>
             <a:r>
-              <a:rPr lang="zh-TW" altLang="en-US" smtClean="0"/>
+              <a:rPr lang="zh-TW" altLang="en-US"/>
               <a:t>按一下以編輯母片標題樣式</a:t>
             </a:r>
-            <a:endParaRPr lang="zh-TW" altLang="en-US"/>
           </a:p>
         </p:txBody>
       </p:sp>
@@ -2621,38 +2624,37 @@
           <a:p>
             <a:pPr lvl="0"/>
             <a:r>
-              <a:rPr lang="zh-TW" altLang="en-US" smtClean="0"/>
+              <a:rPr lang="zh-TW" altLang="en-US"/>
               <a:t>按一下以編輯母片文字樣式</a:t>
             </a:r>
           </a:p>
           <a:p>
             <a:pPr lvl="1"/>
             <a:r>
-              <a:rPr lang="zh-TW" altLang="en-US" smtClean="0"/>
+              <a:rPr lang="zh-TW" altLang="en-US"/>
               <a:t>第二層</a:t>
             </a:r>
           </a:p>
           <a:p>
             <a:pPr lvl="2"/>
             <a:r>
-              <a:rPr lang="zh-TW" altLang="en-US" smtClean="0"/>
+              <a:rPr lang="zh-TW" altLang="en-US"/>
               <a:t>第三層</a:t>
             </a:r>
           </a:p>
           <a:p>
             <a:pPr lvl="3"/>
             <a:r>
-              <a:rPr lang="zh-TW" altLang="en-US" smtClean="0"/>
+              <a:rPr lang="zh-TW" altLang="en-US"/>
               <a:t>第四層</a:t>
             </a:r>
           </a:p>
           <a:p>
             <a:pPr lvl="4"/>
             <a:r>
-              <a:rPr lang="zh-TW" altLang="en-US" smtClean="0"/>
+              <a:rPr lang="zh-TW" altLang="en-US"/>
               <a:t>第五層</a:t>
             </a:r>
-            <a:endParaRPr lang="zh-TW" altLang="en-US"/>
           </a:p>
         </p:txBody>
       </p:sp>
@@ -2691,7 +2693,7 @@
           <a:p>
             <a:fld id="{982F74A0-5549-4DEA-895A-B6477C30BB93}" type="datetimeFigureOut">
               <a:rPr lang="zh-TW" altLang="en-US" smtClean="0"/>
-              <a:t>2020/1/3</a:t>
+              <a:t>2024/1/13</a:t>
             </a:fld>
             <a:endParaRPr lang="zh-TW" altLang="en-US"/>
           </a:p>
@@ -3071,41 +3073,10 @@
             <p:ph type="title"/>
           </p:nvPr>
         </p:nvSpPr>
-        <p:spPr/>
-        <p:txBody>
-          <a:bodyPr>
-            <a:normAutofit/>
-          </a:bodyPr>
-          <a:lstStyle/>
-          <a:p>
-            <a:r>
-              <a:rPr lang="zh-TW" altLang="en-US" b="1" dirty="0" smtClean="0">
-                <a:latin typeface="Microsoft JhengHei" pitchFamily="34" charset="-120"/>
-                <a:ea typeface="Microsoft JhengHei" pitchFamily="34" charset="-120"/>
-              </a:rPr>
-              <a:t>亮晶燈</a:t>
-            </a:r>
-            <a:endParaRPr lang="zh-TW" altLang="en-US" b="1" dirty="0">
-              <a:latin typeface="Microsoft JhengHei" pitchFamily="34" charset="-120"/>
-              <a:ea typeface="Microsoft JhengHei" pitchFamily="34" charset="-120"/>
-            </a:endParaRPr>
-          </a:p>
-        </p:txBody>
-      </p:sp>
-      <p:sp>
-        <p:nvSpPr>
-          <p:cNvPr id="5" name="內容版面配置區 4"/>
-          <p:cNvSpPr>
-            <a:spLocks noGrp="1"/>
-          </p:cNvSpPr>
-          <p:nvPr>
-            <p:ph idx="1"/>
-          </p:nvPr>
-        </p:nvSpPr>
         <p:spPr>
           <a:xfrm>
-            <a:off x="0" y="1200151"/>
-            <a:ext cx="9144000" cy="3394472"/>
+            <a:off x="0" y="1995686"/>
+            <a:ext cx="9144000" cy="857250"/>
           </a:xfrm>
         </p:spPr>
         <p:txBody>
@@ -3114,135 +3085,22 @@
           </a:bodyPr>
           <a:lstStyle/>
           <a:p>
-            <a:pPr algn="ctr">
-              <a:buNone/>
-            </a:pPr>
-            <a:r>
-              <a:rPr lang="zh-TW" altLang="en-US" sz="4800" b="1" dirty="0">
-                <a:latin typeface="Microsoft JhengHei" pitchFamily="34" charset="-120"/>
-                <a:ea typeface="Microsoft JhengHei" pitchFamily="34" charset="-120"/>
+            <a:r>
+              <a:rPr lang="zh-TW" altLang="en-US" sz="5400" b="1" i="1" dirty="0">
+                <a:solidFill>
+                  <a:srgbClr val="000066"/>
+                </a:solidFill>
+                <a:effectLst>
+                  <a:outerShdw blurRad="38100" dist="38100" dir="2700000" algn="tl">
+                    <a:srgbClr val="000000">
+                      <a:alpha val="43137"/>
+                    </a:srgbClr>
+                  </a:outerShdw>
+                </a:effectLst>
+                <a:latin typeface="微軟正黑體" pitchFamily="34" charset="-120"/>
+                <a:ea typeface="微軟正黑體" pitchFamily="34" charset="-120"/>
               </a:rPr>
-              <a:t>我立志做耶穌的一盞亮晶</a:t>
-            </a:r>
-            <a:r>
-              <a:rPr lang="zh-TW" altLang="en-US" sz="4800" b="1" dirty="0" smtClean="0">
-                <a:latin typeface="Microsoft JhengHei" pitchFamily="34" charset="-120"/>
-                <a:ea typeface="Microsoft JhengHei" pitchFamily="34" charset="-120"/>
-              </a:rPr>
-              <a:t>燈</a:t>
-            </a:r>
-            <a:endParaRPr lang="en-US" altLang="zh-TW" sz="4800" b="1" dirty="0" smtClean="0">
-              <a:latin typeface="Microsoft JhengHei" pitchFamily="34" charset="-120"/>
-              <a:ea typeface="Microsoft JhengHei" pitchFamily="34" charset="-120"/>
-            </a:endParaRPr>
-          </a:p>
-          <a:p>
-            <a:pPr algn="ctr">
-              <a:buNone/>
-            </a:pPr>
-            <a:r>
-              <a:rPr lang="en-US" altLang="zh-TW" sz="2000" b="1" dirty="0" smtClean="0">
-                <a:latin typeface="Microsoft JhengHei" pitchFamily="34" charset="-120"/>
-                <a:ea typeface="Microsoft JhengHei" pitchFamily="34" charset="-120"/>
-              </a:rPr>
-              <a:t>(x2)</a:t>
-            </a:r>
-            <a:endParaRPr lang="en-US" altLang="zh-TW" sz="4800" b="1" dirty="0">
-              <a:latin typeface="Microsoft JhengHei" pitchFamily="34" charset="-120"/>
-              <a:ea typeface="Microsoft JhengHei" pitchFamily="34" charset="-120"/>
-            </a:endParaRPr>
-          </a:p>
-          <a:p>
-            <a:pPr algn="ctr">
-              <a:buNone/>
-            </a:pPr>
-            <a:r>
-              <a:rPr lang="zh-TW" altLang="en-US" sz="4800" b="1" dirty="0" smtClean="0">
-                <a:latin typeface="Microsoft JhengHei" pitchFamily="34" charset="-120"/>
-                <a:ea typeface="Microsoft JhengHei" pitchFamily="34" charset="-120"/>
-              </a:rPr>
-              <a:t>我對手 手 手</a:t>
-            </a:r>
-            <a:r>
-              <a:rPr lang="zh-TW" altLang="en-US" sz="4800" b="1" dirty="0">
-                <a:latin typeface="Microsoft JhengHei" pitchFamily="34" charset="-120"/>
-                <a:ea typeface="Microsoft JhengHei" pitchFamily="34" charset="-120"/>
-              </a:rPr>
-              <a:t>要</a:t>
-            </a:r>
-            <a:r>
-              <a:rPr lang="zh-TW" altLang="en-US" sz="4800" b="1" dirty="0" smtClean="0">
-                <a:latin typeface="Microsoft JhengHei" pitchFamily="34" charset="-120"/>
-                <a:ea typeface="Microsoft JhengHei" pitchFamily="34" charset="-120"/>
-              </a:rPr>
-              <a:t>發光</a:t>
-            </a:r>
-            <a:endParaRPr lang="en-US" altLang="zh-TW" sz="4800" b="1" dirty="0" smtClean="0">
-              <a:latin typeface="Microsoft JhengHei" pitchFamily="34" charset="-120"/>
-              <a:ea typeface="Microsoft JhengHei" pitchFamily="34" charset="-120"/>
-            </a:endParaRPr>
-          </a:p>
-          <a:p>
-            <a:pPr algn="ctr">
-              <a:buNone/>
-            </a:pPr>
-            <a:r>
-              <a:rPr lang="zh-TW" altLang="en-US" sz="4800" b="1" dirty="0" smtClean="0">
-                <a:latin typeface="Microsoft JhengHei" pitchFamily="34" charset="-120"/>
-                <a:ea typeface="Microsoft JhengHei" pitchFamily="34" charset="-120"/>
-              </a:rPr>
-              <a:t>腳 腳 腳</a:t>
-            </a:r>
-            <a:r>
-              <a:rPr lang="zh-TW" altLang="en-US" sz="4800" b="1" dirty="0">
-                <a:latin typeface="Microsoft JhengHei" pitchFamily="34" charset="-120"/>
-                <a:ea typeface="Microsoft JhengHei" pitchFamily="34" charset="-120"/>
-              </a:rPr>
-              <a:t>要</a:t>
-            </a:r>
-            <a:r>
-              <a:rPr lang="zh-TW" altLang="en-US" sz="4800" b="1" dirty="0" smtClean="0">
-                <a:latin typeface="Microsoft JhengHei" pitchFamily="34" charset="-120"/>
-                <a:ea typeface="Microsoft JhengHei" pitchFamily="34" charset="-120"/>
-              </a:rPr>
-              <a:t>發光</a:t>
-            </a:r>
-            <a:endParaRPr lang="en-US" altLang="zh-TW" sz="4800" b="1" dirty="0" smtClean="0">
-              <a:latin typeface="Microsoft JhengHei" pitchFamily="34" charset="-120"/>
-              <a:ea typeface="Microsoft JhengHei" pitchFamily="34" charset="-120"/>
-            </a:endParaRPr>
-          </a:p>
-          <a:p>
-            <a:pPr algn="ctr">
-              <a:buNone/>
-            </a:pPr>
-            <a:r>
-              <a:rPr lang="zh-TW" altLang="en-US" sz="4800" b="1" dirty="0" smtClean="0">
-                <a:latin typeface="Microsoft JhengHei" pitchFamily="34" charset="-120"/>
-                <a:ea typeface="Microsoft JhengHei" pitchFamily="34" charset="-120"/>
-              </a:rPr>
-              <a:t>口 口 口</a:t>
-            </a:r>
-            <a:r>
-              <a:rPr lang="zh-TW" altLang="en-US" sz="4800" b="1" dirty="0">
-                <a:latin typeface="Microsoft JhengHei" pitchFamily="34" charset="-120"/>
-                <a:ea typeface="Microsoft JhengHei" pitchFamily="34" charset="-120"/>
-              </a:rPr>
-              <a:t>要</a:t>
-            </a:r>
-            <a:r>
-              <a:rPr lang="zh-TW" altLang="en-US" sz="4800" b="1" dirty="0" smtClean="0">
-                <a:latin typeface="Microsoft JhengHei" pitchFamily="34" charset="-120"/>
-                <a:ea typeface="Microsoft JhengHei" pitchFamily="34" charset="-120"/>
-              </a:rPr>
-              <a:t>發光我</a:t>
-            </a:r>
-            <a:r>
-              <a:rPr lang="zh-TW" altLang="en-US" sz="4800" b="1" dirty="0">
-                <a:latin typeface="Microsoft JhengHei" pitchFamily="34" charset="-120"/>
-                <a:ea typeface="Microsoft JhengHei" pitchFamily="34" charset="-120"/>
-              </a:rPr>
-              <a:t>全身都發光</a:t>
+              <a:t>亮晶燈</a:t>
             </a:r>
           </a:p>
         </p:txBody>
@@ -3274,31 +3132,96 @@
       </p:grpSpPr>
       <p:sp>
         <p:nvSpPr>
-          <p:cNvPr id="4" name="標題 3"/>
-          <p:cNvSpPr>
-            <a:spLocks noGrp="1"/>
-          </p:cNvSpPr>
-          <p:nvPr>
-            <p:ph type="title"/>
-          </p:nvPr>
-        </p:nvSpPr>
-        <p:spPr/>
-        <p:txBody>
-          <a:bodyPr>
+          <p:cNvPr id="5" name="內容版面配置區 4"/>
+          <p:cNvSpPr>
+            <a:spLocks noGrp="1"/>
+          </p:cNvSpPr>
+          <p:nvPr>
+            <p:ph idx="1"/>
+          </p:nvPr>
+        </p:nvSpPr>
+        <p:spPr>
+          <a:xfrm>
+            <a:off x="0" y="1563638"/>
+            <a:ext cx="9144000" cy="1803647"/>
+          </a:xfrm>
+        </p:spPr>
+        <p:txBody>
+          <a:bodyPr anchor="ctr">
             <a:normAutofit/>
           </a:bodyPr>
           <a:lstStyle/>
           <a:p>
-            <a:r>
-              <a:rPr lang="zh-TW" altLang="en-US" b="1" dirty="0">
-                <a:latin typeface="Microsoft JhengHei" pitchFamily="34" charset="-120"/>
-                <a:ea typeface="Microsoft JhengHei" pitchFamily="34" charset="-120"/>
+            <a:pPr algn="ctr">
+              <a:buNone/>
+            </a:pPr>
+            <a:r>
+              <a:rPr lang="zh-TW" altLang="en-US" sz="4800" b="1" dirty="0">
+                <a:solidFill>
+                  <a:srgbClr val="000066"/>
+                </a:solidFill>
+                <a:latin typeface="微軟正黑體" pitchFamily="34" charset="-120"/>
+                <a:ea typeface="微軟正黑體" pitchFamily="34" charset="-120"/>
               </a:rPr>
-              <a:t>亮晶燈</a:t>
-            </a:r>
-          </a:p>
-        </p:txBody>
-      </p:sp>
+              <a:t>我立志做耶穌的一盞亮晶燈</a:t>
+            </a:r>
+            <a:endParaRPr lang="en-US" altLang="zh-TW" sz="4800" b="1" dirty="0">
+              <a:solidFill>
+                <a:srgbClr val="000066"/>
+              </a:solidFill>
+              <a:latin typeface="微軟正黑體" pitchFamily="34" charset="-120"/>
+              <a:ea typeface="微軟正黑體" pitchFamily="34" charset="-120"/>
+            </a:endParaRPr>
+          </a:p>
+          <a:p>
+            <a:pPr algn="ctr">
+              <a:buNone/>
+            </a:pPr>
+            <a:r>
+              <a:rPr lang="zh-TW" altLang="en-US" sz="4800" b="1" dirty="0">
+                <a:solidFill>
+                  <a:srgbClr val="000066"/>
+                </a:solidFill>
+                <a:latin typeface="微軟正黑體" pitchFamily="34" charset="-120"/>
+                <a:ea typeface="微軟正黑體" pitchFamily="34" charset="-120"/>
+              </a:rPr>
+              <a:t>我立志做耶穌的一盞亮晶燈</a:t>
+            </a:r>
+            <a:endParaRPr lang="en-US" altLang="zh-TW" sz="4800" b="1" dirty="0">
+              <a:solidFill>
+                <a:srgbClr val="000066"/>
+              </a:solidFill>
+              <a:latin typeface="微軟正黑體" pitchFamily="34" charset="-120"/>
+              <a:ea typeface="微軟正黑體" pitchFamily="34" charset="-120"/>
+            </a:endParaRPr>
+          </a:p>
+        </p:txBody>
+      </p:sp>
+    </p:spTree>
+  </p:cSld>
+  <p:clrMapOvr>
+    <a:masterClrMapping/>
+  </p:clrMapOvr>
+</p:sld>
+</file>
+
+<file path=ppt/slides/slide3.xml><?xml version="1.0" encoding="utf-8"?>
+<p:sld xmlns:a="http://schemas.openxmlformats.org/drawingml/2006/main" xmlns:r="http://schemas.openxmlformats.org/officeDocument/2006/relationships" xmlns:p="http://schemas.openxmlformats.org/presentationml/2006/main">
+  <p:cSld>
+    <p:spTree>
+      <p:nvGrpSpPr>
+        <p:cNvPr id="1" name=""/>
+        <p:cNvGrpSpPr/>
+        <p:nvPr/>
+      </p:nvGrpSpPr>
+      <p:grpSpPr>
+        <a:xfrm>
+          <a:off x="0" y="0"/>
+          <a:ext cx="0" cy="0"/>
+          <a:chOff x="0" y="0"/>
+          <a:chExt cx="0" cy="0"/>
+        </a:xfrm>
+      </p:grpSpPr>
       <p:sp>
         <p:nvSpPr>
           <p:cNvPr id="5" name="內容版面配置區 4"/>
@@ -3311,13 +3234,13 @@
         </p:nvSpPr>
         <p:spPr>
           <a:xfrm>
-            <a:off x="0" y="1200151"/>
-            <a:ext cx="9144000" cy="3394472"/>
+            <a:off x="0" y="1563638"/>
+            <a:ext cx="9144000" cy="1803647"/>
           </a:xfrm>
         </p:spPr>
         <p:txBody>
-          <a:bodyPr>
-            <a:noAutofit/>
+          <a:bodyPr anchor="ctr">
+            <a:normAutofit/>
           </a:bodyPr>
           <a:lstStyle/>
           <a:p>
@@ -3326,14 +3249,185 @@
             </a:pPr>
             <a:r>
               <a:rPr lang="zh-TW" altLang="en-US" sz="4800" b="1" dirty="0">
-                <a:latin typeface="Microsoft JhengHei" pitchFamily="34" charset="-120"/>
-                <a:ea typeface="Microsoft JhengHei" pitchFamily="34" charset="-120"/>
+                <a:solidFill>
+                  <a:srgbClr val="000066"/>
+                </a:solidFill>
+                <a:latin typeface="微軟正黑體" pitchFamily="34" charset="-120"/>
+                <a:ea typeface="微軟正黑體" pitchFamily="34" charset="-120"/>
+              </a:rPr>
+              <a:t>我對手 手 手要發光</a:t>
+            </a:r>
+            <a:endParaRPr lang="en-US" altLang="zh-TW" sz="4800" b="1" dirty="0">
+              <a:solidFill>
+                <a:srgbClr val="000066"/>
+              </a:solidFill>
+              <a:latin typeface="微軟正黑體" pitchFamily="34" charset="-120"/>
+              <a:ea typeface="微軟正黑體" pitchFamily="34" charset="-120"/>
+            </a:endParaRPr>
+          </a:p>
+          <a:p>
+            <a:pPr algn="ctr">
+              <a:buNone/>
+            </a:pPr>
+            <a:r>
+              <a:rPr lang="zh-TW" altLang="en-US" sz="4800" b="1" dirty="0">
+                <a:solidFill>
+                  <a:srgbClr val="000066"/>
+                </a:solidFill>
+                <a:latin typeface="微軟正黑體" pitchFamily="34" charset="-120"/>
+                <a:ea typeface="微軟正黑體" pitchFamily="34" charset="-120"/>
+              </a:rPr>
+              <a:t>腳 腳 腳要發光</a:t>
+            </a:r>
+            <a:endParaRPr lang="en-US" altLang="zh-TW" sz="4800" b="1" dirty="0">
+              <a:solidFill>
+                <a:srgbClr val="000066"/>
+              </a:solidFill>
+              <a:latin typeface="微軟正黑體" pitchFamily="34" charset="-120"/>
+              <a:ea typeface="微軟正黑體" pitchFamily="34" charset="-120"/>
+            </a:endParaRPr>
+          </a:p>
+        </p:txBody>
+      </p:sp>
+    </p:spTree>
+    <p:extLst>
+      <p:ext uri="{BB962C8B-B14F-4D97-AF65-F5344CB8AC3E}">
+        <p14:creationId xmlns:p14="http://schemas.microsoft.com/office/powerpoint/2010/main" val="313812057"/>
+      </p:ext>
+    </p:extLst>
+  </p:cSld>
+  <p:clrMapOvr>
+    <a:masterClrMapping/>
+  </p:clrMapOvr>
+</p:sld>
+</file>
+
+<file path=ppt/slides/slide4.xml><?xml version="1.0" encoding="utf-8"?>
+<p:sld xmlns:a="http://schemas.openxmlformats.org/drawingml/2006/main" xmlns:r="http://schemas.openxmlformats.org/officeDocument/2006/relationships" xmlns:p="http://schemas.openxmlformats.org/presentationml/2006/main">
+  <p:cSld>
+    <p:spTree>
+      <p:nvGrpSpPr>
+        <p:cNvPr id="1" name=""/>
+        <p:cNvGrpSpPr/>
+        <p:nvPr/>
+      </p:nvGrpSpPr>
+      <p:grpSpPr>
+        <a:xfrm>
+          <a:off x="0" y="0"/>
+          <a:ext cx="0" cy="0"/>
+          <a:chOff x="0" y="0"/>
+          <a:chExt cx="0" cy="0"/>
+        </a:xfrm>
+      </p:grpSpPr>
+      <p:sp>
+        <p:nvSpPr>
+          <p:cNvPr id="5" name="內容版面配置區 4"/>
+          <p:cNvSpPr>
+            <a:spLocks noGrp="1"/>
+          </p:cNvSpPr>
+          <p:nvPr>
+            <p:ph idx="1"/>
+          </p:nvPr>
+        </p:nvSpPr>
+        <p:spPr>
+          <a:xfrm>
+            <a:off x="0" y="1563638"/>
+            <a:ext cx="9144000" cy="1803647"/>
+          </a:xfrm>
+        </p:spPr>
+        <p:txBody>
+          <a:bodyPr anchor="ctr">
+            <a:normAutofit/>
+          </a:bodyPr>
+          <a:lstStyle/>
+          <a:p>
+            <a:pPr algn="ctr">
+              <a:buNone/>
+            </a:pPr>
+            <a:r>
+              <a:rPr lang="zh-TW" altLang="en-US" sz="4800" b="1" dirty="0">
+                <a:solidFill>
+                  <a:srgbClr val="000066"/>
+                </a:solidFill>
+                <a:latin typeface="微軟正黑體" pitchFamily="34" charset="-120"/>
+                <a:ea typeface="微軟正黑體" pitchFamily="34" charset="-120"/>
+              </a:rPr>
+              <a:t>口 口 口要發光我全身都發光</a:t>
+            </a:r>
+          </a:p>
+        </p:txBody>
+      </p:sp>
+    </p:spTree>
+    <p:extLst>
+      <p:ext uri="{BB962C8B-B14F-4D97-AF65-F5344CB8AC3E}">
+        <p14:creationId xmlns:p14="http://schemas.microsoft.com/office/powerpoint/2010/main" val="305232333"/>
+      </p:ext>
+    </p:extLst>
+  </p:cSld>
+  <p:clrMapOvr>
+    <a:masterClrMapping/>
+  </p:clrMapOvr>
+</p:sld>
+</file>
+
+<file path=ppt/slides/slide5.xml><?xml version="1.0" encoding="utf-8"?>
+<p:sld xmlns:a="http://schemas.openxmlformats.org/drawingml/2006/main" xmlns:r="http://schemas.openxmlformats.org/officeDocument/2006/relationships" xmlns:p="http://schemas.openxmlformats.org/presentationml/2006/main">
+  <p:cSld>
+    <p:spTree>
+      <p:nvGrpSpPr>
+        <p:cNvPr id="1" name=""/>
+        <p:cNvGrpSpPr/>
+        <p:nvPr/>
+      </p:nvGrpSpPr>
+      <p:grpSpPr>
+        <a:xfrm>
+          <a:off x="0" y="0"/>
+          <a:ext cx="0" cy="0"/>
+          <a:chOff x="0" y="0"/>
+          <a:chExt cx="0" cy="0"/>
+        </a:xfrm>
+      </p:grpSpPr>
+      <p:sp>
+        <p:nvSpPr>
+          <p:cNvPr id="5" name="內容版面配置區 4"/>
+          <p:cNvSpPr>
+            <a:spLocks noGrp="1"/>
+          </p:cNvSpPr>
+          <p:nvPr>
+            <p:ph idx="1"/>
+          </p:nvPr>
+        </p:nvSpPr>
+        <p:spPr>
+          <a:xfrm>
+            <a:off x="0" y="1563638"/>
+            <a:ext cx="9144000" cy="1803647"/>
+          </a:xfrm>
+        </p:spPr>
+        <p:txBody>
+          <a:bodyPr anchor="ctr">
+            <a:normAutofit/>
+          </a:bodyPr>
+          <a:lstStyle/>
+          <a:p>
+            <a:pPr algn="ctr">
+              <a:buNone/>
+            </a:pPr>
+            <a:r>
+              <a:rPr lang="zh-TW" altLang="en-US" sz="4800" b="1" dirty="0">
+                <a:solidFill>
+                  <a:srgbClr val="000066"/>
+                </a:solidFill>
+                <a:latin typeface="微軟正黑體" pitchFamily="34" charset="-120"/>
+                <a:ea typeface="微軟正黑體" pitchFamily="34" charset="-120"/>
               </a:rPr>
               <a:t>祈求讓主的真理發光芒</a:t>
             </a:r>
             <a:endParaRPr lang="en-US" altLang="zh-TW" sz="4800" b="1" dirty="0">
-              <a:latin typeface="Microsoft JhengHei" pitchFamily="34" charset="-120"/>
-              <a:ea typeface="Microsoft JhengHei" pitchFamily="34" charset="-120"/>
+              <a:solidFill>
+                <a:srgbClr val="000066"/>
+              </a:solidFill>
+              <a:latin typeface="微軟正黑體" pitchFamily="34" charset="-120"/>
+              <a:ea typeface="微軟正黑體" pitchFamily="34" charset="-120"/>
             </a:endParaRPr>
           </a:p>
           <a:p>
@@ -3342,30 +3436,95 @@
             </a:pPr>
             <a:r>
               <a:rPr lang="zh-TW" altLang="en-US" sz="4800" b="1" dirty="0">
-                <a:latin typeface="Microsoft JhengHei" pitchFamily="34" charset="-120"/>
-                <a:ea typeface="Microsoft JhengHei" pitchFamily="34" charset="-120"/>
+                <a:solidFill>
+                  <a:srgbClr val="000066"/>
+                </a:solidFill>
+                <a:latin typeface="微軟正黑體" pitchFamily="34" charset="-120"/>
+                <a:ea typeface="微軟正黑體" pitchFamily="34" charset="-120"/>
               </a:rPr>
               <a:t>在漆黑裡帶出新希望</a:t>
             </a:r>
             <a:endParaRPr lang="en-US" altLang="zh-TW" sz="4800" b="1" dirty="0">
-              <a:latin typeface="Microsoft JhengHei" pitchFamily="34" charset="-120"/>
-              <a:ea typeface="Microsoft JhengHei" pitchFamily="34" charset="-120"/>
+              <a:solidFill>
+                <a:srgbClr val="000066"/>
+              </a:solidFill>
+              <a:latin typeface="微軟正黑體" pitchFamily="34" charset="-120"/>
+              <a:ea typeface="微軟正黑體" pitchFamily="34" charset="-120"/>
             </a:endParaRPr>
           </a:p>
+        </p:txBody>
+      </p:sp>
+    </p:spTree>
+    <p:extLst>
+      <p:ext uri="{BB962C8B-B14F-4D97-AF65-F5344CB8AC3E}">
+        <p14:creationId xmlns:p14="http://schemas.microsoft.com/office/powerpoint/2010/main" val="1224414288"/>
+      </p:ext>
+    </p:extLst>
+  </p:cSld>
+  <p:clrMapOvr>
+    <a:masterClrMapping/>
+  </p:clrMapOvr>
+</p:sld>
+</file>
+
+<file path=ppt/slides/slide6.xml><?xml version="1.0" encoding="utf-8"?>
+<p:sld xmlns:a="http://schemas.openxmlformats.org/drawingml/2006/main" xmlns:r="http://schemas.openxmlformats.org/officeDocument/2006/relationships" xmlns:p="http://schemas.openxmlformats.org/presentationml/2006/main">
+  <p:cSld>
+    <p:spTree>
+      <p:nvGrpSpPr>
+        <p:cNvPr id="1" name=""/>
+        <p:cNvGrpSpPr/>
+        <p:nvPr/>
+      </p:nvGrpSpPr>
+      <p:grpSpPr>
+        <a:xfrm>
+          <a:off x="0" y="0"/>
+          <a:ext cx="0" cy="0"/>
+          <a:chOff x="0" y="0"/>
+          <a:chExt cx="0" cy="0"/>
+        </a:xfrm>
+      </p:grpSpPr>
+      <p:sp>
+        <p:nvSpPr>
+          <p:cNvPr id="5" name="內容版面配置區 4"/>
+          <p:cNvSpPr>
+            <a:spLocks noGrp="1"/>
+          </p:cNvSpPr>
+          <p:nvPr>
+            <p:ph idx="1"/>
+          </p:nvPr>
+        </p:nvSpPr>
+        <p:spPr>
+          <a:xfrm>
+            <a:off x="0" y="1563638"/>
+            <a:ext cx="9144000" cy="1803647"/>
+          </a:xfrm>
+        </p:spPr>
+        <p:txBody>
+          <a:bodyPr anchor="ctr">
+            <a:normAutofit/>
+          </a:bodyPr>
+          <a:lstStyle/>
           <a:p>
             <a:pPr algn="ctr">
               <a:buNone/>
             </a:pPr>
             <a:r>
               <a:rPr lang="zh-TW" altLang="en-US" sz="4800" b="1" dirty="0">
-                <a:latin typeface="Microsoft JhengHei" pitchFamily="34" charset="-120"/>
-                <a:ea typeface="Microsoft JhengHei" pitchFamily="34" charset="-120"/>
+                <a:solidFill>
+                  <a:srgbClr val="000066"/>
+                </a:solidFill>
+                <a:latin typeface="微軟正黑體" pitchFamily="34" charset="-120"/>
+                <a:ea typeface="微軟正黑體" pitchFamily="34" charset="-120"/>
               </a:rPr>
               <a:t>願世界上的人</a:t>
             </a:r>
             <a:endParaRPr lang="en-US" altLang="zh-TW" sz="4800" b="1" dirty="0">
-              <a:latin typeface="Microsoft JhengHei" pitchFamily="34" charset="-120"/>
-              <a:ea typeface="Microsoft JhengHei" pitchFamily="34" charset="-120"/>
+              <a:solidFill>
+                <a:srgbClr val="000066"/>
+              </a:solidFill>
+              <a:latin typeface="微軟正黑體" pitchFamily="34" charset="-120"/>
+              <a:ea typeface="微軟正黑體" pitchFamily="34" charset="-120"/>
             </a:endParaRPr>
           </a:p>
           <a:p>
@@ -3374,26 +3533,40 @@
             </a:pPr>
             <a:r>
               <a:rPr lang="zh-TW" altLang="en-US" sz="4800" b="1" dirty="0">
-                <a:latin typeface="Microsoft JhengHei" pitchFamily="34" charset="-120"/>
-                <a:ea typeface="Microsoft JhengHei" pitchFamily="34" charset="-120"/>
+                <a:solidFill>
+                  <a:srgbClr val="000066"/>
+                </a:solidFill>
+                <a:latin typeface="微軟正黑體" pitchFamily="34" charset="-120"/>
+                <a:ea typeface="微軟正黑體" pitchFamily="34" charset="-120"/>
               </a:rPr>
-              <a:t>完全投入這光</a:t>
+              <a:t>完全投入這光 </a:t>
             </a:r>
             <a:r>
               <a:rPr lang="en-US" altLang="zh-TW" sz="4800" b="1" dirty="0">
-                <a:latin typeface="Microsoft JhengHei" pitchFamily="34" charset="-120"/>
-                <a:ea typeface="Microsoft JhengHei" pitchFamily="34" charset="-120"/>
+                <a:solidFill>
+                  <a:srgbClr val="000066"/>
+                </a:solidFill>
+                <a:latin typeface="微軟正黑體" pitchFamily="34" charset="-120"/>
+                <a:ea typeface="微軟正黑體" pitchFamily="34" charset="-120"/>
               </a:rPr>
               <a:t>Yeah</a:t>
             </a:r>
             <a:endParaRPr lang="zh-TW" altLang="en-US" sz="4800" b="1" dirty="0">
-              <a:latin typeface="Microsoft JhengHei" pitchFamily="34" charset="-120"/>
-              <a:ea typeface="Microsoft JhengHei" pitchFamily="34" charset="-120"/>
+              <a:solidFill>
+                <a:srgbClr val="000066"/>
+              </a:solidFill>
+              <a:latin typeface="微軟正黑體" pitchFamily="34" charset="-120"/>
+              <a:ea typeface="微軟正黑體" pitchFamily="34" charset="-120"/>
             </a:endParaRPr>
           </a:p>
         </p:txBody>
       </p:sp>
     </p:spTree>
+    <p:extLst>
+      <p:ext uri="{BB962C8B-B14F-4D97-AF65-F5344CB8AC3E}">
+        <p14:creationId xmlns:p14="http://schemas.microsoft.com/office/powerpoint/2010/main" val="1110295343"/>
+      </p:ext>
+    </p:extLst>
   </p:cSld>
   <p:clrMapOvr>
     <a:masterClrMapping/>
